--- a/ABC de la Géométrie.pptx
+++ b/ABC de la Géométrie.pptx
@@ -218,7 +218,8 @@
           <a:p>
             <a:fld id="{7AE9959F-69F5-4720-BBFA-64E15DA6C866}" type="datetimeFigureOut">
               <a:rPr lang="fr-FR" smtClean="0"/>
-              <a:t>09/02/2015</a:t>
+              <a:pPr/>
+              <a:t>10/02/2015</a:t>
             </a:fld>
             <a:endParaRPr lang="fr-FR"/>
           </a:p>
@@ -379,6 +380,7 @@
           <a:p>
             <a:fld id="{00ACA1A0-3CFD-417E-AD48-B2849E578D9A}" type="slidenum">
               <a:rPr lang="fr-FR" smtClean="0"/>
+              <a:pPr/>
               <a:t>‹N°›</a:t>
             </a:fld>
             <a:endParaRPr lang="fr-FR"/>
@@ -560,6 +562,7 @@
           <a:p>
             <a:fld id="{00ACA1A0-3CFD-417E-AD48-B2849E578D9A}" type="slidenum">
               <a:rPr lang="fr-FR" smtClean="0"/>
+              <a:pPr/>
               <a:t>1</a:t>
             </a:fld>
             <a:endParaRPr lang="fr-FR"/>
@@ -720,6 +723,7 @@
           <a:p>
             <a:fld id="{00ACA1A0-3CFD-417E-AD48-B2849E578D9A}" type="slidenum">
               <a:rPr lang="fr-FR" smtClean="0"/>
+              <a:pPr/>
               <a:t>13</a:t>
             </a:fld>
             <a:endParaRPr lang="fr-FR"/>
@@ -829,6 +833,7 @@
           <a:p>
             <a:fld id="{00ACA1A0-3CFD-417E-AD48-B2849E578D9A}" type="slidenum">
               <a:rPr lang="fr-FR" smtClean="0"/>
+              <a:pPr/>
               <a:t>14</a:t>
             </a:fld>
             <a:endParaRPr lang="fr-FR"/>
@@ -970,6 +975,7 @@
           <a:p>
             <a:fld id="{00ACA1A0-3CFD-417E-AD48-B2849E578D9A}" type="slidenum">
               <a:rPr lang="fr-FR" smtClean="0"/>
+              <a:pPr/>
               <a:t>16</a:t>
             </a:fld>
             <a:endParaRPr lang="fr-FR"/>
@@ -1109,6 +1115,7 @@
           <a:p>
             <a:fld id="{00ACA1A0-3CFD-417E-AD48-B2849E578D9A}" type="slidenum">
               <a:rPr lang="fr-FR" smtClean="0"/>
+              <a:pPr/>
               <a:t>17</a:t>
             </a:fld>
             <a:endParaRPr lang="fr-FR"/>
@@ -1429,6 +1436,7 @@
           <a:p>
             <a:fld id="{00ACA1A0-3CFD-417E-AD48-B2849E578D9A}" type="slidenum">
               <a:rPr lang="fr-FR" smtClean="0"/>
+              <a:pPr/>
               <a:t>18</a:t>
             </a:fld>
             <a:endParaRPr lang="fr-FR"/>
@@ -1489,66 +1497,6 @@
           </a:bodyPr>
           <a:lstStyle/>
           <a:p>
-            <a:pPr marL="0" marR="0" indent="0" algn="l" defTabSz="914400" rtl="0" eaLnBrk="1" fontAlgn="auto" latinLnBrk="0" hangingPunct="1">
-              <a:lnSpc>
-                <a:spcPct val="100000"/>
-              </a:lnSpc>
-              <a:spcBef>
-                <a:spcPts val="0"/>
-              </a:spcBef>
-              <a:spcAft>
-                <a:spcPts val="0"/>
-              </a:spcAft>
-              <a:buClrTx/>
-              <a:buSzTx/>
-              <a:buFontTx/>
-              <a:buNone/>
-              <a:tabLst/>
-              <a:defRPr/>
-            </a:pPr>
-            <a:r>
-              <a:rPr lang="fr-FR" dirty="0" smtClean="0">
-                <a:solidFill>
-                  <a:srgbClr val="00B0F0"/>
-                </a:solidFill>
-              </a:rPr>
-              <a:t>+ Expliquer orange = avant projet, jaune = projet, rouge = </a:t>
-            </a:r>
-            <a:r>
-              <a:rPr lang="fr-FR" dirty="0" err="1" smtClean="0">
-                <a:solidFill>
-                  <a:srgbClr val="00B0F0"/>
-                </a:solidFill>
-              </a:rPr>
-              <a:t>rdv</a:t>
-            </a:r>
-            <a:r>
-              <a:rPr lang="fr-FR" dirty="0" smtClean="0">
-                <a:solidFill>
-                  <a:srgbClr val="00B0F0"/>
-                </a:solidFill>
-              </a:rPr>
-              <a:t> client, violet = </a:t>
-            </a:r>
-            <a:r>
-              <a:rPr lang="fr-FR" dirty="0" err="1" smtClean="0">
-                <a:solidFill>
-                  <a:srgbClr val="00B0F0"/>
-                </a:solidFill>
-              </a:rPr>
-              <a:t>sout</a:t>
-            </a:r>
-            <a:r>
-              <a:rPr lang="fr-FR" dirty="0" smtClean="0">
-                <a:solidFill>
-                  <a:srgbClr val="00B0F0"/>
-                </a:solidFill>
-              </a:rPr>
-              <a:t>.</a:t>
-            </a:r>
-            <a:endParaRPr lang="fr-FR" dirty="0" smtClean="0"/>
-          </a:p>
-          <a:p>
             <a:endParaRPr lang="fr-FR" dirty="0"/>
           </a:p>
         </p:txBody>
@@ -1570,6 +1518,7 @@
           <a:p>
             <a:fld id="{00ACA1A0-3CFD-417E-AD48-B2849E578D9A}" type="slidenum">
               <a:rPr lang="fr-FR" smtClean="0"/>
+              <a:pPr/>
               <a:t>19</a:t>
             </a:fld>
             <a:endParaRPr lang="fr-FR"/>
@@ -1754,6 +1703,7 @@
           <a:p>
             <a:fld id="{00ACA1A0-3CFD-417E-AD48-B2849E578D9A}" type="slidenum">
               <a:rPr lang="fr-FR" smtClean="0"/>
+              <a:pPr/>
               <a:t>20</a:t>
             </a:fld>
             <a:endParaRPr lang="fr-FR"/>
@@ -2121,6 +2071,7 @@
           <a:p>
             <a:fld id="{00ACA1A0-3CFD-417E-AD48-B2849E578D9A}" type="slidenum">
               <a:rPr lang="fr-FR" smtClean="0"/>
+              <a:pPr/>
               <a:t>22</a:t>
             </a:fld>
             <a:endParaRPr lang="fr-FR"/>
@@ -2668,6 +2619,7 @@
           <a:p>
             <a:fld id="{00ACA1A0-3CFD-417E-AD48-B2849E578D9A}" type="slidenum">
               <a:rPr lang="fr-FR" smtClean="0"/>
+              <a:pPr/>
               <a:t>23</a:t>
             </a:fld>
             <a:endParaRPr lang="fr-FR"/>
@@ -2728,42 +2680,6 @@
           </a:bodyPr>
           <a:lstStyle/>
           <a:p>
-            <a:pPr marL="0" marR="0" indent="0" algn="l" defTabSz="914400" rtl="0" eaLnBrk="1" fontAlgn="auto" latinLnBrk="0" hangingPunct="1">
-              <a:lnSpc>
-                <a:spcPct val="100000"/>
-              </a:lnSpc>
-              <a:spcBef>
-                <a:spcPts val="0"/>
-              </a:spcBef>
-              <a:spcAft>
-                <a:spcPts val="0"/>
-              </a:spcAft>
-              <a:buClrTx/>
-              <a:buSzTx/>
-              <a:buFontTx/>
-              <a:buNone/>
-              <a:tabLst/>
-              <a:defRPr/>
-            </a:pPr>
-            <a:r>
-              <a:rPr lang="fr-FR" dirty="0" smtClean="0">
-                <a:solidFill>
-                  <a:srgbClr val="00B0F0"/>
-                </a:solidFill>
-              </a:rPr>
-              <a:t>Mini conclusion du</a:t>
-            </a:r>
-            <a:r>
-              <a:rPr lang="fr-FR" baseline="0" dirty="0" smtClean="0">
-                <a:solidFill>
-                  <a:srgbClr val="00B0F0"/>
-                </a:solidFill>
-              </a:rPr>
-              <a:t> déroulement</a:t>
-            </a:r>
-            <a:endParaRPr lang="fr-FR" dirty="0" smtClean="0"/>
-          </a:p>
-          <a:p>
             <a:endParaRPr lang="fr-FR" dirty="0"/>
           </a:p>
         </p:txBody>
@@ -2785,6 +2701,7 @@
           <a:p>
             <a:fld id="{00ACA1A0-3CFD-417E-AD48-B2849E578D9A}" type="slidenum">
               <a:rPr lang="fr-FR" smtClean="0"/>
+              <a:pPr/>
               <a:t>25</a:t>
             </a:fld>
             <a:endParaRPr lang="fr-FR"/>
@@ -2874,6 +2791,7 @@
           <a:p>
             <a:fld id="{00ACA1A0-3CFD-417E-AD48-B2849E578D9A}" type="slidenum">
               <a:rPr lang="fr-FR" smtClean="0"/>
+              <a:pPr/>
               <a:t>2</a:t>
             </a:fld>
             <a:endParaRPr lang="fr-FR"/>
@@ -2959,6 +2877,7 @@
           <a:p>
             <a:fld id="{00ACA1A0-3CFD-417E-AD48-B2849E578D9A}" type="slidenum">
               <a:rPr lang="fr-FR" smtClean="0"/>
+              <a:pPr/>
               <a:t>4</a:t>
             </a:fld>
             <a:endParaRPr lang="fr-FR"/>
@@ -3048,6 +2967,7 @@
           <a:p>
             <a:fld id="{00ACA1A0-3CFD-417E-AD48-B2849E578D9A}" type="slidenum">
               <a:rPr lang="fr-FR" smtClean="0"/>
+              <a:pPr/>
               <a:t>5</a:t>
             </a:fld>
             <a:endParaRPr lang="fr-FR"/>
@@ -3157,6 +3077,7 @@
           <a:p>
             <a:fld id="{00ACA1A0-3CFD-417E-AD48-B2849E578D9A}" type="slidenum">
               <a:rPr lang="fr-FR" smtClean="0"/>
+              <a:pPr/>
               <a:t>6</a:t>
             </a:fld>
             <a:endParaRPr lang="fr-FR"/>
@@ -3290,6 +3211,7 @@
           <a:p>
             <a:fld id="{00ACA1A0-3CFD-417E-AD48-B2849E578D9A}" type="slidenum">
               <a:rPr lang="fr-FR" smtClean="0"/>
+              <a:pPr/>
               <a:t>8</a:t>
             </a:fld>
             <a:endParaRPr lang="fr-FR"/>
@@ -3493,6 +3415,7 @@
           <a:p>
             <a:fld id="{00ACA1A0-3CFD-417E-AD48-B2849E578D9A}" type="slidenum">
               <a:rPr lang="fr-FR" smtClean="0"/>
+              <a:pPr/>
               <a:t>9</a:t>
             </a:fld>
             <a:endParaRPr lang="fr-FR"/>
@@ -3618,6 +3541,7 @@
           <a:p>
             <a:fld id="{00ACA1A0-3CFD-417E-AD48-B2849E578D9A}" type="slidenum">
               <a:rPr lang="fr-FR" smtClean="0"/>
+              <a:pPr/>
               <a:t>10</a:t>
             </a:fld>
             <a:endParaRPr lang="fr-FR"/>
@@ -3727,6 +3651,7 @@
           <a:p>
             <a:fld id="{00ACA1A0-3CFD-417E-AD48-B2849E578D9A}" type="slidenum">
               <a:rPr lang="fr-FR" smtClean="0"/>
+              <a:pPr/>
               <a:t>12</a:t>
             </a:fld>
             <a:endParaRPr lang="fr-FR"/>
@@ -3961,7 +3886,7 @@
             <a:fld id="{75C11EC9-A040-47B8-BB70-80F65291C0CD}" type="datetimeFigureOut">
               <a:rPr lang="fr-FR" smtClean="0"/>
               <a:pPr/>
-              <a:t>09/02/2015</a:t>
+              <a:t>10/02/2015</a:t>
             </a:fld>
             <a:endParaRPr lang="fr-FR"/>
           </a:p>
@@ -4150,7 +4075,7 @@
             <a:fld id="{75C11EC9-A040-47B8-BB70-80F65291C0CD}" type="datetimeFigureOut">
               <a:rPr lang="fr-FR" smtClean="0"/>
               <a:pPr/>
-              <a:t>09/02/2015</a:t>
+              <a:t>10/02/2015</a:t>
             </a:fld>
             <a:endParaRPr lang="fr-FR"/>
           </a:p>
@@ -4327,7 +4252,7 @@
             <a:fld id="{75C11EC9-A040-47B8-BB70-80F65291C0CD}" type="datetimeFigureOut">
               <a:rPr lang="fr-FR" smtClean="0"/>
               <a:pPr/>
-              <a:t>09/02/2015</a:t>
+              <a:t>10/02/2015</a:t>
             </a:fld>
             <a:endParaRPr lang="fr-FR"/>
           </a:p>
@@ -4509,7 +4434,7 @@
             <a:fld id="{75C11EC9-A040-47B8-BB70-80F65291C0CD}" type="datetimeFigureOut">
               <a:rPr lang="fr-FR" smtClean="0"/>
               <a:pPr/>
-              <a:t>09/02/2015</a:t>
+              <a:t>10/02/2015</a:t>
             </a:fld>
             <a:endParaRPr lang="fr-FR"/>
           </a:p>
@@ -4758,7 +4683,7 @@
             <a:fld id="{75C11EC9-A040-47B8-BB70-80F65291C0CD}" type="datetimeFigureOut">
               <a:rPr lang="fr-FR" smtClean="0"/>
               <a:pPr/>
-              <a:t>09/02/2015</a:t>
+              <a:t>10/02/2015</a:t>
             </a:fld>
             <a:endParaRPr lang="fr-FR"/>
           </a:p>
@@ -5234,7 +5159,7 @@
             <a:fld id="{75C11EC9-A040-47B8-BB70-80F65291C0CD}" type="datetimeFigureOut">
               <a:rPr lang="fr-FR" smtClean="0"/>
               <a:pPr/>
-              <a:t>09/02/2015</a:t>
+              <a:t>10/02/2015</a:t>
             </a:fld>
             <a:endParaRPr lang="fr-FR"/>
           </a:p>
@@ -5651,7 +5576,7 @@
             <a:fld id="{75C11EC9-A040-47B8-BB70-80F65291C0CD}" type="datetimeFigureOut">
               <a:rPr lang="fr-FR" smtClean="0"/>
               <a:pPr/>
-              <a:t>09/02/2015</a:t>
+              <a:t>10/02/2015</a:t>
             </a:fld>
             <a:endParaRPr lang="fr-FR"/>
           </a:p>
@@ -5784,7 +5709,7 @@
             <a:fld id="{75C11EC9-A040-47B8-BB70-80F65291C0CD}" type="datetimeFigureOut">
               <a:rPr lang="fr-FR" smtClean="0"/>
               <a:pPr/>
-              <a:t>09/02/2015</a:t>
+              <a:t>10/02/2015</a:t>
             </a:fld>
             <a:endParaRPr lang="fr-FR"/>
           </a:p>
@@ -5881,7 +5806,7 @@
             <a:fld id="{75C11EC9-A040-47B8-BB70-80F65291C0CD}" type="datetimeFigureOut">
               <a:rPr lang="fr-FR" smtClean="0"/>
               <a:pPr/>
-              <a:t>09/02/2015</a:t>
+              <a:t>10/02/2015</a:t>
             </a:fld>
             <a:endParaRPr lang="fr-FR"/>
           </a:p>
@@ -6161,7 +6086,7 @@
             <a:fld id="{75C11EC9-A040-47B8-BB70-80F65291C0CD}" type="datetimeFigureOut">
               <a:rPr lang="fr-FR" smtClean="0"/>
               <a:pPr/>
-              <a:t>09/02/2015</a:t>
+              <a:t>10/02/2015</a:t>
             </a:fld>
             <a:endParaRPr lang="fr-FR"/>
           </a:p>
@@ -6415,7 +6340,7 @@
             <a:fld id="{75C11EC9-A040-47B8-BB70-80F65291C0CD}" type="datetimeFigureOut">
               <a:rPr lang="fr-FR" smtClean="0"/>
               <a:pPr/>
-              <a:t>09/02/2015</a:t>
+              <a:t>10/02/2015</a:t>
             </a:fld>
             <a:endParaRPr lang="fr-FR"/>
           </a:p>
@@ -6789,7 +6714,7 @@
             <a:fld id="{75C11EC9-A040-47B8-BB70-80F65291C0CD}" type="datetimeFigureOut">
               <a:rPr lang="fr-FR" smtClean="0"/>
               <a:pPr/>
-              <a:t>09/02/2015</a:t>
+              <a:t>10/02/2015</a:t>
             </a:fld>
             <a:endParaRPr lang="fr-FR"/>
           </a:p>
@@ -7233,11 +7158,7 @@
           <a:p>
             <a:r>
               <a:rPr lang="fr-FR" sz="5500" b="1" dirty="0" smtClean="0"/>
-              <a:t>ABC </a:t>
-            </a:r>
-            <a:r>
-              <a:rPr lang="fr-FR" sz="5500" b="1" dirty="0" smtClean="0"/>
-              <a:t>DE LA GEOMETRIE</a:t>
+              <a:t>ABC DE LA GEOMETRIE</a:t>
             </a:r>
             <a:endParaRPr lang="fr-FR" sz="5500" b="1" dirty="0"/>
           </a:p>
@@ -10699,7 +10620,7 @@
                                 </p:cTn>
                               </p:par>
                               <p:par>
-                                <p:cTn id="40" presetID="14" presetClass="entr" presetSubtype="10" fill="hold" grpId="0" nodeType="withEffect">
+                                <p:cTn id="40" presetID="14" presetClass="entr" presetSubtype="10" fill="hold" nodeType="withEffect">
                                   <p:stCondLst>
                                     <p:cond delay="0"/>
                                   </p:stCondLst>
@@ -10787,7 +10708,7 @@
                                 </p:cTn>
                               </p:par>
                               <p:par>
-                                <p:cTn id="48" presetID="14" presetClass="entr" presetSubtype="10" fill="hold" grpId="0" nodeType="withEffect">
+                                <p:cTn id="48" presetID="14" presetClass="entr" presetSubtype="10" fill="hold" nodeType="withEffect">
                                   <p:stCondLst>
                                     <p:cond delay="0"/>
                                   </p:stCondLst>
@@ -10875,7 +10796,7 @@
                                 </p:cTn>
                               </p:par>
                               <p:par>
-                                <p:cTn id="56" presetID="14" presetClass="entr" presetSubtype="10" fill="hold" grpId="0" nodeType="withEffect">
+                                <p:cTn id="56" presetID="14" presetClass="entr" presetSubtype="10" fill="hold" nodeType="withEffect">
                                   <p:stCondLst>
                                     <p:cond delay="0"/>
                                   </p:stCondLst>
@@ -12916,11 +12837,7 @@
             </a:r>
             <a:r>
               <a:rPr lang="fr-FR" sz="2000" dirty="0" smtClean="0"/>
-              <a:t> </a:t>
-            </a:r>
-            <a:r>
-              <a:rPr lang="fr-FR" sz="2000" dirty="0" smtClean="0"/>
-              <a:t>interface (API)</a:t>
+              <a:t> interface (API)</a:t>
             </a:r>
             <a:endParaRPr lang="fr-FR" sz="2000" dirty="0"/>
           </a:p>
@@ -14723,17 +14640,7 @@
                   </a:schemeClr>
                 </a:solidFill>
               </a:rPr>
-              <a:t> </a:t>
-            </a:r>
-            <a:r>
-              <a:rPr lang="fr-FR" sz="2500" dirty="0" smtClean="0">
-                <a:solidFill>
-                  <a:schemeClr val="tx1">
-                    <a:tint val="75000"/>
-                  </a:schemeClr>
-                </a:solidFill>
-              </a:rPr>
-              <a:t>met</a:t>
+              <a:t> met</a:t>
             </a:r>
             <a:endParaRPr lang="fr-FR" sz="1500" dirty="0" smtClean="0">
               <a:solidFill>
@@ -14770,17 +14677,7 @@
                   </a:schemeClr>
                 </a:solidFill>
               </a:rPr>
-              <a:t>Project </a:t>
-            </a:r>
-            <a:r>
-              <a:rPr lang="fr-FR" sz="2500" dirty="0" smtClean="0">
-                <a:solidFill>
-                  <a:schemeClr val="tx1">
-                    <a:tint val="75000"/>
-                  </a:schemeClr>
-                </a:solidFill>
-              </a:rPr>
-              <a:t>report</a:t>
+              <a:t>Project report</a:t>
             </a:r>
             <a:endParaRPr lang="fr-FR" sz="1500" dirty="0" smtClean="0">
               <a:solidFill>
@@ -15042,15 +14939,7 @@
             <a:pPr algn="ctr"/>
             <a:r>
               <a:rPr lang="en-US" sz="2000" dirty="0" smtClean="0"/>
-              <a:t>page endgame </a:t>
-            </a:r>
-            <a:r>
-              <a:rPr lang="en-US" sz="2000" dirty="0" smtClean="0"/>
-              <a:t>without </a:t>
-            </a:r>
-            <a:r>
-              <a:rPr lang="en-US" sz="2000" dirty="0" smtClean="0"/>
-              <a:t>new record</a:t>
+              <a:t>page endgame without new record</a:t>
             </a:r>
             <a:endParaRPr lang="fr-FR" sz="2000" dirty="0"/>
           </a:p>
@@ -15109,11 +14998,7 @@
             <a:pPr algn="ctr"/>
             <a:r>
               <a:rPr lang="en-US" sz="2000" dirty="0" smtClean="0"/>
-              <a:t>page </a:t>
-            </a:r>
-            <a:r>
-              <a:rPr lang="en-US" sz="2000" dirty="0" smtClean="0"/>
-              <a:t>scoreboard</a:t>
+              <a:t>page scoreboard</a:t>
             </a:r>
             <a:endParaRPr lang="fr-FR" sz="2000" dirty="0"/>
           </a:p>
@@ -15472,7 +15357,6 @@
               <a:rPr lang="fr-FR" sz="5500" b="1" dirty="0" smtClean="0"/>
               <a:t>DISPARITIES AND PROBLEMS MET</a:t>
             </a:r>
-            <a:endParaRPr lang="fr-FR" sz="5500" b="1" dirty="0" smtClean="0"/>
           </a:p>
         </p:txBody>
       </p:sp>
@@ -15606,23 +15490,7 @@
                   <a:schemeClr val="tx1"/>
                 </a:solidFill>
               </a:rPr>
-              <a:t>A sick member </a:t>
-            </a:r>
-            <a:r>
-              <a:rPr lang="en-US" b="1" dirty="0" smtClean="0">
-                <a:solidFill>
-                  <a:schemeClr val="tx1"/>
-                </a:solidFill>
-              </a:rPr>
-              <a:t>on </a:t>
-            </a:r>
-            <a:r>
-              <a:rPr lang="en-US" b="1" dirty="0" smtClean="0">
-                <a:solidFill>
-                  <a:schemeClr val="tx1"/>
-                </a:solidFill>
-              </a:rPr>
-              <a:t>the first week</a:t>
+              <a:t>A sick member on the first week</a:t>
             </a:r>
             <a:endParaRPr lang="fr-FR" b="1" dirty="0">
               <a:solidFill>
@@ -16282,23 +16150,7 @@
                   <a:schemeClr val="bg1"/>
                 </a:solidFill>
               </a:rPr>
-              <a:t>Possibility to </a:t>
-            </a:r>
-            <a:r>
-              <a:rPr lang="en-US" b="1" dirty="0" smtClean="0">
-                <a:solidFill>
-                  <a:schemeClr val="bg1"/>
-                </a:solidFill>
-              </a:rPr>
-              <a:t>remove </a:t>
-            </a:r>
-            <a:r>
-              <a:rPr lang="en-US" b="1" dirty="0" smtClean="0">
-                <a:solidFill>
-                  <a:schemeClr val="bg1"/>
-                </a:solidFill>
-              </a:rPr>
-              <a:t>questions</a:t>
+              <a:t>Possibility to remove questions</a:t>
             </a:r>
             <a:endParaRPr lang="fr-FR" b="1" dirty="0">
               <a:solidFill>
@@ -16948,102 +16800,599 @@
           </a:p>
         </p:txBody>
       </p:sp>
-      <p:graphicFrame>
-        <p:nvGraphicFramePr>
-          <p:cNvPr id="3" name="Tableau 2"/>
-          <p:cNvGraphicFramePr>
-            <a:graphicFrameLocks noGrp="1"/>
-          </p:cNvGraphicFramePr>
+      <p:sp>
+        <p:nvSpPr>
+          <p:cNvPr id="4" name="Plus 3"/>
+          <p:cNvSpPr/>
           <p:nvPr/>
-        </p:nvGraphicFramePr>
-        <p:xfrm>
-          <a:off x="1475656" y="1988840"/>
-          <a:ext cx="6096000" cy="2123134"/>
-        </p:xfrm>
-        <a:graphic>
-          <a:graphicData uri="http://schemas.openxmlformats.org/drawingml/2006/table">
-            <a:tbl>
-              <a:tblPr firstRow="1" bandRow="1">
-                <a:tableStyleId>{F5AB1C69-6EDB-4FF4-983F-18BD219EF322}</a:tableStyleId>
-              </a:tblPr>
-              <a:tblGrid>
-                <a:gridCol w="3048000"/>
-                <a:gridCol w="3048000"/>
-              </a:tblGrid>
-              <a:tr h="648072">
-                <a:tc>
-                  <a:txBody>
-                    <a:bodyPr/>
-                    <a:lstStyle/>
-                    <a:p>
-                      <a:pPr algn="ctr"/>
-                      <a:r>
-                        <a:rPr lang="fr-FR" sz="3500" dirty="0" smtClean="0">
-                          <a:solidFill>
-                            <a:srgbClr val="00B050"/>
-                          </a:solidFill>
-                        </a:rPr>
-                        <a:t>+</a:t>
-                      </a:r>
-                      <a:endParaRPr lang="fr-FR" sz="3500" dirty="0">
-                        <a:solidFill>
-                          <a:srgbClr val="00B050"/>
-                        </a:solidFill>
-                      </a:endParaRPr>
-                    </a:p>
-                  </a:txBody>
-                  <a:tcPr/>
-                </a:tc>
-                <a:tc>
-                  <a:txBody>
-                    <a:bodyPr/>
-                    <a:lstStyle/>
-                    <a:p>
-                      <a:pPr algn="ctr"/>
-                      <a:r>
-                        <a:rPr lang="fr-FR" sz="3500" dirty="0" smtClean="0">
-                          <a:solidFill>
-                            <a:srgbClr val="C00000"/>
-                          </a:solidFill>
-                        </a:rPr>
-                        <a:t>-</a:t>
-                      </a:r>
-                      <a:endParaRPr lang="fr-FR" sz="3500" dirty="0">
-                        <a:solidFill>
-                          <a:srgbClr val="C00000"/>
-                        </a:solidFill>
-                      </a:endParaRPr>
-                    </a:p>
-                  </a:txBody>
-                  <a:tcPr/>
-                </a:tc>
-              </a:tr>
-              <a:tr h="1475062">
-                <a:tc>
-                  <a:txBody>
-                    <a:bodyPr/>
-                    <a:lstStyle/>
-                    <a:p>
-                      <a:endParaRPr lang="fr-FR"/>
-                    </a:p>
-                  </a:txBody>
-                  <a:tcPr/>
-                </a:tc>
-                <a:tc>
-                  <a:txBody>
-                    <a:bodyPr/>
-                    <a:lstStyle/>
-                    <a:p>
-                      <a:endParaRPr lang="fr-FR" dirty="0"/>
-                    </a:p>
-                  </a:txBody>
-                  <a:tcPr/>
-                </a:tc>
-              </a:tr>
-            </a:tbl>
-          </a:graphicData>
-        </a:graphic>
-      </p:graphicFrame>
+        </p:nvSpPr>
+        <p:spPr>
+          <a:xfrm>
+            <a:off x="2339752" y="1628800"/>
+            <a:ext cx="792088" cy="792088"/>
+          </a:xfrm>
+          <a:prstGeom prst="mathPlus">
+            <a:avLst/>
+          </a:prstGeom>
+          <a:solidFill>
+            <a:srgbClr val="00B050"/>
+          </a:solidFill>
+          <a:ln>
+            <a:noFill/>
+          </a:ln>
+          <a:effectLst>
+            <a:outerShdw blurRad="149987" dist="250190" dir="8460000" algn="ctr">
+              <a:srgbClr val="000000">
+                <a:alpha val="28000"/>
+              </a:srgbClr>
+            </a:outerShdw>
+          </a:effectLst>
+          <a:scene3d>
+            <a:camera prst="orthographicFront">
+              <a:rot lat="0" lon="0" rev="0"/>
+            </a:camera>
+            <a:lightRig rig="contrasting" dir="t">
+              <a:rot lat="0" lon="0" rev="1500000"/>
+            </a:lightRig>
+          </a:scene3d>
+          <a:sp3d prstMaterial="metal">
+            <a:bevelT w="88900" h="88900"/>
+          </a:sp3d>
+        </p:spPr>
+        <p:style>
+          <a:lnRef idx="0">
+            <a:schemeClr val="accent2"/>
+          </a:lnRef>
+          <a:fillRef idx="3">
+            <a:schemeClr val="accent2"/>
+          </a:fillRef>
+          <a:effectRef idx="3">
+            <a:schemeClr val="accent2"/>
+          </a:effectRef>
+          <a:fontRef idx="minor">
+            <a:schemeClr val="lt1"/>
+          </a:fontRef>
+        </p:style>
+        <p:txBody>
+          <a:bodyPr rtlCol="0" anchor="ctr"/>
+          <a:lstStyle/>
+          <a:p>
+            <a:pPr algn="ctr"/>
+            <a:endParaRPr lang="fr-FR"/>
+          </a:p>
+        </p:txBody>
+      </p:sp>
+      <p:sp>
+        <p:nvSpPr>
+          <p:cNvPr id="5" name="Moins 4"/>
+          <p:cNvSpPr/>
+          <p:nvPr/>
+        </p:nvSpPr>
+        <p:spPr>
+          <a:xfrm>
+            <a:off x="6012160" y="1628800"/>
+            <a:ext cx="936104" cy="792088"/>
+          </a:xfrm>
+          <a:prstGeom prst="mathMinus">
+            <a:avLst/>
+          </a:prstGeom>
+          <a:solidFill>
+            <a:srgbClr val="C00000"/>
+          </a:solidFill>
+          <a:ln>
+            <a:noFill/>
+          </a:ln>
+          <a:effectLst>
+            <a:outerShdw blurRad="149987" dist="250190" dir="8460000" algn="ctr">
+              <a:srgbClr val="000000">
+                <a:alpha val="28000"/>
+              </a:srgbClr>
+            </a:outerShdw>
+          </a:effectLst>
+          <a:scene3d>
+            <a:camera prst="orthographicFront">
+              <a:rot lat="0" lon="0" rev="0"/>
+            </a:camera>
+            <a:lightRig rig="contrasting" dir="t">
+              <a:rot lat="0" lon="0" rev="1500000"/>
+            </a:lightRig>
+          </a:scene3d>
+          <a:sp3d prstMaterial="metal">
+            <a:bevelT w="88900" h="88900"/>
+          </a:sp3d>
+        </p:spPr>
+        <p:style>
+          <a:lnRef idx="0">
+            <a:schemeClr val="accent2"/>
+          </a:lnRef>
+          <a:fillRef idx="3">
+            <a:schemeClr val="accent2"/>
+          </a:fillRef>
+          <a:effectRef idx="3">
+            <a:schemeClr val="accent2"/>
+          </a:effectRef>
+          <a:fontRef idx="minor">
+            <a:schemeClr val="lt1"/>
+          </a:fontRef>
+        </p:style>
+        <p:txBody>
+          <a:bodyPr rtlCol="0" anchor="ctr"/>
+          <a:lstStyle/>
+          <a:p>
+            <a:pPr algn="ctr"/>
+            <a:endParaRPr lang="fr-FR"/>
+          </a:p>
+        </p:txBody>
+      </p:sp>
+      <p:sp>
+        <p:nvSpPr>
+          <p:cNvPr id="6" name="Rectangle 5"/>
+          <p:cNvSpPr/>
+          <p:nvPr/>
+        </p:nvSpPr>
+        <p:spPr>
+          <a:xfrm>
+            <a:off x="971600" y="5805264"/>
+            <a:ext cx="3456384" cy="504056"/>
+          </a:xfrm>
+          <a:prstGeom prst="rect">
+            <a:avLst/>
+          </a:prstGeom>
+          <a:ln>
+            <a:noFill/>
+          </a:ln>
+          <a:effectLst>
+            <a:outerShdw blurRad="149987" dist="250190" dir="8460000" algn="ctr">
+              <a:srgbClr val="000000">
+                <a:alpha val="28000"/>
+              </a:srgbClr>
+            </a:outerShdw>
+          </a:effectLst>
+          <a:scene3d>
+            <a:camera prst="orthographicFront">
+              <a:rot lat="0" lon="0" rev="0"/>
+            </a:camera>
+            <a:lightRig rig="contrasting" dir="t">
+              <a:rot lat="0" lon="0" rev="1500000"/>
+            </a:lightRig>
+          </a:scene3d>
+          <a:sp3d prstMaterial="metal">
+            <a:bevelT w="88900" h="88900"/>
+          </a:sp3d>
+        </p:spPr>
+        <p:style>
+          <a:lnRef idx="1">
+            <a:schemeClr val="accent1"/>
+          </a:lnRef>
+          <a:fillRef idx="3">
+            <a:schemeClr val="accent1"/>
+          </a:fillRef>
+          <a:effectRef idx="2">
+            <a:schemeClr val="accent1"/>
+          </a:effectRef>
+          <a:fontRef idx="minor">
+            <a:schemeClr val="lt1"/>
+          </a:fontRef>
+        </p:style>
+        <p:txBody>
+          <a:bodyPr rtlCol="0" anchor="ctr"/>
+          <a:lstStyle/>
+          <a:p>
+            <a:pPr algn="ctr">
+              <a:defRPr/>
+            </a:pPr>
+            <a:r>
+              <a:rPr lang="en-US" b="1" dirty="0" smtClean="0">
+                <a:solidFill>
+                  <a:schemeClr val="bg1"/>
+                </a:solidFill>
+              </a:rPr>
+              <a:t>A playful project</a:t>
+            </a:r>
+          </a:p>
+        </p:txBody>
+      </p:sp>
+      <p:sp>
+        <p:nvSpPr>
+          <p:cNvPr id="7" name="Rectangle 6"/>
+          <p:cNvSpPr/>
+          <p:nvPr/>
+        </p:nvSpPr>
+        <p:spPr>
+          <a:xfrm>
+            <a:off x="971600" y="2636912"/>
+            <a:ext cx="3456384" cy="864096"/>
+          </a:xfrm>
+          <a:prstGeom prst="rect">
+            <a:avLst/>
+          </a:prstGeom>
+          <a:ln>
+            <a:noFill/>
+          </a:ln>
+          <a:effectLst>
+            <a:outerShdw blurRad="149987" dist="250190" dir="8460000" algn="ctr">
+              <a:srgbClr val="000000">
+                <a:alpha val="28000"/>
+              </a:srgbClr>
+            </a:outerShdw>
+          </a:effectLst>
+          <a:scene3d>
+            <a:camera prst="orthographicFront">
+              <a:rot lat="0" lon="0" rev="0"/>
+            </a:camera>
+            <a:lightRig rig="contrasting" dir="t">
+              <a:rot lat="0" lon="0" rev="1500000"/>
+            </a:lightRig>
+          </a:scene3d>
+          <a:sp3d prstMaterial="metal">
+            <a:bevelT w="88900" h="88900"/>
+          </a:sp3d>
+        </p:spPr>
+        <p:style>
+          <a:lnRef idx="1">
+            <a:schemeClr val="accent1"/>
+          </a:lnRef>
+          <a:fillRef idx="3">
+            <a:schemeClr val="accent1"/>
+          </a:fillRef>
+          <a:effectRef idx="2">
+            <a:schemeClr val="accent1"/>
+          </a:effectRef>
+          <a:fontRef idx="minor">
+            <a:schemeClr val="lt1"/>
+          </a:fontRef>
+        </p:style>
+        <p:txBody>
+          <a:bodyPr rtlCol="0" anchor="ctr"/>
+          <a:lstStyle/>
+          <a:p>
+            <a:pPr algn="ctr"/>
+            <a:r>
+              <a:rPr lang="en-US" b="1" dirty="0" smtClean="0">
+                <a:solidFill>
+                  <a:schemeClr val="bg1"/>
+                </a:solidFill>
+              </a:rPr>
+              <a:t>Be able to follow a project from the beginning to the end</a:t>
+            </a:r>
+          </a:p>
+        </p:txBody>
+      </p:sp>
+      <p:sp>
+        <p:nvSpPr>
+          <p:cNvPr id="9" name="Rectangle 8"/>
+          <p:cNvSpPr/>
+          <p:nvPr/>
+        </p:nvSpPr>
+        <p:spPr>
+          <a:xfrm>
+            <a:off x="971600" y="3645024"/>
+            <a:ext cx="3456384" cy="504056"/>
+          </a:xfrm>
+          <a:prstGeom prst="rect">
+            <a:avLst/>
+          </a:prstGeom>
+          <a:ln>
+            <a:noFill/>
+          </a:ln>
+          <a:effectLst>
+            <a:outerShdw blurRad="149987" dist="250190" dir="8460000" algn="ctr">
+              <a:srgbClr val="000000">
+                <a:alpha val="28000"/>
+              </a:srgbClr>
+            </a:outerShdw>
+          </a:effectLst>
+          <a:scene3d>
+            <a:camera prst="orthographicFront">
+              <a:rot lat="0" lon="0" rev="0"/>
+            </a:camera>
+            <a:lightRig rig="contrasting" dir="t">
+              <a:rot lat="0" lon="0" rev="1500000"/>
+            </a:lightRig>
+          </a:scene3d>
+          <a:sp3d prstMaterial="metal">
+            <a:bevelT w="88900" h="88900"/>
+          </a:sp3d>
+        </p:spPr>
+        <p:style>
+          <a:lnRef idx="1">
+            <a:schemeClr val="accent1"/>
+          </a:lnRef>
+          <a:fillRef idx="3">
+            <a:schemeClr val="accent1"/>
+          </a:fillRef>
+          <a:effectRef idx="2">
+            <a:schemeClr val="accent1"/>
+          </a:effectRef>
+          <a:fontRef idx="minor">
+            <a:schemeClr val="lt1"/>
+          </a:fontRef>
+        </p:style>
+        <p:txBody>
+          <a:bodyPr rtlCol="0" anchor="ctr"/>
+          <a:lstStyle/>
+          <a:p>
+            <a:pPr algn="ctr"/>
+            <a:r>
+              <a:rPr lang="en-US" b="1" dirty="0" smtClean="0">
+                <a:solidFill>
+                  <a:schemeClr val="bg1"/>
+                </a:solidFill>
+              </a:rPr>
+              <a:t>A full time project</a:t>
+            </a:r>
+          </a:p>
+        </p:txBody>
+      </p:sp>
+      <p:sp>
+        <p:nvSpPr>
+          <p:cNvPr id="10" name="Rectangle 9"/>
+          <p:cNvSpPr/>
+          <p:nvPr/>
+        </p:nvSpPr>
+        <p:spPr>
+          <a:xfrm>
+            <a:off x="971600" y="4293096"/>
+            <a:ext cx="3456384" cy="504056"/>
+          </a:xfrm>
+          <a:prstGeom prst="rect">
+            <a:avLst/>
+          </a:prstGeom>
+          <a:ln>
+            <a:noFill/>
+          </a:ln>
+          <a:effectLst>
+            <a:outerShdw blurRad="149987" dist="250190" dir="8460000" algn="ctr">
+              <a:srgbClr val="000000">
+                <a:alpha val="28000"/>
+              </a:srgbClr>
+            </a:outerShdw>
+          </a:effectLst>
+          <a:scene3d>
+            <a:camera prst="orthographicFront">
+              <a:rot lat="0" lon="0" rev="0"/>
+            </a:camera>
+            <a:lightRig rig="contrasting" dir="t">
+              <a:rot lat="0" lon="0" rev="1500000"/>
+            </a:lightRig>
+          </a:scene3d>
+          <a:sp3d prstMaterial="metal">
+            <a:bevelT w="88900" h="88900"/>
+          </a:sp3d>
+        </p:spPr>
+        <p:style>
+          <a:lnRef idx="1">
+            <a:schemeClr val="accent1"/>
+          </a:lnRef>
+          <a:fillRef idx="3">
+            <a:schemeClr val="accent1"/>
+          </a:fillRef>
+          <a:effectRef idx="2">
+            <a:schemeClr val="accent1"/>
+          </a:effectRef>
+          <a:fontRef idx="minor">
+            <a:schemeClr val="lt1"/>
+          </a:fontRef>
+        </p:style>
+        <p:txBody>
+          <a:bodyPr rtlCol="0" anchor="ctr"/>
+          <a:lstStyle/>
+          <a:p>
+            <a:pPr algn="ctr"/>
+            <a:r>
+              <a:rPr lang="en-US" b="1" dirty="0" smtClean="0">
+                <a:solidFill>
+                  <a:schemeClr val="bg1"/>
+                </a:solidFill>
+              </a:rPr>
+              <a:t>A good customer contact</a:t>
+            </a:r>
+          </a:p>
+        </p:txBody>
+      </p:sp>
+      <p:sp>
+        <p:nvSpPr>
+          <p:cNvPr id="11" name="Rectangle 10"/>
+          <p:cNvSpPr/>
+          <p:nvPr/>
+        </p:nvSpPr>
+        <p:spPr>
+          <a:xfrm>
+            <a:off x="971600" y="4902696"/>
+            <a:ext cx="3422848" cy="758552"/>
+          </a:xfrm>
+          <a:prstGeom prst="rect">
+            <a:avLst/>
+          </a:prstGeom>
+          <a:ln>
+            <a:noFill/>
+          </a:ln>
+          <a:effectLst>
+            <a:outerShdw blurRad="149987" dist="250190" dir="8460000" algn="ctr">
+              <a:srgbClr val="000000">
+                <a:alpha val="28000"/>
+              </a:srgbClr>
+            </a:outerShdw>
+          </a:effectLst>
+          <a:scene3d>
+            <a:camera prst="orthographicFront">
+              <a:rot lat="0" lon="0" rev="0"/>
+            </a:camera>
+            <a:lightRig rig="contrasting" dir="t">
+              <a:rot lat="0" lon="0" rev="1500000"/>
+            </a:lightRig>
+          </a:scene3d>
+          <a:sp3d prstMaterial="metal">
+            <a:bevelT w="88900" h="88900"/>
+          </a:sp3d>
+        </p:spPr>
+        <p:style>
+          <a:lnRef idx="1">
+            <a:schemeClr val="accent1"/>
+          </a:lnRef>
+          <a:fillRef idx="3">
+            <a:schemeClr val="accent1"/>
+          </a:fillRef>
+          <a:effectRef idx="2">
+            <a:schemeClr val="accent1"/>
+          </a:effectRef>
+          <a:fontRef idx="minor">
+            <a:schemeClr val="lt1"/>
+          </a:fontRef>
+        </p:style>
+        <p:txBody>
+          <a:bodyPr rtlCol="0" anchor="ctr"/>
+          <a:lstStyle/>
+          <a:p>
+            <a:pPr algn="ctr"/>
+            <a:r>
+              <a:rPr lang="en-US" b="1" dirty="0" smtClean="0">
+                <a:solidFill>
+                  <a:schemeClr val="bg1"/>
+                </a:solidFill>
+              </a:rPr>
+              <a:t>Acquisition of expertise in Android development</a:t>
+            </a:r>
+          </a:p>
+        </p:txBody>
+      </p:sp>
+      <p:sp>
+        <p:nvSpPr>
+          <p:cNvPr id="12" name="Rectangle 11"/>
+          <p:cNvSpPr/>
+          <p:nvPr/>
+        </p:nvSpPr>
+        <p:spPr>
+          <a:xfrm>
+            <a:off x="4788024" y="3645024"/>
+            <a:ext cx="3456384" cy="864096"/>
+          </a:xfrm>
+          <a:prstGeom prst="rect">
+            <a:avLst/>
+          </a:prstGeom>
+          <a:ln>
+            <a:noFill/>
+          </a:ln>
+          <a:effectLst>
+            <a:outerShdw blurRad="149987" dist="250190" dir="8460000" algn="ctr">
+              <a:srgbClr val="000000">
+                <a:alpha val="28000"/>
+              </a:srgbClr>
+            </a:outerShdw>
+          </a:effectLst>
+          <a:scene3d>
+            <a:camera prst="orthographicFront">
+              <a:rot lat="0" lon="0" rev="0"/>
+            </a:camera>
+            <a:lightRig rig="contrasting" dir="t">
+              <a:rot lat="0" lon="0" rev="1500000"/>
+            </a:lightRig>
+          </a:scene3d>
+          <a:sp3d prstMaterial="metal">
+            <a:bevelT w="88900" h="88900"/>
+          </a:sp3d>
+        </p:spPr>
+        <p:style>
+          <a:lnRef idx="1">
+            <a:schemeClr val="accent1"/>
+          </a:lnRef>
+          <a:fillRef idx="3">
+            <a:schemeClr val="accent1"/>
+          </a:fillRef>
+          <a:effectRef idx="2">
+            <a:schemeClr val="accent1"/>
+          </a:effectRef>
+          <a:fontRef idx="minor">
+            <a:schemeClr val="lt1"/>
+          </a:fontRef>
+        </p:style>
+        <p:txBody>
+          <a:bodyPr rtlCol="0" anchor="ctr"/>
+          <a:lstStyle/>
+          <a:p>
+            <a:pPr algn="ctr"/>
+            <a:r>
+              <a:rPr lang="en-US" b="1" dirty="0" smtClean="0">
+                <a:solidFill>
+                  <a:schemeClr val="bg1"/>
+                </a:solidFill>
+              </a:rPr>
+              <a:t>Lack of time to finalize details (Like voice synthesis)</a:t>
+            </a:r>
+          </a:p>
+        </p:txBody>
+      </p:sp>
+      <p:sp>
+        <p:nvSpPr>
+          <p:cNvPr id="13" name="Rectangle 12"/>
+          <p:cNvSpPr/>
+          <p:nvPr/>
+        </p:nvSpPr>
+        <p:spPr>
+          <a:xfrm>
+            <a:off x="4788024" y="2636912"/>
+            <a:ext cx="3456384" cy="864096"/>
+          </a:xfrm>
+          <a:prstGeom prst="rect">
+            <a:avLst/>
+          </a:prstGeom>
+          <a:ln>
+            <a:noFill/>
+          </a:ln>
+          <a:effectLst>
+            <a:outerShdw blurRad="149987" dist="250190" dir="8460000" algn="ctr">
+              <a:srgbClr val="000000">
+                <a:alpha val="28000"/>
+              </a:srgbClr>
+            </a:outerShdw>
+          </a:effectLst>
+          <a:scene3d>
+            <a:camera prst="orthographicFront">
+              <a:rot lat="0" lon="0" rev="0"/>
+            </a:camera>
+            <a:lightRig rig="contrasting" dir="t">
+              <a:rot lat="0" lon="0" rev="1500000"/>
+            </a:lightRig>
+          </a:scene3d>
+          <a:sp3d prstMaterial="metal">
+            <a:bevelT w="88900" h="88900"/>
+          </a:sp3d>
+        </p:spPr>
+        <p:style>
+          <a:lnRef idx="1">
+            <a:schemeClr val="accent1"/>
+          </a:lnRef>
+          <a:fillRef idx="3">
+            <a:schemeClr val="accent1"/>
+          </a:fillRef>
+          <a:effectRef idx="2">
+            <a:schemeClr val="accent1"/>
+          </a:effectRef>
+          <a:fontRef idx="minor">
+            <a:schemeClr val="lt1"/>
+          </a:fontRef>
+        </p:style>
+        <p:txBody>
+          <a:bodyPr rtlCol="0" anchor="ctr"/>
+          <a:lstStyle/>
+          <a:p>
+            <a:pPr algn="ctr"/>
+            <a:r>
+              <a:rPr lang="en-US" b="1" dirty="0" smtClean="0">
+                <a:solidFill>
+                  <a:schemeClr val="bg1"/>
+                </a:solidFill>
+              </a:rPr>
+              <a:t>Inability to work with children to test the application</a:t>
+            </a:r>
+            <a:endParaRPr lang="fr-FR" b="1" dirty="0" smtClean="0">
+              <a:solidFill>
+                <a:schemeClr val="bg1"/>
+              </a:solidFill>
+            </a:endParaRPr>
+          </a:p>
+        </p:txBody>
+      </p:sp>
     </p:spTree>
   </p:cSld>
   <p:clrMapOvr>
@@ -17055,9 +17404,367 @@
   <p:timing>
     <p:tnLst>
       <p:par>
-        <p:cTn id="1" dur="indefinite" restart="never" nodeType="tmRoot"/>
+        <p:cTn id="1" dur="indefinite" restart="never" nodeType="tmRoot">
+          <p:childTnLst>
+            <p:seq concurrent="1" nextAc="seek">
+              <p:cTn id="2" dur="indefinite" nodeType="mainSeq">
+                <p:childTnLst>
+                  <p:par>
+                    <p:cTn id="3" fill="hold">
+                      <p:stCondLst>
+                        <p:cond delay="indefinite"/>
+                      </p:stCondLst>
+                      <p:childTnLst>
+                        <p:par>
+                          <p:cTn id="4" fill="hold">
+                            <p:stCondLst>
+                              <p:cond delay="0"/>
+                            </p:stCondLst>
+                            <p:childTnLst>
+                              <p:par>
+                                <p:cTn id="5" presetID="12" presetClass="entr" presetSubtype="1" fill="hold" grpId="0" nodeType="clickEffect">
+                                  <p:stCondLst>
+                                    <p:cond delay="0"/>
+                                  </p:stCondLst>
+                                  <p:childTnLst>
+                                    <p:set>
+                                      <p:cBhvr>
+                                        <p:cTn id="6" dur="1" fill="hold">
+                                          <p:stCondLst>
+                                            <p:cond delay="0"/>
+                                          </p:stCondLst>
+                                        </p:cTn>
+                                        <p:tgtEl>
+                                          <p:spTgt spid="7"/>
+                                        </p:tgtEl>
+                                        <p:attrNameLst>
+                                          <p:attrName>style.visibility</p:attrName>
+                                        </p:attrNameLst>
+                                      </p:cBhvr>
+                                      <p:to>
+                                        <p:strVal val="visible"/>
+                                      </p:to>
+                                    </p:set>
+                                    <p:animEffect transition="in" filter="slide(fromTop)">
+                                      <p:cBhvr>
+                                        <p:cTn id="7" dur="500"/>
+                                        <p:tgtEl>
+                                          <p:spTgt spid="7"/>
+                                        </p:tgtEl>
+                                      </p:cBhvr>
+                                    </p:animEffect>
+                                  </p:childTnLst>
+                                </p:cTn>
+                              </p:par>
+                            </p:childTnLst>
+                          </p:cTn>
+                        </p:par>
+                        <p:par>
+                          <p:cTn id="8" fill="hold">
+                            <p:stCondLst>
+                              <p:cond delay="500"/>
+                            </p:stCondLst>
+                            <p:childTnLst>
+                              <p:par>
+                                <p:cTn id="9" presetID="12" presetClass="entr" presetSubtype="1" fill="hold" grpId="0" nodeType="afterEffect">
+                                  <p:stCondLst>
+                                    <p:cond delay="0"/>
+                                  </p:stCondLst>
+                                  <p:childTnLst>
+                                    <p:set>
+                                      <p:cBhvr>
+                                        <p:cTn id="10" dur="1" fill="hold">
+                                          <p:stCondLst>
+                                            <p:cond delay="0"/>
+                                          </p:stCondLst>
+                                        </p:cTn>
+                                        <p:tgtEl>
+                                          <p:spTgt spid="9"/>
+                                        </p:tgtEl>
+                                        <p:attrNameLst>
+                                          <p:attrName>style.visibility</p:attrName>
+                                        </p:attrNameLst>
+                                      </p:cBhvr>
+                                      <p:to>
+                                        <p:strVal val="visible"/>
+                                      </p:to>
+                                    </p:set>
+                                    <p:animEffect transition="in" filter="slide(fromTop)">
+                                      <p:cBhvr>
+                                        <p:cTn id="11" dur="500"/>
+                                        <p:tgtEl>
+                                          <p:spTgt spid="9"/>
+                                        </p:tgtEl>
+                                      </p:cBhvr>
+                                    </p:animEffect>
+                                  </p:childTnLst>
+                                </p:cTn>
+                              </p:par>
+                            </p:childTnLst>
+                          </p:cTn>
+                        </p:par>
+                        <p:par>
+                          <p:cTn id="12" fill="hold">
+                            <p:stCondLst>
+                              <p:cond delay="1000"/>
+                            </p:stCondLst>
+                            <p:childTnLst>
+                              <p:par>
+                                <p:cTn id="13" presetID="12" presetClass="entr" presetSubtype="1" fill="hold" grpId="0" nodeType="afterEffect">
+                                  <p:stCondLst>
+                                    <p:cond delay="0"/>
+                                  </p:stCondLst>
+                                  <p:childTnLst>
+                                    <p:set>
+                                      <p:cBhvr>
+                                        <p:cTn id="14" dur="1" fill="hold">
+                                          <p:stCondLst>
+                                            <p:cond delay="0"/>
+                                          </p:stCondLst>
+                                        </p:cTn>
+                                        <p:tgtEl>
+                                          <p:spTgt spid="10"/>
+                                        </p:tgtEl>
+                                        <p:attrNameLst>
+                                          <p:attrName>style.visibility</p:attrName>
+                                        </p:attrNameLst>
+                                      </p:cBhvr>
+                                      <p:to>
+                                        <p:strVal val="visible"/>
+                                      </p:to>
+                                    </p:set>
+                                    <p:animEffect transition="in" filter="slide(fromTop)">
+                                      <p:cBhvr>
+                                        <p:cTn id="15" dur="500"/>
+                                        <p:tgtEl>
+                                          <p:spTgt spid="10"/>
+                                        </p:tgtEl>
+                                      </p:cBhvr>
+                                    </p:animEffect>
+                                  </p:childTnLst>
+                                </p:cTn>
+                              </p:par>
+                            </p:childTnLst>
+                          </p:cTn>
+                        </p:par>
+                        <p:par>
+                          <p:cTn id="16" fill="hold">
+                            <p:stCondLst>
+                              <p:cond delay="1500"/>
+                            </p:stCondLst>
+                            <p:childTnLst>
+                              <p:par>
+                                <p:cTn id="17" presetID="12" presetClass="entr" presetSubtype="1" fill="hold" grpId="0" nodeType="afterEffect">
+                                  <p:stCondLst>
+                                    <p:cond delay="0"/>
+                                  </p:stCondLst>
+                                  <p:childTnLst>
+                                    <p:set>
+                                      <p:cBhvr>
+                                        <p:cTn id="18" dur="1" fill="hold">
+                                          <p:stCondLst>
+                                            <p:cond delay="0"/>
+                                          </p:stCondLst>
+                                        </p:cTn>
+                                        <p:tgtEl>
+                                          <p:spTgt spid="11"/>
+                                        </p:tgtEl>
+                                        <p:attrNameLst>
+                                          <p:attrName>style.visibility</p:attrName>
+                                        </p:attrNameLst>
+                                      </p:cBhvr>
+                                      <p:to>
+                                        <p:strVal val="visible"/>
+                                      </p:to>
+                                    </p:set>
+                                    <p:animEffect transition="in" filter="slide(fromTop)">
+                                      <p:cBhvr>
+                                        <p:cTn id="19" dur="500"/>
+                                        <p:tgtEl>
+                                          <p:spTgt spid="11"/>
+                                        </p:tgtEl>
+                                      </p:cBhvr>
+                                    </p:animEffect>
+                                  </p:childTnLst>
+                                </p:cTn>
+                              </p:par>
+                            </p:childTnLst>
+                          </p:cTn>
+                        </p:par>
+                        <p:par>
+                          <p:cTn id="20" fill="hold">
+                            <p:stCondLst>
+                              <p:cond delay="2000"/>
+                            </p:stCondLst>
+                            <p:childTnLst>
+                              <p:par>
+                                <p:cTn id="21" presetID="12" presetClass="entr" presetSubtype="1" fill="hold" grpId="0" nodeType="afterEffect">
+                                  <p:stCondLst>
+                                    <p:cond delay="0"/>
+                                  </p:stCondLst>
+                                  <p:childTnLst>
+                                    <p:set>
+                                      <p:cBhvr>
+                                        <p:cTn id="22" dur="1" fill="hold">
+                                          <p:stCondLst>
+                                            <p:cond delay="0"/>
+                                          </p:stCondLst>
+                                        </p:cTn>
+                                        <p:tgtEl>
+                                          <p:spTgt spid="6"/>
+                                        </p:tgtEl>
+                                        <p:attrNameLst>
+                                          <p:attrName>style.visibility</p:attrName>
+                                        </p:attrNameLst>
+                                      </p:cBhvr>
+                                      <p:to>
+                                        <p:strVal val="visible"/>
+                                      </p:to>
+                                    </p:set>
+                                    <p:animEffect transition="in" filter="slide(fromTop)">
+                                      <p:cBhvr>
+                                        <p:cTn id="23" dur="500"/>
+                                        <p:tgtEl>
+                                          <p:spTgt spid="6"/>
+                                        </p:tgtEl>
+                                      </p:cBhvr>
+                                    </p:animEffect>
+                                  </p:childTnLst>
+                                </p:cTn>
+                              </p:par>
+                            </p:childTnLst>
+                          </p:cTn>
+                        </p:par>
+                      </p:childTnLst>
+                    </p:cTn>
+                  </p:par>
+                  <p:par>
+                    <p:cTn id="24" fill="hold">
+                      <p:stCondLst>
+                        <p:cond delay="indefinite"/>
+                      </p:stCondLst>
+                      <p:childTnLst>
+                        <p:par>
+                          <p:cTn id="25" fill="hold">
+                            <p:stCondLst>
+                              <p:cond delay="0"/>
+                            </p:stCondLst>
+                            <p:childTnLst>
+                              <p:par>
+                                <p:cTn id="26" presetID="12" presetClass="entr" presetSubtype="1" fill="hold" grpId="0" nodeType="clickEffect">
+                                  <p:stCondLst>
+                                    <p:cond delay="0"/>
+                                  </p:stCondLst>
+                                  <p:childTnLst>
+                                    <p:set>
+                                      <p:cBhvr>
+                                        <p:cTn id="27" dur="1" fill="hold">
+                                          <p:stCondLst>
+                                            <p:cond delay="0"/>
+                                          </p:stCondLst>
+                                        </p:cTn>
+                                        <p:tgtEl>
+                                          <p:spTgt spid="13"/>
+                                        </p:tgtEl>
+                                        <p:attrNameLst>
+                                          <p:attrName>style.visibility</p:attrName>
+                                        </p:attrNameLst>
+                                      </p:cBhvr>
+                                      <p:to>
+                                        <p:strVal val="visible"/>
+                                      </p:to>
+                                    </p:set>
+                                    <p:animEffect transition="in" filter="slide(fromTop)">
+                                      <p:cBhvr>
+                                        <p:cTn id="28" dur="500"/>
+                                        <p:tgtEl>
+                                          <p:spTgt spid="13"/>
+                                        </p:tgtEl>
+                                      </p:cBhvr>
+                                    </p:animEffect>
+                                  </p:childTnLst>
+                                </p:cTn>
+                              </p:par>
+                            </p:childTnLst>
+                          </p:cTn>
+                        </p:par>
+                        <p:par>
+                          <p:cTn id="29" fill="hold">
+                            <p:stCondLst>
+                              <p:cond delay="500"/>
+                            </p:stCondLst>
+                            <p:childTnLst>
+                              <p:par>
+                                <p:cTn id="30" presetID="12" presetClass="entr" presetSubtype="1" fill="hold" grpId="0" nodeType="afterEffect">
+                                  <p:stCondLst>
+                                    <p:cond delay="0"/>
+                                  </p:stCondLst>
+                                  <p:childTnLst>
+                                    <p:set>
+                                      <p:cBhvr>
+                                        <p:cTn id="31" dur="1" fill="hold">
+                                          <p:stCondLst>
+                                            <p:cond delay="0"/>
+                                          </p:stCondLst>
+                                        </p:cTn>
+                                        <p:tgtEl>
+                                          <p:spTgt spid="12"/>
+                                        </p:tgtEl>
+                                        <p:attrNameLst>
+                                          <p:attrName>style.visibility</p:attrName>
+                                        </p:attrNameLst>
+                                      </p:cBhvr>
+                                      <p:to>
+                                        <p:strVal val="visible"/>
+                                      </p:to>
+                                    </p:set>
+                                    <p:animEffect transition="in" filter="slide(fromTop)">
+                                      <p:cBhvr>
+                                        <p:cTn id="32" dur="500"/>
+                                        <p:tgtEl>
+                                          <p:spTgt spid="12"/>
+                                        </p:tgtEl>
+                                      </p:cBhvr>
+                                    </p:animEffect>
+                                  </p:childTnLst>
+                                </p:cTn>
+                              </p:par>
+                            </p:childTnLst>
+                          </p:cTn>
+                        </p:par>
+                      </p:childTnLst>
+                    </p:cTn>
+                  </p:par>
+                </p:childTnLst>
+              </p:cTn>
+              <p:prevCondLst>
+                <p:cond evt="onPrev" delay="0">
+                  <p:tgtEl>
+                    <p:sldTgt/>
+                  </p:tgtEl>
+                </p:cond>
+              </p:prevCondLst>
+              <p:nextCondLst>
+                <p:cond evt="onNext" delay="0">
+                  <p:tgtEl>
+                    <p:sldTgt/>
+                  </p:tgtEl>
+                </p:cond>
+              </p:nextCondLst>
+            </p:seq>
+          </p:childTnLst>
+        </p:cTn>
       </p:par>
     </p:tnLst>
+    <p:bldLst>
+      <p:bldP spid="6" grpId="0" animBg="1"/>
+      <p:bldP spid="7" grpId="0" animBg="1"/>
+      <p:bldP spid="9" grpId="0" animBg="1"/>
+      <p:bldP spid="10" grpId="0" animBg="1"/>
+      <p:bldP spid="11" grpId="0" animBg="1"/>
+      <p:bldP spid="12" grpId="0" animBg="1"/>
+      <p:bldP spid="13" grpId="0" animBg="1"/>
+    </p:bldLst>
   </p:timing>
 </p:sld>
 </file>
@@ -17113,16 +17820,16 @@
       </p:pic>
       <p:sp>
         <p:nvSpPr>
-          <p:cNvPr id="6" name="Rectangle 5"/>
+          <p:cNvPr id="4" name="Étoile à 24 branches 3"/>
           <p:cNvSpPr/>
           <p:nvPr/>
         </p:nvSpPr>
         <p:spPr>
           <a:xfrm>
-            <a:off x="36512" y="2708920"/>
-            <a:ext cx="9144000" cy="332656"/>
+            <a:off x="6804248" y="0"/>
+            <a:ext cx="2376264" cy="2160240"/>
           </a:xfrm>
-          <a:prstGeom prst="rect">
+          <a:prstGeom prst="star24">
             <a:avLst/>
           </a:prstGeom>
           <a:ln>
@@ -17167,14 +17874,26 @@
           <a:p>
             <a:pPr algn="ctr"/>
             <a:r>
-              <a:rPr lang="en-US" b="1" dirty="0" smtClean="0">
+              <a:rPr lang="fr-FR" b="1" dirty="0" err="1" smtClean="0">
                 <a:solidFill>
                   <a:schemeClr val="bg1"/>
                 </a:solidFill>
               </a:rPr>
-              <a:t>Available on the play store</a:t>
-            </a:r>
-            <a:endParaRPr lang="fr-FR" dirty="0"/>
+              <a:t>Available</a:t>
+            </a:r>
+            <a:r>
+              <a:rPr lang="fr-FR" b="1" dirty="0" smtClean="0">
+                <a:solidFill>
+                  <a:schemeClr val="bg1"/>
+                </a:solidFill>
+              </a:rPr>
+              <a:t> on the store</a:t>
+            </a:r>
+            <a:endParaRPr lang="fr-FR" b="1" dirty="0">
+              <a:solidFill>
+                <a:schemeClr val="bg1"/>
+              </a:solidFill>
+            </a:endParaRPr>
           </a:p>
         </p:txBody>
       </p:sp>
@@ -17204,7 +17923,7 @@
                             </p:stCondLst>
                             <p:childTnLst>
                               <p:par>
-                                <p:cTn id="5" presetID="54" presetClass="entr" presetSubtype="0" accel="100000" fill="hold" grpId="0" nodeType="clickEffect">
+                                <p:cTn id="5" presetID="23" presetClass="entr" presetSubtype="16" fill="hold" grpId="0" nodeType="clickEffect">
                                   <p:stCondLst>
                                     <p:cond delay="0"/>
                                   </p:stCondLst>
@@ -17217,7 +17936,7 @@
                                           </p:stCondLst>
                                         </p:cTn>
                                         <p:tgtEl>
-                                          <p:spTgt spid="6"/>
+                                          <p:spTgt spid="4"/>
                                         </p:tgtEl>
                                         <p:attrNameLst>
                                           <p:attrName>style.visibility</p:attrName>
@@ -17231,7 +17950,7 @@
                                       <p:cBhvr>
                                         <p:cTn id="7" dur="500" fill="hold"/>
                                         <p:tgtEl>
-                                          <p:spTgt spid="6"/>
+                                          <p:spTgt spid="4"/>
                                         </p:tgtEl>
                                         <p:attrNameLst>
                                           <p:attrName>ppt_w</p:attrName>
@@ -17240,7 +17959,7 @@
                                       <p:tavLst>
                                         <p:tav tm="0">
                                           <p:val>
-                                            <p:strVal val="#ppt_w*0.05"/>
+                                            <p:fltVal val="0"/>
                                           </p:val>
                                         </p:tav>
                                         <p:tav tm="100000">
@@ -17254,7 +17973,7 @@
                                       <p:cBhvr>
                                         <p:cTn id="8" dur="500" fill="hold"/>
                                         <p:tgtEl>
-                                          <p:spTgt spid="6"/>
+                                          <p:spTgt spid="4"/>
                                         </p:tgtEl>
                                         <p:attrNameLst>
                                           <p:attrName>ppt_h</p:attrName>
@@ -17263,7 +17982,7 @@
                                       <p:tavLst>
                                         <p:tav tm="0">
                                           <p:val>
-                                            <p:strVal val="#ppt_h"/>
+                                            <p:fltVal val="0"/>
                                           </p:val>
                                         </p:tav>
                                         <p:tav tm="100000">
@@ -17273,60 +17992,6 @@
                                         </p:tav>
                                       </p:tavLst>
                                     </p:anim>
-                                    <p:anim calcmode="lin" valueType="num">
-                                      <p:cBhvr>
-                                        <p:cTn id="9" dur="500" fill="hold"/>
-                                        <p:tgtEl>
-                                          <p:spTgt spid="6"/>
-                                        </p:tgtEl>
-                                        <p:attrNameLst>
-                                          <p:attrName>ppt_x</p:attrName>
-                                        </p:attrNameLst>
-                                      </p:cBhvr>
-                                      <p:tavLst>
-                                        <p:tav tm="0">
-                                          <p:val>
-                                            <p:strVal val="#ppt_x-.2"/>
-                                          </p:val>
-                                        </p:tav>
-                                        <p:tav tm="100000">
-                                          <p:val>
-                                            <p:strVal val="#ppt_x"/>
-                                          </p:val>
-                                        </p:tav>
-                                      </p:tavLst>
-                                    </p:anim>
-                                    <p:anim calcmode="lin" valueType="num">
-                                      <p:cBhvr>
-                                        <p:cTn id="10" dur="500" fill="hold"/>
-                                        <p:tgtEl>
-                                          <p:spTgt spid="6"/>
-                                        </p:tgtEl>
-                                        <p:attrNameLst>
-                                          <p:attrName>ppt_y</p:attrName>
-                                        </p:attrNameLst>
-                                      </p:cBhvr>
-                                      <p:tavLst>
-                                        <p:tav tm="0">
-                                          <p:val>
-                                            <p:strVal val="#ppt_y"/>
-                                          </p:val>
-                                        </p:tav>
-                                        <p:tav tm="100000">
-                                          <p:val>
-                                            <p:strVal val="#ppt_y"/>
-                                          </p:val>
-                                        </p:tav>
-                                      </p:tavLst>
-                                    </p:anim>
-                                    <p:animEffect transition="in" filter="fade">
-                                      <p:cBhvr>
-                                        <p:cTn id="11" dur="500"/>
-                                        <p:tgtEl>
-                                          <p:spTgt spid="6"/>
-                                        </p:tgtEl>
-                                      </p:cBhvr>
-                                    </p:animEffect>
                                   </p:childTnLst>
                                 </p:cTn>
                               </p:par>
@@ -17358,7 +18023,7 @@
       </p:par>
     </p:tnLst>
     <p:bldLst>
-      <p:bldP spid="6" grpId="0" animBg="1"/>
+      <p:bldP spid="4" grpId="0" animBg="1"/>
     </p:bldLst>
   </p:timing>
 </p:sld>
@@ -18481,15 +19146,7 @@
                   <a:schemeClr val="bg1"/>
                 </a:solidFill>
               </a:rPr>
-              <a:t>Running on android </a:t>
-            </a:r>
-            <a:r>
-              <a:rPr lang="en-US" b="1" dirty="0" smtClean="0">
-                <a:solidFill>
-                  <a:schemeClr val="bg1"/>
-                </a:solidFill>
-              </a:rPr>
-              <a:t>devices</a:t>
+              <a:t>Running on android devices</a:t>
             </a:r>
             <a:endParaRPr lang="fr-FR" b="1" dirty="0">
               <a:solidFill>

--- a/ABC de la Géométrie.pptx
+++ b/ABC de la Géométrie.pptx
@@ -7204,6 +7204,48 @@
           </a:p>
         </p:txBody>
       </p:sp>
+      <p:sp>
+        <p:nvSpPr>
+          <p:cNvPr id="5" name="Organigramme : Délai 4" descr="1"/>
+          <p:cNvSpPr/>
+          <p:nvPr/>
+        </p:nvSpPr>
+        <p:spPr>
+          <a:xfrm>
+            <a:off x="0" y="6237312"/>
+            <a:ext cx="539552" cy="620688"/>
+          </a:xfrm>
+          <a:prstGeom prst="flowChartDelay">
+            <a:avLst/>
+          </a:prstGeom>
+        </p:spPr>
+        <p:style>
+          <a:lnRef idx="0">
+            <a:schemeClr val="accent1"/>
+          </a:lnRef>
+          <a:fillRef idx="3">
+            <a:schemeClr val="accent1"/>
+          </a:fillRef>
+          <a:effectRef idx="3">
+            <a:schemeClr val="accent1"/>
+          </a:effectRef>
+          <a:fontRef idx="minor">
+            <a:schemeClr val="lt1"/>
+          </a:fontRef>
+        </p:style>
+        <p:txBody>
+          <a:bodyPr rtlCol="0" anchor="ctr"/>
+          <a:lstStyle/>
+          <a:p>
+            <a:pPr algn="ctr"/>
+            <a:r>
+              <a:rPr lang="fr-FR" b="1" dirty="0" smtClean="0"/>
+              <a:t>1</a:t>
+            </a:r>
+            <a:endParaRPr lang="fr-FR" b="1" dirty="0"/>
+          </a:p>
+        </p:txBody>
+      </p:sp>
     </p:spTree>
   </p:cSld>
   <p:clrMapOvr>
@@ -7521,6 +7563,48 @@
                 <a:schemeClr val="bg1"/>
               </a:solidFill>
             </a:endParaRPr>
+          </a:p>
+        </p:txBody>
+      </p:sp>
+      <p:sp>
+        <p:nvSpPr>
+          <p:cNvPr id="11" name="Organigramme : Délai 10" descr="1"/>
+          <p:cNvSpPr/>
+          <p:nvPr/>
+        </p:nvSpPr>
+        <p:spPr>
+          <a:xfrm>
+            <a:off x="0" y="6237312"/>
+            <a:ext cx="539552" cy="620688"/>
+          </a:xfrm>
+          <a:prstGeom prst="flowChartDelay">
+            <a:avLst/>
+          </a:prstGeom>
+        </p:spPr>
+        <p:style>
+          <a:lnRef idx="0">
+            <a:schemeClr val="accent1"/>
+          </a:lnRef>
+          <a:fillRef idx="3">
+            <a:schemeClr val="accent1"/>
+          </a:fillRef>
+          <a:effectRef idx="3">
+            <a:schemeClr val="accent1"/>
+          </a:effectRef>
+          <a:fontRef idx="minor">
+            <a:schemeClr val="lt1"/>
+          </a:fontRef>
+        </p:style>
+        <p:txBody>
+          <a:bodyPr rtlCol="0" anchor="ctr"/>
+          <a:lstStyle/>
+          <a:p>
+            <a:pPr algn="ctr"/>
+            <a:r>
+              <a:rPr lang="fr-FR" b="1" dirty="0" smtClean="0"/>
+              <a:t>10</a:t>
+            </a:r>
+            <a:endParaRPr lang="fr-FR" b="1" dirty="0"/>
           </a:p>
         </p:txBody>
       </p:sp>
@@ -7811,6 +7895,48 @@
           </a:p>
         </p:txBody>
       </p:sp>
+      <p:sp>
+        <p:nvSpPr>
+          <p:cNvPr id="4" name="Organigramme : Délai 3" descr="1"/>
+          <p:cNvSpPr/>
+          <p:nvPr/>
+        </p:nvSpPr>
+        <p:spPr>
+          <a:xfrm>
+            <a:off x="0" y="6237312"/>
+            <a:ext cx="539552" cy="620688"/>
+          </a:xfrm>
+          <a:prstGeom prst="flowChartDelay">
+            <a:avLst/>
+          </a:prstGeom>
+        </p:spPr>
+        <p:style>
+          <a:lnRef idx="0">
+            <a:schemeClr val="accent1"/>
+          </a:lnRef>
+          <a:fillRef idx="3">
+            <a:schemeClr val="accent1"/>
+          </a:fillRef>
+          <a:effectRef idx="3">
+            <a:schemeClr val="accent1"/>
+          </a:effectRef>
+          <a:fontRef idx="minor">
+            <a:schemeClr val="lt1"/>
+          </a:fontRef>
+        </p:style>
+        <p:txBody>
+          <a:bodyPr rtlCol="0" anchor="ctr"/>
+          <a:lstStyle/>
+          <a:p>
+            <a:pPr algn="ctr"/>
+            <a:r>
+              <a:rPr lang="fr-FR" b="1" dirty="0" smtClean="0"/>
+              <a:t>11</a:t>
+            </a:r>
+            <a:endParaRPr lang="fr-FR" b="1" dirty="0"/>
+          </a:p>
+        </p:txBody>
+      </p:sp>
     </p:spTree>
   </p:cSld>
   <p:clrMapOvr>
@@ -7885,7 +8011,7 @@
         </p:nvSpPr>
         <p:spPr>
           <a:xfrm>
-            <a:off x="827584" y="2420888"/>
+            <a:off x="827584" y="2204864"/>
             <a:ext cx="3744416" cy="648072"/>
           </a:xfrm>
           <a:prstGeom prst="rect">
@@ -7933,7 +8059,7 @@
         </p:nvSpPr>
         <p:spPr>
           <a:xfrm>
-            <a:off x="827584" y="3429000"/>
+            <a:off x="827584" y="3212976"/>
             <a:ext cx="3744416" cy="648072"/>
           </a:xfrm>
           <a:prstGeom prst="rect">
@@ -7981,7 +8107,7 @@
         </p:nvSpPr>
         <p:spPr>
           <a:xfrm>
-            <a:off x="827584" y="4437112"/>
+            <a:off x="827584" y="4221088"/>
             <a:ext cx="3744416" cy="648072"/>
           </a:xfrm>
           <a:prstGeom prst="rect">
@@ -8029,7 +8155,7 @@
         </p:nvSpPr>
         <p:spPr>
           <a:xfrm>
-            <a:off x="827584" y="5445224"/>
+            <a:off x="827584" y="5229200"/>
             <a:ext cx="3744416" cy="648072"/>
           </a:xfrm>
           <a:prstGeom prst="rect">
@@ -8077,7 +8203,7 @@
         </p:nvSpPr>
         <p:spPr>
           <a:xfrm>
-            <a:off x="5148064" y="2564904"/>
+            <a:off x="5148064" y="2348880"/>
             <a:ext cx="1008112" cy="360040"/>
           </a:xfrm>
           <a:prstGeom prst="rightArrow">
@@ -8136,7 +8262,7 @@
         </p:nvSpPr>
         <p:spPr>
           <a:xfrm>
-            <a:off x="5148064" y="3573016"/>
+            <a:off x="5148064" y="3356992"/>
             <a:ext cx="1008112" cy="360040"/>
           </a:xfrm>
           <a:prstGeom prst="rightArrow">
@@ -8195,7 +8321,7 @@
         </p:nvSpPr>
         <p:spPr>
           <a:xfrm>
-            <a:off x="5148064" y="4581128"/>
+            <a:off x="5148064" y="4365104"/>
             <a:ext cx="1008112" cy="360040"/>
           </a:xfrm>
           <a:prstGeom prst="rightArrow">
@@ -8254,7 +8380,7 @@
         </p:nvSpPr>
         <p:spPr>
           <a:xfrm>
-            <a:off x="5148064" y="5589240"/>
+            <a:off x="5148064" y="5373216"/>
             <a:ext cx="1008112" cy="360040"/>
           </a:xfrm>
           <a:prstGeom prst="rightArrow">
@@ -8313,7 +8439,7 @@
         </p:nvSpPr>
         <p:spPr>
           <a:xfrm>
-            <a:off x="6690650" y="5517232"/>
+            <a:off x="6690650" y="5301208"/>
             <a:ext cx="1625766" cy="477054"/>
           </a:xfrm>
           <a:prstGeom prst="rect">
@@ -8345,7 +8471,7 @@
         </p:nvSpPr>
         <p:spPr>
           <a:xfrm>
-            <a:off x="6690650" y="4509120"/>
+            <a:off x="6690650" y="4293096"/>
             <a:ext cx="1625766" cy="477054"/>
           </a:xfrm>
           <a:prstGeom prst="rect">
@@ -8377,7 +8503,7 @@
         </p:nvSpPr>
         <p:spPr>
           <a:xfrm>
-            <a:off x="6690650" y="2492896"/>
+            <a:off x="6690650" y="2276872"/>
             <a:ext cx="1497526" cy="477054"/>
           </a:xfrm>
           <a:prstGeom prst="rect">
@@ -8409,7 +8535,7 @@
         </p:nvSpPr>
         <p:spPr>
           <a:xfrm>
-            <a:off x="6690650" y="3501008"/>
+            <a:off x="6690650" y="3284984"/>
             <a:ext cx="1544012" cy="477054"/>
           </a:xfrm>
           <a:prstGeom prst="rect">
@@ -8430,6 +8556,48 @@
               <a:t>#D17500</a:t>
             </a:r>
             <a:endParaRPr lang="fr-FR" sz="2500" dirty="0"/>
+          </a:p>
+        </p:txBody>
+      </p:sp>
+      <p:sp>
+        <p:nvSpPr>
+          <p:cNvPr id="23" name="Organigramme : Délai 22" descr="1"/>
+          <p:cNvSpPr/>
+          <p:nvPr/>
+        </p:nvSpPr>
+        <p:spPr>
+          <a:xfrm>
+            <a:off x="0" y="6237312"/>
+            <a:ext cx="539552" cy="620688"/>
+          </a:xfrm>
+          <a:prstGeom prst="flowChartDelay">
+            <a:avLst/>
+          </a:prstGeom>
+        </p:spPr>
+        <p:style>
+          <a:lnRef idx="0">
+            <a:schemeClr val="accent1"/>
+          </a:lnRef>
+          <a:fillRef idx="3">
+            <a:schemeClr val="accent1"/>
+          </a:fillRef>
+          <a:effectRef idx="3">
+            <a:schemeClr val="accent1"/>
+          </a:effectRef>
+          <a:fontRef idx="minor">
+            <a:schemeClr val="lt1"/>
+          </a:fontRef>
+        </p:style>
+        <p:txBody>
+          <a:bodyPr rtlCol="0" anchor="ctr"/>
+          <a:lstStyle/>
+          <a:p>
+            <a:pPr algn="ctr"/>
+            <a:r>
+              <a:rPr lang="fr-FR" b="1" dirty="0" smtClean="0"/>
+              <a:t>12</a:t>
+            </a:r>
+            <a:endParaRPr lang="fr-FR" b="1" dirty="0"/>
           </a:p>
         </p:txBody>
       </p:sp>
@@ -8991,7 +9159,7 @@
         </p:blipFill>
         <p:spPr bwMode="auto">
           <a:xfrm>
-            <a:off x="5987380" y="3356992"/>
+            <a:off x="5987380" y="3284984"/>
             <a:ext cx="1104900" cy="1104900"/>
           </a:xfrm>
           <a:prstGeom prst="rect">
@@ -9017,7 +9185,7 @@
         </p:blipFill>
         <p:spPr bwMode="auto">
           <a:xfrm>
-            <a:off x="7524328" y="3356992"/>
+            <a:off x="7524328" y="3284984"/>
             <a:ext cx="1123950" cy="1143000"/>
           </a:xfrm>
           <a:prstGeom prst="rect">
@@ -9043,7 +9211,7 @@
         </p:blipFill>
         <p:spPr bwMode="auto">
           <a:xfrm>
-            <a:off x="6081489" y="5013176"/>
+            <a:off x="6081489" y="4869160"/>
             <a:ext cx="866775" cy="971550"/>
           </a:xfrm>
           <a:prstGeom prst="rect">
@@ -9069,7 +9237,7 @@
         </p:blipFill>
         <p:spPr bwMode="auto">
           <a:xfrm>
-            <a:off x="7642423" y="5013176"/>
+            <a:off x="7642423" y="4869160"/>
             <a:ext cx="962025" cy="962025"/>
           </a:xfrm>
           <a:prstGeom prst="rect">
@@ -9189,7 +9357,7 @@
         </p:nvSpPr>
         <p:spPr>
           <a:xfrm>
-            <a:off x="683568" y="3501008"/>
+            <a:off x="683568" y="3429000"/>
             <a:ext cx="4752528" cy="864096"/>
           </a:xfrm>
           <a:prstGeom prst="homePlate">
@@ -9260,7 +9428,7 @@
         </p:nvSpPr>
         <p:spPr>
           <a:xfrm>
-            <a:off x="683568" y="5085184"/>
+            <a:off x="683568" y="4941168"/>
             <a:ext cx="4752528" cy="864096"/>
           </a:xfrm>
           <a:prstGeom prst="homePlate">
@@ -9320,6 +9488,48 @@
                 <a:schemeClr val="bg1"/>
               </a:solidFill>
             </a:endParaRPr>
+          </a:p>
+        </p:txBody>
+      </p:sp>
+      <p:sp>
+        <p:nvSpPr>
+          <p:cNvPr id="12" name="Organigramme : Délai 11" descr="1"/>
+          <p:cNvSpPr/>
+          <p:nvPr/>
+        </p:nvSpPr>
+        <p:spPr>
+          <a:xfrm>
+            <a:off x="0" y="6237312"/>
+            <a:ext cx="539552" cy="620688"/>
+          </a:xfrm>
+          <a:prstGeom prst="flowChartDelay">
+            <a:avLst/>
+          </a:prstGeom>
+        </p:spPr>
+        <p:style>
+          <a:lnRef idx="0">
+            <a:schemeClr val="accent1"/>
+          </a:lnRef>
+          <a:fillRef idx="3">
+            <a:schemeClr val="accent1"/>
+          </a:fillRef>
+          <a:effectRef idx="3">
+            <a:schemeClr val="accent1"/>
+          </a:effectRef>
+          <a:fontRef idx="minor">
+            <a:schemeClr val="lt1"/>
+          </a:fontRef>
+        </p:style>
+        <p:txBody>
+          <a:bodyPr rtlCol="0" anchor="ctr"/>
+          <a:lstStyle/>
+          <a:p>
+            <a:pPr algn="ctr"/>
+            <a:r>
+              <a:rPr lang="fr-FR" b="1" dirty="0" smtClean="0"/>
+              <a:t>13</a:t>
+            </a:r>
+            <a:endParaRPr lang="fr-FR" b="1" dirty="0"/>
           </a:p>
         </p:txBody>
       </p:sp>
@@ -9737,7 +9947,7 @@
         </p:blipFill>
         <p:spPr bwMode="auto">
           <a:xfrm>
-            <a:off x="1043608" y="1772816"/>
+            <a:off x="1043608" y="1700809"/>
             <a:ext cx="7200800" cy="4168588"/>
           </a:xfrm>
           <a:prstGeom prst="rect">
@@ -9785,7 +9995,7 @@
         </p:nvSpPr>
         <p:spPr>
           <a:xfrm>
-            <a:off x="1043608" y="5949280"/>
+            <a:off x="1043608" y="5877273"/>
             <a:ext cx="7200800" cy="477054"/>
           </a:xfrm>
           <a:prstGeom prst="rect">
@@ -9818,7 +10028,7 @@
         </p:nvSpPr>
         <p:spPr>
           <a:xfrm>
-            <a:off x="1043608" y="5949280"/>
+            <a:off x="1043608" y="5877273"/>
             <a:ext cx="7200800" cy="477054"/>
           </a:xfrm>
           <a:prstGeom prst="rect">
@@ -9872,7 +10082,7 @@
         </p:blipFill>
         <p:spPr bwMode="auto">
           <a:xfrm>
-            <a:off x="1043608" y="1772816"/>
+            <a:off x="1043608" y="1700809"/>
             <a:ext cx="7200800" cy="4176464"/>
           </a:xfrm>
           <a:prstGeom prst="rect">
@@ -9889,7 +10099,7 @@
         </p:nvSpPr>
         <p:spPr>
           <a:xfrm>
-            <a:off x="1043608" y="5949280"/>
+            <a:off x="1043608" y="5877273"/>
             <a:ext cx="7200800" cy="477054"/>
           </a:xfrm>
           <a:prstGeom prst="rect">
@@ -9934,7 +10144,7 @@
         </p:nvSpPr>
         <p:spPr>
           <a:xfrm>
-            <a:off x="1043608" y="5949280"/>
+            <a:off x="1043608" y="5877273"/>
             <a:ext cx="7200800" cy="477054"/>
           </a:xfrm>
           <a:prstGeom prst="rect">
@@ -9979,7 +10189,7 @@
         </p:nvSpPr>
         <p:spPr>
           <a:xfrm>
-            <a:off x="1043608" y="5949280"/>
+            <a:off x="1043608" y="5877273"/>
             <a:ext cx="7200800" cy="477054"/>
           </a:xfrm>
           <a:prstGeom prst="rect">
@@ -10012,7 +10222,7 @@
         </p:nvSpPr>
         <p:spPr>
           <a:xfrm>
-            <a:off x="1043608" y="5949280"/>
+            <a:off x="1043608" y="5877273"/>
             <a:ext cx="7200800" cy="477054"/>
           </a:xfrm>
           <a:prstGeom prst="rect">
@@ -10049,7 +10259,7 @@
         </p:nvSpPr>
         <p:spPr>
           <a:xfrm>
-            <a:off x="1043608" y="5949280"/>
+            <a:off x="1043608" y="5877273"/>
             <a:ext cx="7200800" cy="477054"/>
           </a:xfrm>
           <a:prstGeom prst="rect">
@@ -10091,7 +10301,7 @@
         </p:blipFill>
         <p:spPr bwMode="auto">
           <a:xfrm>
-            <a:off x="1024364" y="1772815"/>
+            <a:off x="1024364" y="1700808"/>
             <a:ext cx="7220043" cy="4176465"/>
           </a:xfrm>
           <a:prstGeom prst="rect">
@@ -10117,7 +10327,7 @@
         </p:blipFill>
         <p:spPr bwMode="auto">
           <a:xfrm>
-            <a:off x="1043608" y="1772816"/>
+            <a:off x="1043608" y="1700809"/>
             <a:ext cx="7200800" cy="4165334"/>
           </a:xfrm>
           <a:prstGeom prst="rect">
@@ -10143,7 +10353,7 @@
         </p:blipFill>
         <p:spPr bwMode="auto">
           <a:xfrm>
-            <a:off x="1043608" y="1772817"/>
+            <a:off x="1043608" y="1700810"/>
             <a:ext cx="7200799" cy="4165333"/>
           </a:xfrm>
           <a:prstGeom prst="rect">
@@ -10169,7 +10379,7 @@
         </p:blipFill>
         <p:spPr bwMode="auto">
           <a:xfrm>
-            <a:off x="1043607" y="1772816"/>
+            <a:off x="1043607" y="1700809"/>
             <a:ext cx="7200801" cy="4159714"/>
           </a:xfrm>
           <a:prstGeom prst="rect">
@@ -10195,7 +10405,7 @@
         </p:blipFill>
         <p:spPr bwMode="auto">
           <a:xfrm>
-            <a:off x="1043608" y="1772816"/>
+            <a:off x="1043608" y="1700809"/>
             <a:ext cx="7200800" cy="4165334"/>
           </a:xfrm>
           <a:prstGeom prst="rect">
@@ -10204,6 +10414,48 @@
           <a:noFill/>
         </p:spPr>
       </p:pic>
+      <p:sp>
+        <p:nvSpPr>
+          <p:cNvPr id="19" name="Organigramme : Délai 18" descr="1"/>
+          <p:cNvSpPr/>
+          <p:nvPr/>
+        </p:nvSpPr>
+        <p:spPr>
+          <a:xfrm>
+            <a:off x="0" y="6237312"/>
+            <a:ext cx="539552" cy="620688"/>
+          </a:xfrm>
+          <a:prstGeom prst="flowChartDelay">
+            <a:avLst/>
+          </a:prstGeom>
+        </p:spPr>
+        <p:style>
+          <a:lnRef idx="0">
+            <a:schemeClr val="accent1"/>
+          </a:lnRef>
+          <a:fillRef idx="3">
+            <a:schemeClr val="accent1"/>
+          </a:fillRef>
+          <a:effectRef idx="3">
+            <a:schemeClr val="accent1"/>
+          </a:effectRef>
+          <a:fontRef idx="minor">
+            <a:schemeClr val="lt1"/>
+          </a:fontRef>
+        </p:style>
+        <p:txBody>
+          <a:bodyPr rtlCol="0" anchor="ctr"/>
+          <a:lstStyle/>
+          <a:p>
+            <a:pPr algn="ctr"/>
+            <a:r>
+              <a:rPr lang="fr-FR" b="1" dirty="0" smtClean="0"/>
+              <a:t>14</a:t>
+            </a:r>
+            <a:endParaRPr lang="fr-FR" b="1" dirty="0"/>
+          </a:p>
+        </p:txBody>
+      </p:sp>
     </p:spTree>
   </p:cSld>
   <p:clrMapOvr>
@@ -10914,6 +11166,48 @@
           </a:p>
         </p:txBody>
       </p:sp>
+      <p:sp>
+        <p:nvSpPr>
+          <p:cNvPr id="4" name="Organigramme : Délai 3" descr="1"/>
+          <p:cNvSpPr/>
+          <p:nvPr/>
+        </p:nvSpPr>
+        <p:spPr>
+          <a:xfrm>
+            <a:off x="0" y="6237312"/>
+            <a:ext cx="539552" cy="620688"/>
+          </a:xfrm>
+          <a:prstGeom prst="flowChartDelay">
+            <a:avLst/>
+          </a:prstGeom>
+        </p:spPr>
+        <p:style>
+          <a:lnRef idx="0">
+            <a:schemeClr val="accent1"/>
+          </a:lnRef>
+          <a:fillRef idx="3">
+            <a:schemeClr val="accent1"/>
+          </a:fillRef>
+          <a:effectRef idx="3">
+            <a:schemeClr val="accent1"/>
+          </a:effectRef>
+          <a:fontRef idx="minor">
+            <a:schemeClr val="lt1"/>
+          </a:fontRef>
+        </p:style>
+        <p:txBody>
+          <a:bodyPr rtlCol="0" anchor="ctr"/>
+          <a:lstStyle/>
+          <a:p>
+            <a:pPr algn="ctr"/>
+            <a:r>
+              <a:rPr lang="fr-FR" b="1" dirty="0" smtClean="0"/>
+              <a:t>15</a:t>
+            </a:r>
+            <a:endParaRPr lang="fr-FR" b="1" dirty="0"/>
+          </a:p>
+        </p:txBody>
+      </p:sp>
     </p:spTree>
   </p:cSld>
   <p:clrMapOvr>
@@ -11337,6 +11631,48 @@
               <a:t>large</a:t>
             </a:r>
             <a:endParaRPr lang="fr-FR" sz="2500" dirty="0"/>
+          </a:p>
+        </p:txBody>
+      </p:sp>
+      <p:sp>
+        <p:nvSpPr>
+          <p:cNvPr id="13" name="Organigramme : Délai 12" descr="1"/>
+          <p:cNvSpPr/>
+          <p:nvPr/>
+        </p:nvSpPr>
+        <p:spPr>
+          <a:xfrm>
+            <a:off x="0" y="6237312"/>
+            <a:ext cx="539552" cy="620688"/>
+          </a:xfrm>
+          <a:prstGeom prst="flowChartDelay">
+            <a:avLst/>
+          </a:prstGeom>
+        </p:spPr>
+        <p:style>
+          <a:lnRef idx="0">
+            <a:schemeClr val="accent1"/>
+          </a:lnRef>
+          <a:fillRef idx="3">
+            <a:schemeClr val="accent1"/>
+          </a:fillRef>
+          <a:effectRef idx="3">
+            <a:schemeClr val="accent1"/>
+          </a:effectRef>
+          <a:fontRef idx="minor">
+            <a:schemeClr val="lt1"/>
+          </a:fontRef>
+        </p:style>
+        <p:txBody>
+          <a:bodyPr rtlCol="0" anchor="ctr"/>
+          <a:lstStyle/>
+          <a:p>
+            <a:pPr algn="ctr"/>
+            <a:r>
+              <a:rPr lang="fr-FR" b="1" dirty="0" smtClean="0"/>
+              <a:t>16</a:t>
+            </a:r>
+            <a:endParaRPr lang="fr-FR" b="1" dirty="0"/>
           </a:p>
         </p:txBody>
       </p:sp>
@@ -12252,6 +12588,48 @@
           </a:p>
         </p:txBody>
       </p:sp>
+      <p:sp>
+        <p:nvSpPr>
+          <p:cNvPr id="15" name="Organigramme : Délai 14" descr="1"/>
+          <p:cNvSpPr/>
+          <p:nvPr/>
+        </p:nvSpPr>
+        <p:spPr>
+          <a:xfrm>
+            <a:off x="0" y="6237312"/>
+            <a:ext cx="539552" cy="620688"/>
+          </a:xfrm>
+          <a:prstGeom prst="flowChartDelay">
+            <a:avLst/>
+          </a:prstGeom>
+        </p:spPr>
+        <p:style>
+          <a:lnRef idx="0">
+            <a:schemeClr val="accent1"/>
+          </a:lnRef>
+          <a:fillRef idx="3">
+            <a:schemeClr val="accent1"/>
+          </a:fillRef>
+          <a:effectRef idx="3">
+            <a:schemeClr val="accent1"/>
+          </a:effectRef>
+          <a:fontRef idx="minor">
+            <a:schemeClr val="lt1"/>
+          </a:fontRef>
+        </p:style>
+        <p:txBody>
+          <a:bodyPr rtlCol="0" anchor="ctr"/>
+          <a:lstStyle/>
+          <a:p>
+            <a:pPr algn="ctr"/>
+            <a:r>
+              <a:rPr lang="fr-FR" b="1" dirty="0" smtClean="0"/>
+              <a:t>17</a:t>
+            </a:r>
+            <a:endParaRPr lang="fr-FR" b="1" dirty="0"/>
+          </a:p>
+        </p:txBody>
+      </p:sp>
     </p:spTree>
   </p:cSld>
   <p:clrMapOvr>
@@ -13263,6 +13641,48 @@
                 <a:schemeClr val="bg1"/>
               </a:solidFill>
             </a:endParaRPr>
+          </a:p>
+        </p:txBody>
+      </p:sp>
+      <p:sp>
+        <p:nvSpPr>
+          <p:cNvPr id="20" name="Organigramme : Délai 19" descr="1"/>
+          <p:cNvSpPr/>
+          <p:nvPr/>
+        </p:nvSpPr>
+        <p:spPr>
+          <a:xfrm>
+            <a:off x="0" y="6237312"/>
+            <a:ext cx="539552" cy="620688"/>
+          </a:xfrm>
+          <a:prstGeom prst="flowChartDelay">
+            <a:avLst/>
+          </a:prstGeom>
+        </p:spPr>
+        <p:style>
+          <a:lnRef idx="0">
+            <a:schemeClr val="accent1"/>
+          </a:lnRef>
+          <a:fillRef idx="3">
+            <a:schemeClr val="accent1"/>
+          </a:fillRef>
+          <a:effectRef idx="3">
+            <a:schemeClr val="accent1"/>
+          </a:effectRef>
+          <a:fontRef idx="minor">
+            <a:schemeClr val="lt1"/>
+          </a:fontRef>
+        </p:style>
+        <p:txBody>
+          <a:bodyPr rtlCol="0" anchor="ctr"/>
+          <a:lstStyle/>
+          <a:p>
+            <a:pPr algn="ctr"/>
+            <a:r>
+              <a:rPr lang="fr-FR" b="1" dirty="0" smtClean="0"/>
+              <a:t>18</a:t>
+            </a:r>
+            <a:endParaRPr lang="fr-FR" b="1" dirty="0"/>
           </a:p>
         </p:txBody>
       </p:sp>
@@ -13720,40 +14140,9 @@
           <a:chExt cx="0" cy="0"/>
         </a:xfrm>
       </p:grpSpPr>
-      <p:sp>
-        <p:nvSpPr>
-          <p:cNvPr id="8" name="Titre 7"/>
-          <p:cNvSpPr>
-            <a:spLocks noGrp="1"/>
-          </p:cNvSpPr>
-          <p:nvPr>
-            <p:ph type="title"/>
-          </p:nvPr>
-        </p:nvSpPr>
-        <p:spPr>
-          <a:xfrm>
-            <a:off x="0" y="0"/>
-            <a:ext cx="9144000" cy="1399032"/>
-          </a:xfrm>
-        </p:spPr>
-        <p:txBody>
-          <a:bodyPr>
-            <a:normAutofit/>
-          </a:bodyPr>
-          <a:lstStyle/>
-          <a:p>
-            <a:pPr algn="ctr"/>
-            <a:r>
-              <a:rPr lang="fr-FR" sz="5000" dirty="0" smtClean="0"/>
-              <a:t>RANDOM QUESTION</a:t>
-            </a:r>
-            <a:endParaRPr lang="fr-FR" sz="5000" dirty="0"/>
-          </a:p>
-        </p:txBody>
-      </p:sp>
       <p:pic>
         <p:nvPicPr>
-          <p:cNvPr id="46087" name="Picture 7" descr="https://fbcdn-sphotos-h-a.akamaihd.net/hphotos-ak-xpf1/v/t35.0-12/10960820_10204983379757067_1441887355_o.jpg?oh=8c7f84c62aef7b7b1c6baa0e2ece22db&amp;oe=54DBE097&amp;__gda__=1423693574_2754b35f71a13017b96bce7f14980f87"/>
+          <p:cNvPr id="14338" name="Picture 2" descr="https://fbcdn-sphotos-h-a.akamaihd.net/hphotos-ak-xpf1/v/t35.0-12/10988625_10204922231087391_1124106271_o.jpg?oh=441be54eab72b2e96a4c24f7a2e403b1&amp;oe=54DD8DAE&amp;__gda__=1423802175_a9c07bc37d64a91e03952b4585f09e12"/>
           <p:cNvPicPr>
             <a:picLocks noChangeAspect="1" noChangeArrowheads="1"/>
           </p:cNvPicPr>
@@ -13768,8 +14157,8 @@
         </p:blipFill>
         <p:spPr bwMode="auto">
           <a:xfrm>
-            <a:off x="1187624" y="2132856"/>
-            <a:ext cx="7187952" cy="4492470"/>
+            <a:off x="1187624" y="2096853"/>
+            <a:ext cx="7200799" cy="4500499"/>
           </a:xfrm>
           <a:prstGeom prst="rect">
             <a:avLst/>
@@ -13777,9 +14166,86 @@
           <a:noFill/>
         </p:spPr>
       </p:pic>
+      <p:sp>
+        <p:nvSpPr>
+          <p:cNvPr id="8" name="Titre 7"/>
+          <p:cNvSpPr>
+            <a:spLocks noGrp="1"/>
+          </p:cNvSpPr>
+          <p:nvPr>
+            <p:ph type="title"/>
+          </p:nvPr>
+        </p:nvSpPr>
+        <p:spPr>
+          <a:xfrm>
+            <a:off x="0" y="0"/>
+            <a:ext cx="9144000" cy="1399032"/>
+          </a:xfrm>
+        </p:spPr>
+        <p:txBody>
+          <a:bodyPr>
+            <a:normAutofit/>
+          </a:bodyPr>
+          <a:lstStyle/>
+          <a:p>
+            <a:pPr algn="ctr"/>
+            <a:r>
+              <a:rPr lang="fr-FR" sz="5000" dirty="0" smtClean="0"/>
+              <a:t>RANDOM </a:t>
+            </a:r>
+            <a:r>
+              <a:rPr lang="fr-FR" sz="5000" dirty="0" smtClean="0"/>
+              <a:t>QUESTIONS</a:t>
+            </a:r>
+            <a:endParaRPr lang="fr-FR" sz="5000" dirty="0"/>
+          </a:p>
+        </p:txBody>
+      </p:sp>
+      <p:sp>
+        <p:nvSpPr>
+          <p:cNvPr id="9" name="Organigramme : Délai 8" descr="1"/>
+          <p:cNvSpPr/>
+          <p:nvPr/>
+        </p:nvSpPr>
+        <p:spPr>
+          <a:xfrm>
+            <a:off x="0" y="6237312"/>
+            <a:ext cx="539552" cy="620688"/>
+          </a:xfrm>
+          <a:prstGeom prst="flowChartDelay">
+            <a:avLst/>
+          </a:prstGeom>
+        </p:spPr>
+        <p:style>
+          <a:lnRef idx="0">
+            <a:schemeClr val="accent1"/>
+          </a:lnRef>
+          <a:fillRef idx="3">
+            <a:schemeClr val="accent1"/>
+          </a:fillRef>
+          <a:effectRef idx="3">
+            <a:schemeClr val="accent1"/>
+          </a:effectRef>
+          <a:fontRef idx="minor">
+            <a:schemeClr val="lt1"/>
+          </a:fontRef>
+        </p:style>
+        <p:txBody>
+          <a:bodyPr rtlCol="0" anchor="ctr"/>
+          <a:lstStyle/>
+          <a:p>
+            <a:pPr algn="ctr"/>
+            <a:r>
+              <a:rPr lang="fr-FR" b="1" dirty="0" smtClean="0"/>
+              <a:t>19</a:t>
+            </a:r>
+            <a:endParaRPr lang="fr-FR" b="1" dirty="0"/>
+          </a:p>
+        </p:txBody>
+      </p:sp>
       <p:pic>
         <p:nvPicPr>
-          <p:cNvPr id="46089" name="Picture 9" descr="https://fbcdn-sphotos-h-a.akamaihd.net/hphotos-ak-xpf1/v/t35.0-12/10969099_10204983380117076_616509039_o.jpg?oh=3475a7bc9c0139e7be2d92e1bb8155ce&amp;oe=54DACA72&amp;__gda__=1423692102_e3fb037e68022deeb2d6d4729208a448"/>
+          <p:cNvPr id="14341" name="Picture 5"/>
           <p:cNvPicPr>
             <a:picLocks noChangeAspect="1" noChangeArrowheads="1"/>
           </p:cNvPicPr>
@@ -13794,8 +14260,40 @@
         </p:blipFill>
         <p:spPr bwMode="auto">
           <a:xfrm>
-            <a:off x="1187624" y="2132856"/>
-            <a:ext cx="7180242" cy="4487651"/>
+            <a:off x="1187625" y="2065441"/>
+            <a:ext cx="7200800" cy="1165414"/>
+          </a:xfrm>
+          <a:prstGeom prst="rect">
+            <a:avLst/>
+          </a:prstGeom>
+          <a:noFill/>
+          <a:ln w="9525">
+            <a:noFill/>
+            <a:miter lim="800000"/>
+            <a:headEnd/>
+            <a:tailEnd/>
+          </a:ln>
+        </p:spPr>
+      </p:pic>
+      <p:pic>
+        <p:nvPicPr>
+          <p:cNvPr id="14343" name="Picture 7" descr="https://fbcdn-sphotos-h-a.akamaihd.net/hphotos-ak-xpf1/v/t35.0-12/10967203_10204922231367398_450235608_o.jpg?oh=4662e92deb42f9d40994c50bc718be07&amp;oe=54DD880D&amp;__gda__=1423811961_973f23d8ecc30da4b159f6db57bc5d8e"/>
+          <p:cNvPicPr>
+            <a:picLocks noChangeAspect="1" noChangeArrowheads="1"/>
+          </p:cNvPicPr>
+          <p:nvPr/>
+        </p:nvPicPr>
+        <p:blipFill>
+          <a:blip r:embed="rId5" cstate="print"/>
+          <a:srcRect/>
+          <a:stretch>
+            <a:fillRect/>
+          </a:stretch>
+        </p:blipFill>
+        <p:spPr bwMode="auto">
+          <a:xfrm>
+            <a:off x="1187624" y="2060848"/>
+            <a:ext cx="7190899" cy="4536504"/>
           </a:xfrm>
           <a:prstGeom prst="rect">
             <a:avLst/>
@@ -13982,7 +14480,7 @@
                             </p:stCondLst>
                             <p:childTnLst>
                               <p:par>
-                                <p:cTn id="5" presetID="3" presetClass="entr" presetSubtype="5" fill="hold" nodeType="clickEffect">
+                                <p:cTn id="5" presetID="5" presetClass="entr" presetSubtype="10" fill="hold" nodeType="clickEffect">
                                   <p:stCondLst>
                                     <p:cond delay="0"/>
                                   </p:stCondLst>
@@ -13995,7 +14493,7 @@
                                           </p:stCondLst>
                                         </p:cTn>
                                         <p:tgtEl>
-                                          <p:spTgt spid="46087"/>
+                                          <p:spTgt spid="14338"/>
                                         </p:tgtEl>
                                         <p:attrNameLst>
                                           <p:attrName>style.visibility</p:attrName>
@@ -14005,11 +14503,46 @@
                                         <p:strVal val="visible"/>
                                       </p:to>
                                     </p:set>
-                                    <p:animEffect transition="in" filter="blinds(vertical)">
+                                    <p:animEffect transition="in" filter="checkerboard(across)">
                                       <p:cBhvr>
                                         <p:cTn id="7" dur="500"/>
                                         <p:tgtEl>
-                                          <p:spTgt spid="46087"/>
+                                          <p:spTgt spid="14338"/>
+                                        </p:tgtEl>
+                                      </p:cBhvr>
+                                    </p:animEffect>
+                                  </p:childTnLst>
+                                </p:cTn>
+                              </p:par>
+                              <p:par>
+                                <p:cTn id="8" presetID="5" presetClass="entr" presetSubtype="10" fill="hold" nodeType="withEffect">
+                                  <p:stCondLst>
+                                    <p:cond delay="0"/>
+                                  </p:stCondLst>
+                                  <p:childTnLst>
+                                    <p:set>
+                                      <p:cBhvr>
+                                        <p:cTn id="9" dur="1" fill="hold">
+                                          <p:stCondLst>
+                                            <p:cond delay="0"/>
+                                          </p:stCondLst>
+                                        </p:cTn>
+                                        <p:tgtEl>
+                                          <p:spTgt spid="14341"/>
+                                        </p:tgtEl>
+                                        <p:attrNameLst>
+                                          <p:attrName>style.visibility</p:attrName>
+                                        </p:attrNameLst>
+                                      </p:cBhvr>
+                                      <p:to>
+                                        <p:strVal val="visible"/>
+                                      </p:to>
+                                    </p:set>
+                                    <p:animEffect transition="in" filter="checkerboard(across)">
+                                      <p:cBhvr>
+                                        <p:cTn id="10" dur="500"/>
+                                        <p:tgtEl>
+                                          <p:spTgt spid="14341"/>
                                         </p:tgtEl>
                                       </p:cBhvr>
                                     </p:animEffect>
@@ -14023,32 +14556,32 @@
                     </p:cTn>
                   </p:par>
                   <p:par>
-                    <p:cTn id="8" fill="hold">
+                    <p:cTn id="11" fill="hold">
                       <p:stCondLst>
                         <p:cond delay="indefinite"/>
                       </p:stCondLst>
                       <p:childTnLst>
                         <p:par>
-                          <p:cTn id="9" fill="hold">
+                          <p:cTn id="12" fill="hold">
                             <p:stCondLst>
                               <p:cond delay="0"/>
                             </p:stCondLst>
                             <p:childTnLst>
                               <p:par>
-                                <p:cTn id="10" presetID="3" presetClass="entr" presetSubtype="5" fill="hold" nodeType="clickEffect">
+                                <p:cTn id="13" presetID="5" presetClass="entr" presetSubtype="10" fill="hold" nodeType="clickEffect">
                                   <p:stCondLst>
                                     <p:cond delay="0"/>
                                   </p:stCondLst>
                                   <p:childTnLst>
                                     <p:set>
                                       <p:cBhvr>
-                                        <p:cTn id="11" dur="1" fill="hold">
+                                        <p:cTn id="14" dur="1" fill="hold">
                                           <p:stCondLst>
                                             <p:cond delay="0"/>
                                           </p:stCondLst>
                                         </p:cTn>
                                         <p:tgtEl>
-                                          <p:spTgt spid="46089"/>
+                                          <p:spTgt spid="14343"/>
                                         </p:tgtEl>
                                         <p:attrNameLst>
                                           <p:attrName>style.visibility</p:attrName>
@@ -14058,11 +14591,11 @@
                                         <p:strVal val="visible"/>
                                       </p:to>
                                     </p:set>
-                                    <p:animEffect transition="in" filter="blinds(vertical)">
-                                      <p:cBhvr>
-                                        <p:cTn id="12" dur="500"/>
-                                        <p:tgtEl>
-                                          <p:spTgt spid="46089"/>
+                                    <p:animEffect transition="in" filter="checkerboard(across)">
+                                      <p:cBhvr>
+                                        <p:cTn id="15" dur="500"/>
+                                        <p:tgtEl>
+                                          <p:spTgt spid="14343"/>
                                         </p:tgtEl>
                                       </p:cBhvr>
                                     </p:animEffect>
@@ -14076,26 +14609,26 @@
                     </p:cTn>
                   </p:par>
                   <p:par>
-                    <p:cTn id="13" fill="hold">
+                    <p:cTn id="16" fill="hold">
                       <p:stCondLst>
                         <p:cond delay="indefinite"/>
                       </p:stCondLst>
                       <p:childTnLst>
                         <p:par>
-                          <p:cTn id="14" fill="hold">
+                          <p:cTn id="17" fill="hold">
                             <p:stCondLst>
                               <p:cond delay="0"/>
                             </p:stCondLst>
                             <p:childTnLst>
                               <p:par>
-                                <p:cTn id="15" presetID="53" presetClass="entr" presetSubtype="0" fill="hold" grpId="0" nodeType="clickEffect">
+                                <p:cTn id="18" presetID="53" presetClass="entr" presetSubtype="0" fill="hold" grpId="0" nodeType="clickEffect">
                                   <p:stCondLst>
                                     <p:cond delay="0"/>
                                   </p:stCondLst>
                                   <p:childTnLst>
                                     <p:set>
                                       <p:cBhvr>
-                                        <p:cTn id="16" dur="1" fill="hold">
+                                        <p:cTn id="19" dur="1" fill="hold">
                                           <p:stCondLst>
                                             <p:cond delay="0"/>
                                           </p:stCondLst>
@@ -14113,7 +14646,7 @@
                                     </p:set>
                                     <p:anim calcmode="lin" valueType="num">
                                       <p:cBhvr>
-                                        <p:cTn id="17" dur="500" fill="hold"/>
+                                        <p:cTn id="20" dur="500" fill="hold"/>
                                         <p:tgtEl>
                                           <p:spTgt spid="3"/>
                                         </p:tgtEl>
@@ -14136,7 +14669,7 @@
                                     </p:anim>
                                     <p:anim calcmode="lin" valueType="num">
                                       <p:cBhvr>
-                                        <p:cTn id="18" dur="500" fill="hold"/>
+                                        <p:cTn id="21" dur="500" fill="hold"/>
                                         <p:tgtEl>
                                           <p:spTgt spid="3"/>
                                         </p:tgtEl>
@@ -14159,7 +14692,7 @@
                                     </p:anim>
                                     <p:animEffect transition="in" filter="fade">
                                       <p:cBhvr>
-                                        <p:cTn id="19" dur="500"/>
+                                        <p:cTn id="22" dur="500"/>
                                         <p:tgtEl>
                                           <p:spTgt spid="3"/>
                                         </p:tgtEl>
@@ -14169,14 +14702,14 @@
                                 </p:cTn>
                               </p:par>
                               <p:par>
-                                <p:cTn id="20" presetID="53" presetClass="entr" presetSubtype="0" fill="hold" grpId="0" nodeType="withEffect">
+                                <p:cTn id="23" presetID="53" presetClass="entr" presetSubtype="0" fill="hold" grpId="0" nodeType="withEffect">
                                   <p:stCondLst>
                                     <p:cond delay="0"/>
                                   </p:stCondLst>
                                   <p:childTnLst>
                                     <p:set>
                                       <p:cBhvr>
-                                        <p:cTn id="21" dur="1" fill="hold">
+                                        <p:cTn id="24" dur="1" fill="hold">
                                           <p:stCondLst>
                                             <p:cond delay="0"/>
                                           </p:stCondLst>
@@ -14194,7 +14727,7 @@
                                     </p:set>
                                     <p:anim calcmode="lin" valueType="num">
                                       <p:cBhvr>
-                                        <p:cTn id="22" dur="500" fill="hold"/>
+                                        <p:cTn id="25" dur="500" fill="hold"/>
                                         <p:tgtEl>
                                           <p:spTgt spid="4"/>
                                         </p:tgtEl>
@@ -14217,7 +14750,7 @@
                                     </p:anim>
                                     <p:anim calcmode="lin" valueType="num">
                                       <p:cBhvr>
-                                        <p:cTn id="23" dur="500" fill="hold"/>
+                                        <p:cTn id="26" dur="500" fill="hold"/>
                                         <p:tgtEl>
                                           <p:spTgt spid="4"/>
                                         </p:tgtEl>
@@ -14240,7 +14773,7 @@
                                     </p:anim>
                                     <p:animEffect transition="in" filter="fade">
                                       <p:cBhvr>
-                                        <p:cTn id="24" dur="500"/>
+                                        <p:cTn id="27" dur="500"/>
                                         <p:tgtEl>
                                           <p:spTgt spid="4"/>
                                         </p:tgtEl>
@@ -14640,7 +15173,17 @@
                   </a:schemeClr>
                 </a:solidFill>
               </a:rPr>
-              <a:t> met</a:t>
+              <a:t> </a:t>
+            </a:r>
+            <a:r>
+              <a:rPr lang="fr-FR" sz="2500" dirty="0" err="1" smtClean="0">
+                <a:solidFill>
+                  <a:schemeClr val="tx1">
+                    <a:tint val="75000"/>
+                  </a:schemeClr>
+                </a:solidFill>
+              </a:rPr>
+              <a:t>encountered</a:t>
             </a:r>
             <a:endParaRPr lang="fr-FR" sz="1500" dirty="0" smtClean="0">
               <a:solidFill>
@@ -14761,6 +15304,48 @@
           </a:p>
         </p:txBody>
       </p:sp>
+      <p:sp>
+        <p:nvSpPr>
+          <p:cNvPr id="8" name="Organigramme : Délai 7" descr="1"/>
+          <p:cNvSpPr/>
+          <p:nvPr/>
+        </p:nvSpPr>
+        <p:spPr>
+          <a:xfrm>
+            <a:off x="0" y="6237312"/>
+            <a:ext cx="539552" cy="620688"/>
+          </a:xfrm>
+          <a:prstGeom prst="flowChartDelay">
+            <a:avLst/>
+          </a:prstGeom>
+        </p:spPr>
+        <p:style>
+          <a:lnRef idx="0">
+            <a:schemeClr val="accent1"/>
+          </a:lnRef>
+          <a:fillRef idx="3">
+            <a:schemeClr val="accent1"/>
+          </a:fillRef>
+          <a:effectRef idx="3">
+            <a:schemeClr val="accent1"/>
+          </a:effectRef>
+          <a:fontRef idx="minor">
+            <a:schemeClr val="lt1"/>
+          </a:fontRef>
+        </p:style>
+        <p:txBody>
+          <a:bodyPr rtlCol="0" anchor="ctr"/>
+          <a:lstStyle/>
+          <a:p>
+            <a:pPr algn="ctr"/>
+            <a:r>
+              <a:rPr lang="fr-FR" b="1" dirty="0" smtClean="0"/>
+              <a:t>2</a:t>
+            </a:r>
+            <a:endParaRPr lang="fr-FR" b="1" dirty="0"/>
+          </a:p>
+        </p:txBody>
+      </p:sp>
     </p:spTree>
   </p:cSld>
   <p:clrMapOvr>
@@ -14827,9 +15412,150 @@
           </a:p>
         </p:txBody>
       </p:sp>
+      <p:sp>
+        <p:nvSpPr>
+          <p:cNvPr id="5" name="Rectangle 4"/>
+          <p:cNvSpPr/>
+          <p:nvPr/>
+        </p:nvSpPr>
+        <p:spPr>
+          <a:xfrm>
+            <a:off x="971600" y="6165304"/>
+            <a:ext cx="7488832" cy="400110"/>
+          </a:xfrm>
+          <a:prstGeom prst="rect">
+            <a:avLst/>
+          </a:prstGeom>
+          <a:solidFill>
+            <a:schemeClr val="bg1"/>
+          </a:solidFill>
+        </p:spPr>
+        <p:txBody>
+          <a:bodyPr wrap="square">
+            <a:spAutoFit/>
+          </a:bodyPr>
+          <a:lstStyle/>
+          <a:p>
+            <a:pPr algn="ctr"/>
+            <a:r>
+              <a:rPr lang="en-US" sz="2000" dirty="0" smtClean="0"/>
+              <a:t>page endgame with new record</a:t>
+            </a:r>
+            <a:endParaRPr lang="fr-FR" sz="2000" dirty="0"/>
+          </a:p>
+        </p:txBody>
+      </p:sp>
+      <p:sp>
+        <p:nvSpPr>
+          <p:cNvPr id="6" name="Rectangle 5"/>
+          <p:cNvSpPr/>
+          <p:nvPr/>
+        </p:nvSpPr>
+        <p:spPr>
+          <a:xfrm>
+            <a:off x="971600" y="6165304"/>
+            <a:ext cx="7488832" cy="400110"/>
+          </a:xfrm>
+          <a:prstGeom prst="rect">
+            <a:avLst/>
+          </a:prstGeom>
+          <a:solidFill>
+            <a:schemeClr val="bg1"/>
+          </a:solidFill>
+        </p:spPr>
+        <p:txBody>
+          <a:bodyPr wrap="square">
+            <a:spAutoFit/>
+          </a:bodyPr>
+          <a:lstStyle/>
+          <a:p>
+            <a:pPr algn="ctr"/>
+            <a:r>
+              <a:rPr lang="en-US" sz="2000" dirty="0" smtClean="0"/>
+              <a:t>page endgame without new record</a:t>
+            </a:r>
+            <a:endParaRPr lang="fr-FR" sz="2000" dirty="0"/>
+          </a:p>
+        </p:txBody>
+      </p:sp>
+      <p:sp>
+        <p:nvSpPr>
+          <p:cNvPr id="9" name="Rectangle 8"/>
+          <p:cNvSpPr/>
+          <p:nvPr/>
+        </p:nvSpPr>
+        <p:spPr>
+          <a:xfrm>
+            <a:off x="971600" y="6165304"/>
+            <a:ext cx="7488832" cy="400110"/>
+          </a:xfrm>
+          <a:prstGeom prst="rect">
+            <a:avLst/>
+          </a:prstGeom>
+          <a:solidFill>
+            <a:schemeClr val="bg1"/>
+          </a:solidFill>
+        </p:spPr>
+        <p:txBody>
+          <a:bodyPr wrap="square">
+            <a:spAutoFit/>
+          </a:bodyPr>
+          <a:lstStyle/>
+          <a:p>
+            <a:pPr algn="ctr"/>
+            <a:r>
+              <a:rPr lang="en-US" sz="2000" dirty="0" smtClean="0"/>
+              <a:t>page scoreboard</a:t>
+            </a:r>
+            <a:endParaRPr lang="fr-FR" sz="2000" dirty="0"/>
+          </a:p>
+        </p:txBody>
+      </p:sp>
+      <p:sp>
+        <p:nvSpPr>
+          <p:cNvPr id="11" name="Organigramme : Délai 10" descr="1"/>
+          <p:cNvSpPr/>
+          <p:nvPr/>
+        </p:nvSpPr>
+        <p:spPr>
+          <a:xfrm>
+            <a:off x="0" y="6237312"/>
+            <a:ext cx="539552" cy="620688"/>
+          </a:xfrm>
+          <a:prstGeom prst="flowChartDelay">
+            <a:avLst/>
+          </a:prstGeom>
+        </p:spPr>
+        <p:style>
+          <a:lnRef idx="0">
+            <a:schemeClr val="accent1"/>
+          </a:lnRef>
+          <a:fillRef idx="3">
+            <a:schemeClr val="accent1"/>
+          </a:fillRef>
+          <a:effectRef idx="3">
+            <a:schemeClr val="accent1"/>
+          </a:effectRef>
+          <a:fontRef idx="minor">
+            <a:schemeClr val="lt1"/>
+          </a:fontRef>
+        </p:style>
+        <p:txBody>
+          <a:bodyPr rtlCol="0" anchor="ctr"/>
+          <a:lstStyle/>
+          <a:p>
+            <a:pPr algn="ctr"/>
+            <a:r>
+              <a:rPr lang="fr-FR" b="1" dirty="0" smtClean="0"/>
+              <a:t>20</a:t>
+            </a:r>
+            <a:endParaRPr lang="fr-FR" b="1" dirty="0"/>
+          </a:p>
+        </p:txBody>
+      </p:sp>
       <p:pic>
         <p:nvPicPr>
-          <p:cNvPr id="44034" name="Picture 2" descr="https://fbcdn-sphotos-h-a.akamaihd.net/hphotos-ak-xpf1/v/t35.0-12/10968903_10204983466919246_574158918_o.jpg?oh=9ef75bed61d85edb5458e46c707fc55a&amp;oe=54DBBC43&amp;__gda__=1423629751_c44e006ecf9bb173ac51636a2a5fd63c"/>
+          <p:cNvPr id="12294" name="Picture 6" descr="https://fbcdn-sphotos-h-a.akamaihd.net/hphotos-ak-xpf1/v/t35.0-12/10961006_10204922231767408_437508620_o.jpg?oh=3da7ac0a0936d3e2f1e046d19cce67fa&amp;oe=54DDD17A&amp;__gda__=1423749134_0e1023c17bea606edd78ea84e19126f9"/>
           <p:cNvPicPr>
             <a:picLocks noChangeAspect="1" noChangeArrowheads="1"/>
           </p:cNvPicPr>
@@ -14844,7 +15570,7 @@
         </p:blipFill>
         <p:spPr bwMode="auto">
           <a:xfrm>
-            <a:off x="971600" y="1430778"/>
+            <a:off x="971600" y="1412776"/>
             <a:ext cx="7488832" cy="4680520"/>
           </a:xfrm>
           <a:prstGeom prst="rect">
@@ -14855,7 +15581,7 @@
       </p:pic>
       <p:pic>
         <p:nvPicPr>
-          <p:cNvPr id="44036" name="Picture 4" descr="https://fbcdn-sphotos-h-a.akamaihd.net/hphotos-ak-xpf1/v/t35.0-12/899645_10204983464559187_1559415846_o.jpg?oh=d1d58041a4d167d38bc63209b67fb9c8&amp;oe=54DBDD9D&amp;__gda__=1423692301_88de6376dfd67fbeddce6449e56da58c"/>
+          <p:cNvPr id="12292" name="Picture 4" descr="https://fbcdn-sphotos-h-a.akamaihd.net/hphotos-ak-xpf1/v/t35.0-12/10969035_10204922230847385_1776648775_o.jpg?oh=8b1c220d52e334485cd093b175df8a69&amp;oe=54DCB2D0&amp;__gda__=1423747969_5cd850135bfaeaa19813b6f8187cfe2c"/>
           <p:cNvPicPr>
             <a:picLocks noChangeAspect="1" noChangeArrowheads="1"/>
           </p:cNvPicPr>
@@ -14870,7 +15596,7 @@
         </p:blipFill>
         <p:spPr bwMode="auto">
           <a:xfrm>
-            <a:off x="971600" y="1430778"/>
+            <a:off x="971600" y="1412776"/>
             <a:ext cx="7488832" cy="4680520"/>
           </a:xfrm>
           <a:prstGeom prst="rect">
@@ -14879,75 +15605,9 @@
           <a:noFill/>
         </p:spPr>
       </p:pic>
-      <p:sp>
-        <p:nvSpPr>
-          <p:cNvPr id="5" name="Rectangle 4"/>
-          <p:cNvSpPr/>
-          <p:nvPr/>
-        </p:nvSpPr>
-        <p:spPr>
-          <a:xfrm>
-            <a:off x="971600" y="6237312"/>
-            <a:ext cx="7488832" cy="400110"/>
-          </a:xfrm>
-          <a:prstGeom prst="rect">
-            <a:avLst/>
-          </a:prstGeom>
-          <a:solidFill>
-            <a:schemeClr val="bg1"/>
-          </a:solidFill>
-        </p:spPr>
-        <p:txBody>
-          <a:bodyPr wrap="square">
-            <a:spAutoFit/>
-          </a:bodyPr>
-          <a:lstStyle/>
-          <a:p>
-            <a:pPr algn="ctr"/>
-            <a:r>
-              <a:rPr lang="en-US" sz="2000" dirty="0" smtClean="0"/>
-              <a:t>page endgame with new record</a:t>
-            </a:r>
-            <a:endParaRPr lang="fr-FR" sz="2000" dirty="0"/>
-          </a:p>
-        </p:txBody>
-      </p:sp>
-      <p:sp>
-        <p:nvSpPr>
-          <p:cNvPr id="6" name="Rectangle 5"/>
-          <p:cNvSpPr/>
-          <p:nvPr/>
-        </p:nvSpPr>
-        <p:spPr>
-          <a:xfrm>
-            <a:off x="971600" y="6237312"/>
-            <a:ext cx="7488832" cy="400110"/>
-          </a:xfrm>
-          <a:prstGeom prst="rect">
-            <a:avLst/>
-          </a:prstGeom>
-          <a:solidFill>
-            <a:schemeClr val="bg1"/>
-          </a:solidFill>
-        </p:spPr>
-        <p:txBody>
-          <a:bodyPr wrap="square">
-            <a:spAutoFit/>
-          </a:bodyPr>
-          <a:lstStyle/>
-          <a:p>
-            <a:pPr algn="ctr"/>
-            <a:r>
-              <a:rPr lang="en-US" sz="2000" dirty="0" smtClean="0"/>
-              <a:t>page endgame without new record</a:t>
-            </a:r>
-            <a:endParaRPr lang="fr-FR" sz="2000" dirty="0"/>
-          </a:p>
-        </p:txBody>
-      </p:sp>
       <p:pic>
         <p:nvPicPr>
-          <p:cNvPr id="44038" name="Picture 6" descr="https://fbcdn-sphotos-h-a.akamaihd.net/hphotos-ak-xpf1/v/t35.0-12/10967149_10204983506360232_403008215_o.jpg?oh=70547972cb73ac5da9fa09c590214995&amp;oe=54DAC25D&amp;__gda__=1423696617_23e714aaf4f16b465caea882539958b2"/>
+          <p:cNvPr id="12290" name="Picture 2" descr="https://fbcdn-sphotos-h-a.akamaihd.net/hphotos-ak-xpf1/v/t35.0-12/10960903_10204922231447400_354923858_o.jpg?oh=59502ca7608ee9e5d5856eb691905d93&amp;oe=54DDAB89&amp;__gda__=1423823997_dae7c0891d27b623fbf8556f4b11c645"/>
           <p:cNvPicPr>
             <a:picLocks noChangeAspect="1" noChangeArrowheads="1"/>
           </p:cNvPicPr>
@@ -14963,7 +15623,7 @@
         <p:spPr bwMode="auto">
           <a:xfrm>
             <a:off x="971600" y="1412776"/>
-            <a:ext cx="7488832" cy="4680520"/>
+            <a:ext cx="7488831" cy="4680519"/>
           </a:xfrm>
           <a:prstGeom prst="rect">
             <a:avLst/>
@@ -14971,39 +15631,6 @@
           <a:noFill/>
         </p:spPr>
       </p:pic>
-      <p:sp>
-        <p:nvSpPr>
-          <p:cNvPr id="9" name="Rectangle 8"/>
-          <p:cNvSpPr/>
-          <p:nvPr/>
-        </p:nvSpPr>
-        <p:spPr>
-          <a:xfrm>
-            <a:off x="971600" y="6237312"/>
-            <a:ext cx="7488832" cy="400110"/>
-          </a:xfrm>
-          <a:prstGeom prst="rect">
-            <a:avLst/>
-          </a:prstGeom>
-          <a:solidFill>
-            <a:schemeClr val="bg1"/>
-          </a:solidFill>
-        </p:spPr>
-        <p:txBody>
-          <a:bodyPr wrap="square">
-            <a:spAutoFit/>
-          </a:bodyPr>
-          <a:lstStyle/>
-          <a:p>
-            <a:pPr algn="ctr"/>
-            <a:r>
-              <a:rPr lang="en-US" sz="2000" dirty="0" smtClean="0"/>
-              <a:t>page scoreboard</a:t>
-            </a:r>
-            <a:endParaRPr lang="fr-FR" sz="2000" dirty="0"/>
-          </a:p>
-        </p:txBody>
-      </p:sp>
     </p:spTree>
   </p:cSld>
   <p:clrMapOvr>
@@ -15046,7 +15673,7 @@
                                           </p:stCondLst>
                                         </p:cTn>
                                         <p:tgtEl>
-                                          <p:spTgt spid="44034"/>
+                                          <p:spTgt spid="12294"/>
                                         </p:tgtEl>
                                         <p:attrNameLst>
                                           <p:attrName>style.visibility</p:attrName>
@@ -15060,7 +15687,7 @@
                                       <p:cBhvr>
                                         <p:cTn id="7" dur="500"/>
                                         <p:tgtEl>
-                                          <p:spTgt spid="44034"/>
+                                          <p:spTgt spid="12294"/>
                                         </p:tgtEl>
                                       </p:cBhvr>
                                     </p:animEffect>
@@ -15134,7 +15761,7 @@
                                           </p:stCondLst>
                                         </p:cTn>
                                         <p:tgtEl>
-                                          <p:spTgt spid="44036"/>
+                                          <p:spTgt spid="12292"/>
                                         </p:tgtEl>
                                         <p:attrNameLst>
                                           <p:attrName>style.visibility</p:attrName>
@@ -15148,7 +15775,7 @@
                                       <p:cBhvr>
                                         <p:cTn id="15" dur="500"/>
                                         <p:tgtEl>
-                                          <p:spTgt spid="44036"/>
+                                          <p:spTgt spid="12292"/>
                                         </p:tgtEl>
                                       </p:cBhvr>
                                     </p:animEffect>
@@ -15222,7 +15849,7 @@
                                           </p:stCondLst>
                                         </p:cTn>
                                         <p:tgtEl>
-                                          <p:spTgt spid="44038"/>
+                                          <p:spTgt spid="12290"/>
                                         </p:tgtEl>
                                         <p:attrNameLst>
                                           <p:attrName>style.visibility</p:attrName>
@@ -15236,7 +15863,7 @@
                                       <p:cBhvr>
                                         <p:cTn id="23" dur="500"/>
                                         <p:tgtEl>
-                                          <p:spTgt spid="44038"/>
+                                          <p:spTgt spid="12290"/>
                                         </p:tgtEl>
                                       </p:cBhvr>
                                     </p:animEffect>
@@ -15355,8 +15982,55 @@
           <a:p>
             <a:r>
               <a:rPr lang="fr-FR" sz="5500" b="1" dirty="0" smtClean="0"/>
-              <a:t>DISPARITIES AND PROBLEMS MET</a:t>
-            </a:r>
+              <a:t>DISPARITIES AND PROBLEMS </a:t>
+            </a:r>
+            <a:r>
+              <a:rPr lang="fr-FR" sz="5500" b="1" dirty="0" smtClean="0"/>
+              <a:t>ENCOUNTERED</a:t>
+            </a:r>
+            <a:endParaRPr lang="fr-FR" sz="5500" b="1" dirty="0" smtClean="0"/>
+          </a:p>
+        </p:txBody>
+      </p:sp>
+      <p:sp>
+        <p:nvSpPr>
+          <p:cNvPr id="4" name="Organigramme : Délai 3" descr="1"/>
+          <p:cNvSpPr/>
+          <p:nvPr/>
+        </p:nvSpPr>
+        <p:spPr>
+          <a:xfrm>
+            <a:off x="0" y="6237312"/>
+            <a:ext cx="539552" cy="620688"/>
+          </a:xfrm>
+          <a:prstGeom prst="flowChartDelay">
+            <a:avLst/>
+          </a:prstGeom>
+        </p:spPr>
+        <p:style>
+          <a:lnRef idx="0">
+            <a:schemeClr val="accent1"/>
+          </a:lnRef>
+          <a:fillRef idx="3">
+            <a:schemeClr val="accent1"/>
+          </a:fillRef>
+          <a:effectRef idx="3">
+            <a:schemeClr val="accent1"/>
+          </a:effectRef>
+          <a:fontRef idx="minor">
+            <a:schemeClr val="lt1"/>
+          </a:fontRef>
+        </p:style>
+        <p:txBody>
+          <a:bodyPr rtlCol="0" anchor="ctr"/>
+          <a:lstStyle/>
+          <a:p>
+            <a:pPr algn="ctr"/>
+            <a:r>
+              <a:rPr lang="fr-FR" b="1" dirty="0" smtClean="0"/>
+              <a:t>21</a:t>
+            </a:r>
+            <a:endParaRPr lang="fr-FR" b="1" dirty="0"/>
           </a:p>
         </p:txBody>
       </p:sp>
@@ -15434,8 +16108,8 @@
         </p:nvSpPr>
         <p:spPr>
           <a:xfrm>
-            <a:off x="467544" y="3212976"/>
-            <a:ext cx="8064896" cy="504056"/>
+            <a:off x="1115616" y="3212976"/>
+            <a:ext cx="7416824" cy="504056"/>
           </a:xfrm>
           <a:prstGeom prst="rect">
             <a:avLst/>
@@ -15508,8 +16182,8 @@
         </p:nvSpPr>
         <p:spPr>
           <a:xfrm>
-            <a:off x="539552" y="5949280"/>
-            <a:ext cx="8064896" cy="504056"/>
+            <a:off x="1079104" y="5733256"/>
+            <a:ext cx="7453336" cy="504056"/>
           </a:xfrm>
           <a:prstGeom prst="rect">
             <a:avLst/>
@@ -15626,6 +16300,48 @@
           <a:noFill/>
         </p:spPr>
       </p:pic>
+      <p:sp>
+        <p:nvSpPr>
+          <p:cNvPr id="9" name="Organigramme : Délai 8" descr="1"/>
+          <p:cNvSpPr/>
+          <p:nvPr/>
+        </p:nvSpPr>
+        <p:spPr>
+          <a:xfrm>
+            <a:off x="0" y="6237312"/>
+            <a:ext cx="539552" cy="620688"/>
+          </a:xfrm>
+          <a:prstGeom prst="flowChartDelay">
+            <a:avLst/>
+          </a:prstGeom>
+        </p:spPr>
+        <p:style>
+          <a:lnRef idx="0">
+            <a:schemeClr val="accent1"/>
+          </a:lnRef>
+          <a:fillRef idx="3">
+            <a:schemeClr val="accent1"/>
+          </a:fillRef>
+          <a:effectRef idx="3">
+            <a:schemeClr val="accent1"/>
+          </a:effectRef>
+          <a:fontRef idx="minor">
+            <a:schemeClr val="lt1"/>
+          </a:fontRef>
+        </p:style>
+        <p:txBody>
+          <a:bodyPr rtlCol="0" anchor="ctr"/>
+          <a:lstStyle/>
+          <a:p>
+            <a:pPr algn="ctr"/>
+            <a:r>
+              <a:rPr lang="fr-FR" b="1" dirty="0" smtClean="0"/>
+              <a:t>22</a:t>
+            </a:r>
+            <a:endParaRPr lang="fr-FR" b="1" dirty="0"/>
+          </a:p>
+        </p:txBody>
+      </p:sp>
     </p:spTree>
   </p:cSld>
   <p:clrMapOvr>
@@ -16157,6 +16873,48 @@
                 <a:schemeClr val="bg1"/>
               </a:solidFill>
             </a:endParaRPr>
+          </a:p>
+        </p:txBody>
+      </p:sp>
+      <p:sp>
+        <p:nvSpPr>
+          <p:cNvPr id="10" name="Organigramme : Délai 9" descr="1"/>
+          <p:cNvSpPr/>
+          <p:nvPr/>
+        </p:nvSpPr>
+        <p:spPr>
+          <a:xfrm>
+            <a:off x="0" y="6237312"/>
+            <a:ext cx="539552" cy="620688"/>
+          </a:xfrm>
+          <a:prstGeom prst="flowChartDelay">
+            <a:avLst/>
+          </a:prstGeom>
+        </p:spPr>
+        <p:style>
+          <a:lnRef idx="0">
+            <a:schemeClr val="accent1"/>
+          </a:lnRef>
+          <a:fillRef idx="3">
+            <a:schemeClr val="accent1"/>
+          </a:fillRef>
+          <a:effectRef idx="3">
+            <a:schemeClr val="accent1"/>
+          </a:effectRef>
+          <a:fontRef idx="minor">
+            <a:schemeClr val="lt1"/>
+          </a:fontRef>
+        </p:style>
+        <p:txBody>
+          <a:bodyPr rtlCol="0" anchor="ctr"/>
+          <a:lstStyle/>
+          <a:p>
+            <a:pPr algn="ctr"/>
+            <a:r>
+              <a:rPr lang="fr-FR" b="1" dirty="0" smtClean="0"/>
+              <a:t>23</a:t>
+            </a:r>
+            <a:endParaRPr lang="fr-FR" b="1" dirty="0"/>
           </a:p>
         </p:txBody>
       </p:sp>
@@ -16734,6 +17492,48 @@
           </a:p>
         </p:txBody>
       </p:sp>
+      <p:sp>
+        <p:nvSpPr>
+          <p:cNvPr id="4" name="Organigramme : Délai 3" descr="1"/>
+          <p:cNvSpPr/>
+          <p:nvPr/>
+        </p:nvSpPr>
+        <p:spPr>
+          <a:xfrm>
+            <a:off x="0" y="6237312"/>
+            <a:ext cx="539552" cy="620688"/>
+          </a:xfrm>
+          <a:prstGeom prst="flowChartDelay">
+            <a:avLst/>
+          </a:prstGeom>
+        </p:spPr>
+        <p:style>
+          <a:lnRef idx="0">
+            <a:schemeClr val="accent1"/>
+          </a:lnRef>
+          <a:fillRef idx="3">
+            <a:schemeClr val="accent1"/>
+          </a:fillRef>
+          <a:effectRef idx="3">
+            <a:schemeClr val="accent1"/>
+          </a:effectRef>
+          <a:fontRef idx="minor">
+            <a:schemeClr val="lt1"/>
+          </a:fontRef>
+        </p:style>
+        <p:txBody>
+          <a:bodyPr rtlCol="0" anchor="ctr"/>
+          <a:lstStyle/>
+          <a:p>
+            <a:pPr algn="ctr"/>
+            <a:r>
+              <a:rPr lang="fr-FR" b="1" dirty="0" smtClean="0"/>
+              <a:t>24</a:t>
+            </a:r>
+            <a:endParaRPr lang="fr-FR" b="1" dirty="0"/>
+          </a:p>
+        </p:txBody>
+      </p:sp>
     </p:spTree>
   </p:cSld>
   <p:clrMapOvr>
@@ -16802,16 +17602,390 @@
       </p:sp>
       <p:sp>
         <p:nvSpPr>
-          <p:cNvPr id="4" name="Plus 3"/>
+          <p:cNvPr id="6" name="Rectangle 5"/>
           <p:cNvSpPr/>
           <p:nvPr/>
         </p:nvSpPr>
         <p:spPr>
           <a:xfrm>
-            <a:off x="2339752" y="1628800"/>
-            <a:ext cx="792088" cy="792088"/>
-          </a:xfrm>
-          <a:prstGeom prst="mathPlus">
+            <a:off x="971600" y="5733256"/>
+            <a:ext cx="3456384" cy="504056"/>
+          </a:xfrm>
+          <a:prstGeom prst="rect">
+            <a:avLst/>
+          </a:prstGeom>
+          <a:ln>
+            <a:noFill/>
+          </a:ln>
+          <a:effectLst>
+            <a:outerShdw blurRad="149987" dist="250190" dir="8460000" algn="ctr">
+              <a:srgbClr val="000000">
+                <a:alpha val="28000"/>
+              </a:srgbClr>
+            </a:outerShdw>
+          </a:effectLst>
+          <a:scene3d>
+            <a:camera prst="orthographicFront">
+              <a:rot lat="0" lon="0" rev="0"/>
+            </a:camera>
+            <a:lightRig rig="contrasting" dir="t">
+              <a:rot lat="0" lon="0" rev="1500000"/>
+            </a:lightRig>
+          </a:scene3d>
+          <a:sp3d prstMaterial="metal">
+            <a:bevelT w="88900" h="88900"/>
+          </a:sp3d>
+        </p:spPr>
+        <p:style>
+          <a:lnRef idx="1">
+            <a:schemeClr val="accent1"/>
+          </a:lnRef>
+          <a:fillRef idx="3">
+            <a:schemeClr val="accent1"/>
+          </a:fillRef>
+          <a:effectRef idx="2">
+            <a:schemeClr val="accent1"/>
+          </a:effectRef>
+          <a:fontRef idx="minor">
+            <a:schemeClr val="lt1"/>
+          </a:fontRef>
+        </p:style>
+        <p:txBody>
+          <a:bodyPr rtlCol="0" anchor="ctr"/>
+          <a:lstStyle/>
+          <a:p>
+            <a:pPr algn="ctr">
+              <a:defRPr/>
+            </a:pPr>
+            <a:r>
+              <a:rPr lang="en-US" b="1" dirty="0" smtClean="0">
+                <a:solidFill>
+                  <a:schemeClr val="bg1"/>
+                </a:solidFill>
+              </a:rPr>
+              <a:t>A playful project</a:t>
+            </a:r>
+          </a:p>
+        </p:txBody>
+      </p:sp>
+      <p:sp>
+        <p:nvSpPr>
+          <p:cNvPr id="7" name="Rectangle 6"/>
+          <p:cNvSpPr/>
+          <p:nvPr/>
+        </p:nvSpPr>
+        <p:spPr>
+          <a:xfrm>
+            <a:off x="971600" y="2564904"/>
+            <a:ext cx="3456384" cy="864096"/>
+          </a:xfrm>
+          <a:prstGeom prst="rect">
+            <a:avLst/>
+          </a:prstGeom>
+          <a:ln>
+            <a:noFill/>
+          </a:ln>
+          <a:effectLst>
+            <a:outerShdw blurRad="149987" dist="250190" dir="8460000" algn="ctr">
+              <a:srgbClr val="000000">
+                <a:alpha val="28000"/>
+              </a:srgbClr>
+            </a:outerShdw>
+          </a:effectLst>
+          <a:scene3d>
+            <a:camera prst="orthographicFront">
+              <a:rot lat="0" lon="0" rev="0"/>
+            </a:camera>
+            <a:lightRig rig="contrasting" dir="t">
+              <a:rot lat="0" lon="0" rev="1500000"/>
+            </a:lightRig>
+          </a:scene3d>
+          <a:sp3d prstMaterial="metal">
+            <a:bevelT w="88900" h="88900"/>
+          </a:sp3d>
+        </p:spPr>
+        <p:style>
+          <a:lnRef idx="1">
+            <a:schemeClr val="accent1"/>
+          </a:lnRef>
+          <a:fillRef idx="3">
+            <a:schemeClr val="accent1"/>
+          </a:fillRef>
+          <a:effectRef idx="2">
+            <a:schemeClr val="accent1"/>
+          </a:effectRef>
+          <a:fontRef idx="minor">
+            <a:schemeClr val="lt1"/>
+          </a:fontRef>
+        </p:style>
+        <p:txBody>
+          <a:bodyPr rtlCol="0" anchor="ctr"/>
+          <a:lstStyle/>
+          <a:p>
+            <a:pPr algn="ctr"/>
+            <a:r>
+              <a:rPr lang="en-US" b="1" dirty="0" smtClean="0">
+                <a:solidFill>
+                  <a:schemeClr val="bg1"/>
+                </a:solidFill>
+              </a:rPr>
+              <a:t>Be able to follow a project from the beginning to the end</a:t>
+            </a:r>
+          </a:p>
+        </p:txBody>
+      </p:sp>
+      <p:sp>
+        <p:nvSpPr>
+          <p:cNvPr id="9" name="Rectangle 8"/>
+          <p:cNvSpPr/>
+          <p:nvPr/>
+        </p:nvSpPr>
+        <p:spPr>
+          <a:xfrm>
+            <a:off x="971600" y="3573016"/>
+            <a:ext cx="3456384" cy="504056"/>
+          </a:xfrm>
+          <a:prstGeom prst="rect">
+            <a:avLst/>
+          </a:prstGeom>
+          <a:ln>
+            <a:noFill/>
+          </a:ln>
+          <a:effectLst>
+            <a:outerShdw blurRad="149987" dist="250190" dir="8460000" algn="ctr">
+              <a:srgbClr val="000000">
+                <a:alpha val="28000"/>
+              </a:srgbClr>
+            </a:outerShdw>
+          </a:effectLst>
+          <a:scene3d>
+            <a:camera prst="orthographicFront">
+              <a:rot lat="0" lon="0" rev="0"/>
+            </a:camera>
+            <a:lightRig rig="contrasting" dir="t">
+              <a:rot lat="0" lon="0" rev="1500000"/>
+            </a:lightRig>
+          </a:scene3d>
+          <a:sp3d prstMaterial="metal">
+            <a:bevelT w="88900" h="88900"/>
+          </a:sp3d>
+        </p:spPr>
+        <p:style>
+          <a:lnRef idx="1">
+            <a:schemeClr val="accent1"/>
+          </a:lnRef>
+          <a:fillRef idx="3">
+            <a:schemeClr val="accent1"/>
+          </a:fillRef>
+          <a:effectRef idx="2">
+            <a:schemeClr val="accent1"/>
+          </a:effectRef>
+          <a:fontRef idx="minor">
+            <a:schemeClr val="lt1"/>
+          </a:fontRef>
+        </p:style>
+        <p:txBody>
+          <a:bodyPr rtlCol="0" anchor="ctr"/>
+          <a:lstStyle/>
+          <a:p>
+            <a:pPr algn="ctr"/>
+            <a:r>
+              <a:rPr lang="en-US" b="1" dirty="0" smtClean="0">
+                <a:solidFill>
+                  <a:schemeClr val="bg1"/>
+                </a:solidFill>
+              </a:rPr>
+              <a:t>A full time project</a:t>
+            </a:r>
+          </a:p>
+        </p:txBody>
+      </p:sp>
+      <p:sp>
+        <p:nvSpPr>
+          <p:cNvPr id="10" name="Rectangle 9"/>
+          <p:cNvSpPr/>
+          <p:nvPr/>
+        </p:nvSpPr>
+        <p:spPr>
+          <a:xfrm>
+            <a:off x="971600" y="4221088"/>
+            <a:ext cx="3456384" cy="504056"/>
+          </a:xfrm>
+          <a:prstGeom prst="rect">
+            <a:avLst/>
+          </a:prstGeom>
+          <a:ln>
+            <a:noFill/>
+          </a:ln>
+          <a:effectLst>
+            <a:outerShdw blurRad="149987" dist="250190" dir="8460000" algn="ctr">
+              <a:srgbClr val="000000">
+                <a:alpha val="28000"/>
+              </a:srgbClr>
+            </a:outerShdw>
+          </a:effectLst>
+          <a:scene3d>
+            <a:camera prst="orthographicFront">
+              <a:rot lat="0" lon="0" rev="0"/>
+            </a:camera>
+            <a:lightRig rig="contrasting" dir="t">
+              <a:rot lat="0" lon="0" rev="1500000"/>
+            </a:lightRig>
+          </a:scene3d>
+          <a:sp3d prstMaterial="metal">
+            <a:bevelT w="88900" h="88900"/>
+          </a:sp3d>
+        </p:spPr>
+        <p:style>
+          <a:lnRef idx="1">
+            <a:schemeClr val="accent1"/>
+          </a:lnRef>
+          <a:fillRef idx="3">
+            <a:schemeClr val="accent1"/>
+          </a:fillRef>
+          <a:effectRef idx="2">
+            <a:schemeClr val="accent1"/>
+          </a:effectRef>
+          <a:fontRef idx="minor">
+            <a:schemeClr val="lt1"/>
+          </a:fontRef>
+        </p:style>
+        <p:txBody>
+          <a:bodyPr rtlCol="0" anchor="ctr"/>
+          <a:lstStyle/>
+          <a:p>
+            <a:pPr algn="ctr"/>
+            <a:r>
+              <a:rPr lang="en-US" b="1" dirty="0" smtClean="0">
+                <a:solidFill>
+                  <a:schemeClr val="bg1"/>
+                </a:solidFill>
+              </a:rPr>
+              <a:t>A good customer contact</a:t>
+            </a:r>
+          </a:p>
+        </p:txBody>
+      </p:sp>
+      <p:sp>
+        <p:nvSpPr>
+          <p:cNvPr id="11" name="Rectangle 10"/>
+          <p:cNvSpPr/>
+          <p:nvPr/>
+        </p:nvSpPr>
+        <p:spPr>
+          <a:xfrm>
+            <a:off x="988368" y="4830688"/>
+            <a:ext cx="3422848" cy="758552"/>
+          </a:xfrm>
+          <a:prstGeom prst="rect">
+            <a:avLst/>
+          </a:prstGeom>
+          <a:ln>
+            <a:noFill/>
+          </a:ln>
+          <a:effectLst>
+            <a:outerShdw blurRad="149987" dist="250190" dir="8460000" algn="ctr">
+              <a:srgbClr val="000000">
+                <a:alpha val="28000"/>
+              </a:srgbClr>
+            </a:outerShdw>
+          </a:effectLst>
+          <a:scene3d>
+            <a:camera prst="orthographicFront">
+              <a:rot lat="0" lon="0" rev="0"/>
+            </a:camera>
+            <a:lightRig rig="contrasting" dir="t">
+              <a:rot lat="0" lon="0" rev="1500000"/>
+            </a:lightRig>
+          </a:scene3d>
+          <a:sp3d prstMaterial="metal">
+            <a:bevelT w="88900" h="88900"/>
+          </a:sp3d>
+        </p:spPr>
+        <p:style>
+          <a:lnRef idx="1">
+            <a:schemeClr val="accent1"/>
+          </a:lnRef>
+          <a:fillRef idx="3">
+            <a:schemeClr val="accent1"/>
+          </a:fillRef>
+          <a:effectRef idx="2">
+            <a:schemeClr val="accent1"/>
+          </a:effectRef>
+          <a:fontRef idx="minor">
+            <a:schemeClr val="lt1"/>
+          </a:fontRef>
+        </p:style>
+        <p:txBody>
+          <a:bodyPr rtlCol="0" anchor="ctr"/>
+          <a:lstStyle/>
+          <a:p>
+            <a:pPr algn="ctr"/>
+            <a:r>
+              <a:rPr lang="en-US" b="1" dirty="0" smtClean="0">
+                <a:solidFill>
+                  <a:schemeClr val="bg1"/>
+                </a:solidFill>
+              </a:rPr>
+              <a:t>Acquisition of expertise in Android development</a:t>
+            </a:r>
+          </a:p>
+        </p:txBody>
+      </p:sp>
+      <p:sp>
+        <p:nvSpPr>
+          <p:cNvPr id="15" name="Organigramme : Délai 14" descr="1"/>
+          <p:cNvSpPr/>
+          <p:nvPr/>
+        </p:nvSpPr>
+        <p:spPr>
+          <a:xfrm>
+            <a:off x="0" y="6237312"/>
+            <a:ext cx="539552" cy="620688"/>
+          </a:xfrm>
+          <a:prstGeom prst="flowChartDelay">
+            <a:avLst/>
+          </a:prstGeom>
+        </p:spPr>
+        <p:style>
+          <a:lnRef idx="0">
+            <a:schemeClr val="accent1"/>
+          </a:lnRef>
+          <a:fillRef idx="3">
+            <a:schemeClr val="accent1"/>
+          </a:fillRef>
+          <a:effectRef idx="3">
+            <a:schemeClr val="accent1"/>
+          </a:effectRef>
+          <a:fontRef idx="minor">
+            <a:schemeClr val="lt1"/>
+          </a:fontRef>
+        </p:style>
+        <p:txBody>
+          <a:bodyPr rtlCol="0" anchor="ctr"/>
+          <a:lstStyle/>
+          <a:p>
+            <a:pPr algn="ctr"/>
+            <a:r>
+              <a:rPr lang="fr-FR" b="1" dirty="0" smtClean="0"/>
+              <a:t>25</a:t>
+            </a:r>
+            <a:endParaRPr lang="fr-FR" b="1" dirty="0"/>
+          </a:p>
+        </p:txBody>
+      </p:sp>
+      <p:sp>
+        <p:nvSpPr>
+          <p:cNvPr id="17" name="ZoneTexte 16"/>
+          <p:cNvSpPr txBox="1"/>
+          <p:nvPr/>
+        </p:nvSpPr>
+        <p:spPr>
+          <a:xfrm>
+            <a:off x="1403648" y="1772816"/>
+            <a:ext cx="2592288" cy="477054"/>
+          </a:xfrm>
+          <a:prstGeom prst="rect">
             <a:avLst/>
           </a:prstGeom>
           <a:solidFill>
@@ -16841,43 +18015,49 @@
         </p:spPr>
         <p:style>
           <a:lnRef idx="0">
-            <a:schemeClr val="accent2"/>
+            <a:schemeClr val="accent4"/>
           </a:lnRef>
           <a:fillRef idx="3">
-            <a:schemeClr val="accent2"/>
+            <a:schemeClr val="accent4"/>
           </a:fillRef>
           <a:effectRef idx="3">
-            <a:schemeClr val="accent2"/>
+            <a:schemeClr val="accent4"/>
           </a:effectRef>
           <a:fontRef idx="minor">
             <a:schemeClr val="lt1"/>
           </a:fontRef>
         </p:style>
         <p:txBody>
-          <a:bodyPr rtlCol="0" anchor="ctr"/>
+          <a:bodyPr wrap="square" rtlCol="0">
+            <a:spAutoFit/>
+          </a:bodyPr>
           <a:lstStyle/>
           <a:p>
             <a:pPr algn="ctr"/>
-            <a:endParaRPr lang="fr-FR"/>
-          </a:p>
-        </p:txBody>
-      </p:sp>
-      <p:sp>
-        <p:nvSpPr>
-          <p:cNvPr id="5" name="Moins 4"/>
-          <p:cNvSpPr/>
+            <a:r>
+              <a:rPr lang="fr-FR" sz="2500" b="1" dirty="0" smtClean="0"/>
+              <a:t>BENEFITS</a:t>
+            </a:r>
+            <a:endParaRPr lang="fr-FR" sz="2500" b="1" dirty="0"/>
+          </a:p>
+        </p:txBody>
+      </p:sp>
+      <p:sp>
+        <p:nvSpPr>
+          <p:cNvPr id="18" name="ZoneTexte 17"/>
+          <p:cNvSpPr txBox="1"/>
           <p:nvPr/>
         </p:nvSpPr>
         <p:spPr>
           <a:xfrm>
-            <a:off x="6012160" y="1628800"/>
-            <a:ext cx="936104" cy="792088"/>
-          </a:xfrm>
-          <a:prstGeom prst="mathMinus">
+            <a:off x="5220072" y="1727810"/>
+            <a:ext cx="2583904" cy="477054"/>
+          </a:xfrm>
+          <a:prstGeom prst="rect">
             <a:avLst/>
           </a:prstGeom>
           <a:solidFill>
-            <a:srgbClr val="C00000"/>
+            <a:srgbClr val="990000"/>
           </a:solidFill>
           <a:ln>
             <a:noFill/>
@@ -16903,37 +18083,42 @@
         </p:spPr>
         <p:style>
           <a:lnRef idx="0">
-            <a:schemeClr val="accent2"/>
+            <a:schemeClr val="accent4"/>
           </a:lnRef>
           <a:fillRef idx="3">
-            <a:schemeClr val="accent2"/>
+            <a:schemeClr val="accent4"/>
           </a:fillRef>
           <a:effectRef idx="3">
-            <a:schemeClr val="accent2"/>
+            <a:schemeClr val="accent4"/>
           </a:effectRef>
           <a:fontRef idx="minor">
             <a:schemeClr val="lt1"/>
           </a:fontRef>
         </p:style>
         <p:txBody>
-          <a:bodyPr rtlCol="0" anchor="ctr"/>
+          <a:bodyPr wrap="square" rtlCol="0">
+            <a:spAutoFit/>
+          </a:bodyPr>
           <a:lstStyle/>
           <a:p>
-            <a:pPr algn="ctr"/>
-            <a:endParaRPr lang="fr-FR"/>
-          </a:p>
-        </p:txBody>
-      </p:sp>
-      <p:sp>
-        <p:nvSpPr>
-          <p:cNvPr id="6" name="Rectangle 5"/>
+            <a:r>
+              <a:rPr lang="fr-FR" sz="2500" b="1" dirty="0" smtClean="0"/>
+              <a:t>IMPROVEMENTS</a:t>
+            </a:r>
+            <a:endParaRPr lang="fr-FR" sz="2500" b="1" dirty="0"/>
+          </a:p>
+        </p:txBody>
+      </p:sp>
+      <p:sp>
+        <p:nvSpPr>
+          <p:cNvPr id="19" name="Rectangle 18"/>
           <p:cNvSpPr/>
           <p:nvPr/>
         </p:nvSpPr>
         <p:spPr>
           <a:xfrm>
-            <a:off x="971600" y="5805264"/>
-            <a:ext cx="3456384" cy="504056"/>
+            <a:off x="4788024" y="3573016"/>
+            <a:ext cx="3456384" cy="864096"/>
           </a:xfrm>
           <a:prstGeom prst="rect">
             <a:avLst/>
@@ -16978,338 +18163,6 @@
           <a:bodyPr rtlCol="0" anchor="ctr"/>
           <a:lstStyle/>
           <a:p>
-            <a:pPr algn="ctr">
-              <a:defRPr/>
-            </a:pPr>
-            <a:r>
-              <a:rPr lang="en-US" b="1" dirty="0" smtClean="0">
-                <a:solidFill>
-                  <a:schemeClr val="bg1"/>
-                </a:solidFill>
-              </a:rPr>
-              <a:t>A playful project</a:t>
-            </a:r>
-          </a:p>
-        </p:txBody>
-      </p:sp>
-      <p:sp>
-        <p:nvSpPr>
-          <p:cNvPr id="7" name="Rectangle 6"/>
-          <p:cNvSpPr/>
-          <p:nvPr/>
-        </p:nvSpPr>
-        <p:spPr>
-          <a:xfrm>
-            <a:off x="971600" y="2636912"/>
-            <a:ext cx="3456384" cy="864096"/>
-          </a:xfrm>
-          <a:prstGeom prst="rect">
-            <a:avLst/>
-          </a:prstGeom>
-          <a:ln>
-            <a:noFill/>
-          </a:ln>
-          <a:effectLst>
-            <a:outerShdw blurRad="149987" dist="250190" dir="8460000" algn="ctr">
-              <a:srgbClr val="000000">
-                <a:alpha val="28000"/>
-              </a:srgbClr>
-            </a:outerShdw>
-          </a:effectLst>
-          <a:scene3d>
-            <a:camera prst="orthographicFront">
-              <a:rot lat="0" lon="0" rev="0"/>
-            </a:camera>
-            <a:lightRig rig="contrasting" dir="t">
-              <a:rot lat="0" lon="0" rev="1500000"/>
-            </a:lightRig>
-          </a:scene3d>
-          <a:sp3d prstMaterial="metal">
-            <a:bevelT w="88900" h="88900"/>
-          </a:sp3d>
-        </p:spPr>
-        <p:style>
-          <a:lnRef idx="1">
-            <a:schemeClr val="accent1"/>
-          </a:lnRef>
-          <a:fillRef idx="3">
-            <a:schemeClr val="accent1"/>
-          </a:fillRef>
-          <a:effectRef idx="2">
-            <a:schemeClr val="accent1"/>
-          </a:effectRef>
-          <a:fontRef idx="minor">
-            <a:schemeClr val="lt1"/>
-          </a:fontRef>
-        </p:style>
-        <p:txBody>
-          <a:bodyPr rtlCol="0" anchor="ctr"/>
-          <a:lstStyle/>
-          <a:p>
-            <a:pPr algn="ctr"/>
-            <a:r>
-              <a:rPr lang="en-US" b="1" dirty="0" smtClean="0">
-                <a:solidFill>
-                  <a:schemeClr val="bg1"/>
-                </a:solidFill>
-              </a:rPr>
-              <a:t>Be able to follow a project from the beginning to the end</a:t>
-            </a:r>
-          </a:p>
-        </p:txBody>
-      </p:sp>
-      <p:sp>
-        <p:nvSpPr>
-          <p:cNvPr id="9" name="Rectangle 8"/>
-          <p:cNvSpPr/>
-          <p:nvPr/>
-        </p:nvSpPr>
-        <p:spPr>
-          <a:xfrm>
-            <a:off x="971600" y="3645024"/>
-            <a:ext cx="3456384" cy="504056"/>
-          </a:xfrm>
-          <a:prstGeom prst="rect">
-            <a:avLst/>
-          </a:prstGeom>
-          <a:ln>
-            <a:noFill/>
-          </a:ln>
-          <a:effectLst>
-            <a:outerShdw blurRad="149987" dist="250190" dir="8460000" algn="ctr">
-              <a:srgbClr val="000000">
-                <a:alpha val="28000"/>
-              </a:srgbClr>
-            </a:outerShdw>
-          </a:effectLst>
-          <a:scene3d>
-            <a:camera prst="orthographicFront">
-              <a:rot lat="0" lon="0" rev="0"/>
-            </a:camera>
-            <a:lightRig rig="contrasting" dir="t">
-              <a:rot lat="0" lon="0" rev="1500000"/>
-            </a:lightRig>
-          </a:scene3d>
-          <a:sp3d prstMaterial="metal">
-            <a:bevelT w="88900" h="88900"/>
-          </a:sp3d>
-        </p:spPr>
-        <p:style>
-          <a:lnRef idx="1">
-            <a:schemeClr val="accent1"/>
-          </a:lnRef>
-          <a:fillRef idx="3">
-            <a:schemeClr val="accent1"/>
-          </a:fillRef>
-          <a:effectRef idx="2">
-            <a:schemeClr val="accent1"/>
-          </a:effectRef>
-          <a:fontRef idx="minor">
-            <a:schemeClr val="lt1"/>
-          </a:fontRef>
-        </p:style>
-        <p:txBody>
-          <a:bodyPr rtlCol="0" anchor="ctr"/>
-          <a:lstStyle/>
-          <a:p>
-            <a:pPr algn="ctr"/>
-            <a:r>
-              <a:rPr lang="en-US" b="1" dirty="0" smtClean="0">
-                <a:solidFill>
-                  <a:schemeClr val="bg1"/>
-                </a:solidFill>
-              </a:rPr>
-              <a:t>A full time project</a:t>
-            </a:r>
-          </a:p>
-        </p:txBody>
-      </p:sp>
-      <p:sp>
-        <p:nvSpPr>
-          <p:cNvPr id="10" name="Rectangle 9"/>
-          <p:cNvSpPr/>
-          <p:nvPr/>
-        </p:nvSpPr>
-        <p:spPr>
-          <a:xfrm>
-            <a:off x="971600" y="4293096"/>
-            <a:ext cx="3456384" cy="504056"/>
-          </a:xfrm>
-          <a:prstGeom prst="rect">
-            <a:avLst/>
-          </a:prstGeom>
-          <a:ln>
-            <a:noFill/>
-          </a:ln>
-          <a:effectLst>
-            <a:outerShdw blurRad="149987" dist="250190" dir="8460000" algn="ctr">
-              <a:srgbClr val="000000">
-                <a:alpha val="28000"/>
-              </a:srgbClr>
-            </a:outerShdw>
-          </a:effectLst>
-          <a:scene3d>
-            <a:camera prst="orthographicFront">
-              <a:rot lat="0" lon="0" rev="0"/>
-            </a:camera>
-            <a:lightRig rig="contrasting" dir="t">
-              <a:rot lat="0" lon="0" rev="1500000"/>
-            </a:lightRig>
-          </a:scene3d>
-          <a:sp3d prstMaterial="metal">
-            <a:bevelT w="88900" h="88900"/>
-          </a:sp3d>
-        </p:spPr>
-        <p:style>
-          <a:lnRef idx="1">
-            <a:schemeClr val="accent1"/>
-          </a:lnRef>
-          <a:fillRef idx="3">
-            <a:schemeClr val="accent1"/>
-          </a:fillRef>
-          <a:effectRef idx="2">
-            <a:schemeClr val="accent1"/>
-          </a:effectRef>
-          <a:fontRef idx="minor">
-            <a:schemeClr val="lt1"/>
-          </a:fontRef>
-        </p:style>
-        <p:txBody>
-          <a:bodyPr rtlCol="0" anchor="ctr"/>
-          <a:lstStyle/>
-          <a:p>
-            <a:pPr algn="ctr"/>
-            <a:r>
-              <a:rPr lang="en-US" b="1" dirty="0" smtClean="0">
-                <a:solidFill>
-                  <a:schemeClr val="bg1"/>
-                </a:solidFill>
-              </a:rPr>
-              <a:t>A good customer contact</a:t>
-            </a:r>
-          </a:p>
-        </p:txBody>
-      </p:sp>
-      <p:sp>
-        <p:nvSpPr>
-          <p:cNvPr id="11" name="Rectangle 10"/>
-          <p:cNvSpPr/>
-          <p:nvPr/>
-        </p:nvSpPr>
-        <p:spPr>
-          <a:xfrm>
-            <a:off x="971600" y="4902696"/>
-            <a:ext cx="3422848" cy="758552"/>
-          </a:xfrm>
-          <a:prstGeom prst="rect">
-            <a:avLst/>
-          </a:prstGeom>
-          <a:ln>
-            <a:noFill/>
-          </a:ln>
-          <a:effectLst>
-            <a:outerShdw blurRad="149987" dist="250190" dir="8460000" algn="ctr">
-              <a:srgbClr val="000000">
-                <a:alpha val="28000"/>
-              </a:srgbClr>
-            </a:outerShdw>
-          </a:effectLst>
-          <a:scene3d>
-            <a:camera prst="orthographicFront">
-              <a:rot lat="0" lon="0" rev="0"/>
-            </a:camera>
-            <a:lightRig rig="contrasting" dir="t">
-              <a:rot lat="0" lon="0" rev="1500000"/>
-            </a:lightRig>
-          </a:scene3d>
-          <a:sp3d prstMaterial="metal">
-            <a:bevelT w="88900" h="88900"/>
-          </a:sp3d>
-        </p:spPr>
-        <p:style>
-          <a:lnRef idx="1">
-            <a:schemeClr val="accent1"/>
-          </a:lnRef>
-          <a:fillRef idx="3">
-            <a:schemeClr val="accent1"/>
-          </a:fillRef>
-          <a:effectRef idx="2">
-            <a:schemeClr val="accent1"/>
-          </a:effectRef>
-          <a:fontRef idx="minor">
-            <a:schemeClr val="lt1"/>
-          </a:fontRef>
-        </p:style>
-        <p:txBody>
-          <a:bodyPr rtlCol="0" anchor="ctr"/>
-          <a:lstStyle/>
-          <a:p>
-            <a:pPr algn="ctr"/>
-            <a:r>
-              <a:rPr lang="en-US" b="1" dirty="0" smtClean="0">
-                <a:solidFill>
-                  <a:schemeClr val="bg1"/>
-                </a:solidFill>
-              </a:rPr>
-              <a:t>Acquisition of expertise in Android development</a:t>
-            </a:r>
-          </a:p>
-        </p:txBody>
-      </p:sp>
-      <p:sp>
-        <p:nvSpPr>
-          <p:cNvPr id="12" name="Rectangle 11"/>
-          <p:cNvSpPr/>
-          <p:nvPr/>
-        </p:nvSpPr>
-        <p:spPr>
-          <a:xfrm>
-            <a:off x="4788024" y="3645024"/>
-            <a:ext cx="3456384" cy="864096"/>
-          </a:xfrm>
-          <a:prstGeom prst="rect">
-            <a:avLst/>
-          </a:prstGeom>
-          <a:ln>
-            <a:noFill/>
-          </a:ln>
-          <a:effectLst>
-            <a:outerShdw blurRad="149987" dist="250190" dir="8460000" algn="ctr">
-              <a:srgbClr val="000000">
-                <a:alpha val="28000"/>
-              </a:srgbClr>
-            </a:outerShdw>
-          </a:effectLst>
-          <a:scene3d>
-            <a:camera prst="orthographicFront">
-              <a:rot lat="0" lon="0" rev="0"/>
-            </a:camera>
-            <a:lightRig rig="contrasting" dir="t">
-              <a:rot lat="0" lon="0" rev="1500000"/>
-            </a:lightRig>
-          </a:scene3d>
-          <a:sp3d prstMaterial="metal">
-            <a:bevelT w="88900" h="88900"/>
-          </a:sp3d>
-        </p:spPr>
-        <p:style>
-          <a:lnRef idx="1">
-            <a:schemeClr val="accent1"/>
-          </a:lnRef>
-          <a:fillRef idx="3">
-            <a:schemeClr val="accent1"/>
-          </a:fillRef>
-          <a:effectRef idx="2">
-            <a:schemeClr val="accent1"/>
-          </a:effectRef>
-          <a:fontRef idx="minor">
-            <a:schemeClr val="lt1"/>
-          </a:fontRef>
-        </p:style>
-        <p:txBody>
-          <a:bodyPr rtlCol="0" anchor="ctr"/>
-          <a:lstStyle/>
-          <a:p>
             <a:pPr algn="ctr"/>
             <a:r>
               <a:rPr lang="en-US" b="1" dirty="0" smtClean="0">
@@ -17324,13 +18177,13 @@
       </p:sp>
       <p:sp>
         <p:nvSpPr>
-          <p:cNvPr id="13" name="Rectangle 12"/>
+          <p:cNvPr id="20" name="Rectangle 19"/>
           <p:cNvSpPr/>
           <p:nvPr/>
         </p:nvSpPr>
         <p:spPr>
           <a:xfrm>
-            <a:off x="4788024" y="2636912"/>
+            <a:off x="4788024" y="2564904"/>
             <a:ext cx="3456384" cy="864096"/>
           </a:xfrm>
           <a:prstGeom prst="rect">
@@ -17459,21 +18312,30 @@
                             </p:childTnLst>
                           </p:cTn>
                         </p:par>
+                      </p:childTnLst>
+                    </p:cTn>
+                  </p:par>
+                  <p:par>
+                    <p:cTn id="8" fill="hold">
+                      <p:stCondLst>
+                        <p:cond delay="indefinite"/>
+                      </p:stCondLst>
+                      <p:childTnLst>
                         <p:par>
-                          <p:cTn id="8" fill="hold">
+                          <p:cTn id="9" fill="hold">
                             <p:stCondLst>
-                              <p:cond delay="500"/>
+                              <p:cond delay="0"/>
                             </p:stCondLst>
                             <p:childTnLst>
                               <p:par>
-                                <p:cTn id="9" presetID="12" presetClass="entr" presetSubtype="1" fill="hold" grpId="0" nodeType="afterEffect">
+                                <p:cTn id="10" presetID="12" presetClass="entr" presetSubtype="1" fill="hold" grpId="0" nodeType="clickEffect">
                                   <p:stCondLst>
                                     <p:cond delay="0"/>
                                   </p:stCondLst>
                                   <p:childTnLst>
                                     <p:set>
                                       <p:cBhvr>
-                                        <p:cTn id="10" dur="1" fill="hold">
+                                        <p:cTn id="11" dur="1" fill="hold">
                                           <p:stCondLst>
                                             <p:cond delay="0"/>
                                           </p:stCondLst>
@@ -17491,141 +18353,9 @@
                                     </p:set>
                                     <p:animEffect transition="in" filter="slide(fromTop)">
                                       <p:cBhvr>
-                                        <p:cTn id="11" dur="500"/>
+                                        <p:cTn id="12" dur="500"/>
                                         <p:tgtEl>
                                           <p:spTgt spid="9"/>
-                                        </p:tgtEl>
-                                      </p:cBhvr>
-                                    </p:animEffect>
-                                  </p:childTnLst>
-                                </p:cTn>
-                              </p:par>
-                            </p:childTnLst>
-                          </p:cTn>
-                        </p:par>
-                        <p:par>
-                          <p:cTn id="12" fill="hold">
-                            <p:stCondLst>
-                              <p:cond delay="1000"/>
-                            </p:stCondLst>
-                            <p:childTnLst>
-                              <p:par>
-                                <p:cTn id="13" presetID="12" presetClass="entr" presetSubtype="1" fill="hold" grpId="0" nodeType="afterEffect">
-                                  <p:stCondLst>
-                                    <p:cond delay="0"/>
-                                  </p:stCondLst>
-                                  <p:childTnLst>
-                                    <p:set>
-                                      <p:cBhvr>
-                                        <p:cTn id="14" dur="1" fill="hold">
-                                          <p:stCondLst>
-                                            <p:cond delay="0"/>
-                                          </p:stCondLst>
-                                        </p:cTn>
-                                        <p:tgtEl>
-                                          <p:spTgt spid="10"/>
-                                        </p:tgtEl>
-                                        <p:attrNameLst>
-                                          <p:attrName>style.visibility</p:attrName>
-                                        </p:attrNameLst>
-                                      </p:cBhvr>
-                                      <p:to>
-                                        <p:strVal val="visible"/>
-                                      </p:to>
-                                    </p:set>
-                                    <p:animEffect transition="in" filter="slide(fromTop)">
-                                      <p:cBhvr>
-                                        <p:cTn id="15" dur="500"/>
-                                        <p:tgtEl>
-                                          <p:spTgt spid="10"/>
-                                        </p:tgtEl>
-                                      </p:cBhvr>
-                                    </p:animEffect>
-                                  </p:childTnLst>
-                                </p:cTn>
-                              </p:par>
-                            </p:childTnLst>
-                          </p:cTn>
-                        </p:par>
-                        <p:par>
-                          <p:cTn id="16" fill="hold">
-                            <p:stCondLst>
-                              <p:cond delay="1500"/>
-                            </p:stCondLst>
-                            <p:childTnLst>
-                              <p:par>
-                                <p:cTn id="17" presetID="12" presetClass="entr" presetSubtype="1" fill="hold" grpId="0" nodeType="afterEffect">
-                                  <p:stCondLst>
-                                    <p:cond delay="0"/>
-                                  </p:stCondLst>
-                                  <p:childTnLst>
-                                    <p:set>
-                                      <p:cBhvr>
-                                        <p:cTn id="18" dur="1" fill="hold">
-                                          <p:stCondLst>
-                                            <p:cond delay="0"/>
-                                          </p:stCondLst>
-                                        </p:cTn>
-                                        <p:tgtEl>
-                                          <p:spTgt spid="11"/>
-                                        </p:tgtEl>
-                                        <p:attrNameLst>
-                                          <p:attrName>style.visibility</p:attrName>
-                                        </p:attrNameLst>
-                                      </p:cBhvr>
-                                      <p:to>
-                                        <p:strVal val="visible"/>
-                                      </p:to>
-                                    </p:set>
-                                    <p:animEffect transition="in" filter="slide(fromTop)">
-                                      <p:cBhvr>
-                                        <p:cTn id="19" dur="500"/>
-                                        <p:tgtEl>
-                                          <p:spTgt spid="11"/>
-                                        </p:tgtEl>
-                                      </p:cBhvr>
-                                    </p:animEffect>
-                                  </p:childTnLst>
-                                </p:cTn>
-                              </p:par>
-                            </p:childTnLst>
-                          </p:cTn>
-                        </p:par>
-                        <p:par>
-                          <p:cTn id="20" fill="hold">
-                            <p:stCondLst>
-                              <p:cond delay="2000"/>
-                            </p:stCondLst>
-                            <p:childTnLst>
-                              <p:par>
-                                <p:cTn id="21" presetID="12" presetClass="entr" presetSubtype="1" fill="hold" grpId="0" nodeType="afterEffect">
-                                  <p:stCondLst>
-                                    <p:cond delay="0"/>
-                                  </p:stCondLst>
-                                  <p:childTnLst>
-                                    <p:set>
-                                      <p:cBhvr>
-                                        <p:cTn id="22" dur="1" fill="hold">
-                                          <p:stCondLst>
-                                            <p:cond delay="0"/>
-                                          </p:stCondLst>
-                                        </p:cTn>
-                                        <p:tgtEl>
-                                          <p:spTgt spid="6"/>
-                                        </p:tgtEl>
-                                        <p:attrNameLst>
-                                          <p:attrName>style.visibility</p:attrName>
-                                        </p:attrNameLst>
-                                      </p:cBhvr>
-                                      <p:to>
-                                        <p:strVal val="visible"/>
-                                      </p:to>
-                                    </p:set>
-                                    <p:animEffect transition="in" filter="slide(fromTop)">
-                                      <p:cBhvr>
-                                        <p:cTn id="23" dur="500"/>
-                                        <p:tgtEl>
-                                          <p:spTgt spid="6"/>
                                         </p:tgtEl>
                                       </p:cBhvr>
                                     </p:animEffect>
@@ -17639,32 +18369,32 @@
                     </p:cTn>
                   </p:par>
                   <p:par>
-                    <p:cTn id="24" fill="hold">
+                    <p:cTn id="13" fill="hold">
                       <p:stCondLst>
                         <p:cond delay="indefinite"/>
                       </p:stCondLst>
                       <p:childTnLst>
                         <p:par>
-                          <p:cTn id="25" fill="hold">
+                          <p:cTn id="14" fill="hold">
                             <p:stCondLst>
                               <p:cond delay="0"/>
                             </p:stCondLst>
                             <p:childTnLst>
                               <p:par>
-                                <p:cTn id="26" presetID="12" presetClass="entr" presetSubtype="1" fill="hold" grpId="0" nodeType="clickEffect">
+                                <p:cTn id="15" presetID="12" presetClass="entr" presetSubtype="1" fill="hold" grpId="0" nodeType="clickEffect">
                                   <p:stCondLst>
                                     <p:cond delay="0"/>
                                   </p:stCondLst>
                                   <p:childTnLst>
                                     <p:set>
                                       <p:cBhvr>
-                                        <p:cTn id="27" dur="1" fill="hold">
+                                        <p:cTn id="16" dur="1" fill="hold">
                                           <p:stCondLst>
                                             <p:cond delay="0"/>
                                           </p:stCondLst>
                                         </p:cTn>
                                         <p:tgtEl>
-                                          <p:spTgt spid="13"/>
+                                          <p:spTgt spid="10"/>
                                         </p:tgtEl>
                                         <p:attrNameLst>
                                           <p:attrName>style.visibility</p:attrName>
@@ -17676,9 +18406,9 @@
                                     </p:set>
                                     <p:animEffect transition="in" filter="slide(fromTop)">
                                       <p:cBhvr>
-                                        <p:cTn id="28" dur="500"/>
-                                        <p:tgtEl>
-                                          <p:spTgt spid="13"/>
+                                        <p:cTn id="17" dur="500"/>
+                                        <p:tgtEl>
+                                          <p:spTgt spid="10"/>
                                         </p:tgtEl>
                                       </p:cBhvr>
                                     </p:animEffect>
@@ -17688,27 +18418,142 @@
                             </p:childTnLst>
                           </p:cTn>
                         </p:par>
+                      </p:childTnLst>
+                    </p:cTn>
+                  </p:par>
+                  <p:par>
+                    <p:cTn id="18" fill="hold">
+                      <p:stCondLst>
+                        <p:cond delay="indefinite"/>
+                      </p:stCondLst>
+                      <p:childTnLst>
                         <p:par>
-                          <p:cTn id="29" fill="hold">
+                          <p:cTn id="19" fill="hold">
                             <p:stCondLst>
-                              <p:cond delay="500"/>
+                              <p:cond delay="0"/>
                             </p:stCondLst>
                             <p:childTnLst>
                               <p:par>
-                                <p:cTn id="30" presetID="12" presetClass="entr" presetSubtype="1" fill="hold" grpId="0" nodeType="afterEffect">
+                                <p:cTn id="20" presetID="12" presetClass="entr" presetSubtype="1" fill="hold" grpId="0" nodeType="clickEffect">
                                   <p:stCondLst>
                                     <p:cond delay="0"/>
                                   </p:stCondLst>
                                   <p:childTnLst>
                                     <p:set>
                                       <p:cBhvr>
+                                        <p:cTn id="21" dur="1" fill="hold">
+                                          <p:stCondLst>
+                                            <p:cond delay="0"/>
+                                          </p:stCondLst>
+                                        </p:cTn>
+                                        <p:tgtEl>
+                                          <p:spTgt spid="11"/>
+                                        </p:tgtEl>
+                                        <p:attrNameLst>
+                                          <p:attrName>style.visibility</p:attrName>
+                                        </p:attrNameLst>
+                                      </p:cBhvr>
+                                      <p:to>
+                                        <p:strVal val="visible"/>
+                                      </p:to>
+                                    </p:set>
+                                    <p:animEffect transition="in" filter="slide(fromTop)">
+                                      <p:cBhvr>
+                                        <p:cTn id="22" dur="500"/>
+                                        <p:tgtEl>
+                                          <p:spTgt spid="11"/>
+                                        </p:tgtEl>
+                                      </p:cBhvr>
+                                    </p:animEffect>
+                                  </p:childTnLst>
+                                </p:cTn>
+                              </p:par>
+                            </p:childTnLst>
+                          </p:cTn>
+                        </p:par>
+                      </p:childTnLst>
+                    </p:cTn>
+                  </p:par>
+                  <p:par>
+                    <p:cTn id="23" fill="hold">
+                      <p:stCondLst>
+                        <p:cond delay="indefinite"/>
+                      </p:stCondLst>
+                      <p:childTnLst>
+                        <p:par>
+                          <p:cTn id="24" fill="hold">
+                            <p:stCondLst>
+                              <p:cond delay="0"/>
+                            </p:stCondLst>
+                            <p:childTnLst>
+                              <p:par>
+                                <p:cTn id="25" presetID="12" presetClass="entr" presetSubtype="1" fill="hold" grpId="0" nodeType="clickEffect">
+                                  <p:stCondLst>
+                                    <p:cond delay="0"/>
+                                  </p:stCondLst>
+                                  <p:childTnLst>
+                                    <p:set>
+                                      <p:cBhvr>
+                                        <p:cTn id="26" dur="1" fill="hold">
+                                          <p:stCondLst>
+                                            <p:cond delay="0"/>
+                                          </p:stCondLst>
+                                        </p:cTn>
+                                        <p:tgtEl>
+                                          <p:spTgt spid="6"/>
+                                        </p:tgtEl>
+                                        <p:attrNameLst>
+                                          <p:attrName>style.visibility</p:attrName>
+                                        </p:attrNameLst>
+                                      </p:cBhvr>
+                                      <p:to>
+                                        <p:strVal val="visible"/>
+                                      </p:to>
+                                    </p:set>
+                                    <p:animEffect transition="in" filter="slide(fromTop)">
+                                      <p:cBhvr>
+                                        <p:cTn id="27" dur="500"/>
+                                        <p:tgtEl>
+                                          <p:spTgt spid="6"/>
+                                        </p:tgtEl>
+                                      </p:cBhvr>
+                                    </p:animEffect>
+                                  </p:childTnLst>
+                                </p:cTn>
+                              </p:par>
+                            </p:childTnLst>
+                          </p:cTn>
+                        </p:par>
+                      </p:childTnLst>
+                    </p:cTn>
+                  </p:par>
+                  <p:par>
+                    <p:cTn id="28" fill="hold">
+                      <p:stCondLst>
+                        <p:cond delay="indefinite"/>
+                      </p:stCondLst>
+                      <p:childTnLst>
+                        <p:par>
+                          <p:cTn id="29" fill="hold">
+                            <p:stCondLst>
+                              <p:cond delay="0"/>
+                            </p:stCondLst>
+                            <p:childTnLst>
+                              <p:par>
+                                <p:cTn id="30" presetID="12" presetClass="entr" presetSubtype="1" fill="hold" grpId="0" nodeType="clickEffect">
+                                  <p:stCondLst>
+                                    <p:cond delay="0"/>
+                                  </p:stCondLst>
+                                  <p:childTnLst>
+                                    <p:set>
+                                      <p:cBhvr>
                                         <p:cTn id="31" dur="1" fill="hold">
                                           <p:stCondLst>
                                             <p:cond delay="0"/>
                                           </p:stCondLst>
                                         </p:cTn>
                                         <p:tgtEl>
-                                          <p:spTgt spid="12"/>
+                                          <p:spTgt spid="20"/>
                                         </p:tgtEl>
                                         <p:attrNameLst>
                                           <p:attrName>style.visibility</p:attrName>
@@ -17722,7 +18567,60 @@
                                       <p:cBhvr>
                                         <p:cTn id="32" dur="500"/>
                                         <p:tgtEl>
-                                          <p:spTgt spid="12"/>
+                                          <p:spTgt spid="20"/>
+                                        </p:tgtEl>
+                                      </p:cBhvr>
+                                    </p:animEffect>
+                                  </p:childTnLst>
+                                </p:cTn>
+                              </p:par>
+                            </p:childTnLst>
+                          </p:cTn>
+                        </p:par>
+                      </p:childTnLst>
+                    </p:cTn>
+                  </p:par>
+                  <p:par>
+                    <p:cTn id="33" fill="hold">
+                      <p:stCondLst>
+                        <p:cond delay="indefinite"/>
+                      </p:stCondLst>
+                      <p:childTnLst>
+                        <p:par>
+                          <p:cTn id="34" fill="hold">
+                            <p:stCondLst>
+                              <p:cond delay="0"/>
+                            </p:stCondLst>
+                            <p:childTnLst>
+                              <p:par>
+                                <p:cTn id="35" presetID="12" presetClass="entr" presetSubtype="1" fill="hold" grpId="0" nodeType="clickEffect">
+                                  <p:stCondLst>
+                                    <p:cond delay="0"/>
+                                  </p:stCondLst>
+                                  <p:childTnLst>
+                                    <p:set>
+                                      <p:cBhvr>
+                                        <p:cTn id="36" dur="1" fill="hold">
+                                          <p:stCondLst>
+                                            <p:cond delay="0"/>
+                                          </p:stCondLst>
+                                        </p:cTn>
+                                        <p:tgtEl>
+                                          <p:spTgt spid="19"/>
+                                        </p:tgtEl>
+                                        <p:attrNameLst>
+                                          <p:attrName>style.visibility</p:attrName>
+                                        </p:attrNameLst>
+                                      </p:cBhvr>
+                                      <p:to>
+                                        <p:strVal val="visible"/>
+                                      </p:to>
+                                    </p:set>
+                                    <p:animEffect transition="in" filter="slide(fromTop)">
+                                      <p:cBhvr>
+                                        <p:cTn id="37" dur="500"/>
+                                        <p:tgtEl>
+                                          <p:spTgt spid="19"/>
                                         </p:tgtEl>
                                       </p:cBhvr>
                                     </p:animEffect>
@@ -17762,8 +18660,8 @@
       <p:bldP spid="9" grpId="0" animBg="1"/>
       <p:bldP spid="10" grpId="0" animBg="1"/>
       <p:bldP spid="11" grpId="0" animBg="1"/>
-      <p:bldP spid="12" grpId="0" animBg="1"/>
-      <p:bldP spid="13" grpId="0" animBg="1"/>
+      <p:bldP spid="19" grpId="0" animBg="1"/>
+      <p:bldP spid="20" grpId="0" animBg="1"/>
     </p:bldLst>
   </p:timing>
 </p:sld>
@@ -17894,6 +18792,48 @@
                 <a:schemeClr val="bg1"/>
               </a:solidFill>
             </a:endParaRPr>
+          </a:p>
+        </p:txBody>
+      </p:sp>
+      <p:sp>
+        <p:nvSpPr>
+          <p:cNvPr id="7" name="Organigramme : Délai 6" descr="1"/>
+          <p:cNvSpPr/>
+          <p:nvPr/>
+        </p:nvSpPr>
+        <p:spPr>
+          <a:xfrm>
+            <a:off x="0" y="6237312"/>
+            <a:ext cx="539552" cy="620688"/>
+          </a:xfrm>
+          <a:prstGeom prst="flowChartDelay">
+            <a:avLst/>
+          </a:prstGeom>
+        </p:spPr>
+        <p:style>
+          <a:lnRef idx="0">
+            <a:schemeClr val="accent1"/>
+          </a:lnRef>
+          <a:fillRef idx="3">
+            <a:schemeClr val="accent1"/>
+          </a:fillRef>
+          <a:effectRef idx="3">
+            <a:schemeClr val="accent1"/>
+          </a:effectRef>
+          <a:fontRef idx="minor">
+            <a:schemeClr val="lt1"/>
+          </a:fontRef>
+        </p:style>
+        <p:txBody>
+          <a:bodyPr rtlCol="0" anchor="ctr"/>
+          <a:lstStyle/>
+          <a:p>
+            <a:pPr algn="ctr"/>
+            <a:r>
+              <a:rPr lang="fr-FR" b="1" dirty="0" smtClean="0"/>
+              <a:t>26</a:t>
+            </a:r>
+            <a:endParaRPr lang="fr-FR" b="1" dirty="0"/>
           </a:p>
         </p:txBody>
       </p:sp>
@@ -18085,6 +19025,48 @@
           </a:p>
         </p:txBody>
       </p:sp>
+      <p:sp>
+        <p:nvSpPr>
+          <p:cNvPr id="5" name="Organigramme : Délai 4" descr="1"/>
+          <p:cNvSpPr/>
+          <p:nvPr/>
+        </p:nvSpPr>
+        <p:spPr>
+          <a:xfrm>
+            <a:off x="0" y="6237312"/>
+            <a:ext cx="539552" cy="620688"/>
+          </a:xfrm>
+          <a:prstGeom prst="flowChartDelay">
+            <a:avLst/>
+          </a:prstGeom>
+        </p:spPr>
+        <p:style>
+          <a:lnRef idx="0">
+            <a:schemeClr val="accent1"/>
+          </a:lnRef>
+          <a:fillRef idx="3">
+            <a:schemeClr val="accent1"/>
+          </a:fillRef>
+          <a:effectRef idx="3">
+            <a:schemeClr val="accent1"/>
+          </a:effectRef>
+          <a:fontRef idx="minor">
+            <a:schemeClr val="lt1"/>
+          </a:fontRef>
+        </p:style>
+        <p:txBody>
+          <a:bodyPr rtlCol="0" anchor="ctr"/>
+          <a:lstStyle/>
+          <a:p>
+            <a:pPr algn="ctr"/>
+            <a:r>
+              <a:rPr lang="fr-FR" b="1" dirty="0" smtClean="0"/>
+              <a:t>27</a:t>
+            </a:r>
+            <a:endParaRPr lang="fr-FR" b="1" dirty="0"/>
+          </a:p>
+        </p:txBody>
+      </p:sp>
     </p:spTree>
   </p:cSld>
   <p:clrMapOvr>
@@ -18339,6 +19321,48 @@
           </a:p>
         </p:txBody>
       </p:sp>
+      <p:sp>
+        <p:nvSpPr>
+          <p:cNvPr id="4" name="Organigramme : Délai 3" descr="1"/>
+          <p:cNvSpPr/>
+          <p:nvPr/>
+        </p:nvSpPr>
+        <p:spPr>
+          <a:xfrm>
+            <a:off x="0" y="6237312"/>
+            <a:ext cx="539552" cy="620688"/>
+          </a:xfrm>
+          <a:prstGeom prst="flowChartDelay">
+            <a:avLst/>
+          </a:prstGeom>
+        </p:spPr>
+        <p:style>
+          <a:lnRef idx="0">
+            <a:schemeClr val="accent1"/>
+          </a:lnRef>
+          <a:fillRef idx="3">
+            <a:schemeClr val="accent1"/>
+          </a:fillRef>
+          <a:effectRef idx="3">
+            <a:schemeClr val="accent1"/>
+          </a:effectRef>
+          <a:fontRef idx="minor">
+            <a:schemeClr val="lt1"/>
+          </a:fontRef>
+        </p:style>
+        <p:txBody>
+          <a:bodyPr rtlCol="0" anchor="ctr"/>
+          <a:lstStyle/>
+          <a:p>
+            <a:pPr algn="ctr"/>
+            <a:r>
+              <a:rPr lang="fr-FR" b="1" dirty="0" smtClean="0"/>
+              <a:t>3</a:t>
+            </a:r>
+            <a:endParaRPr lang="fr-FR" b="1" dirty="0"/>
+          </a:p>
+        </p:txBody>
+      </p:sp>
     </p:spTree>
   </p:cSld>
   <p:clrMapOvr>
@@ -18446,7 +19470,7 @@
         </p:nvSpPr>
         <p:spPr>
           <a:xfrm>
-            <a:off x="611560" y="5085184"/>
+            <a:off x="611560" y="4869160"/>
             <a:ext cx="7992888" cy="1008112"/>
           </a:xfrm>
           <a:prstGeom prst="rect">
@@ -18537,6 +19561,48 @@
               <a:t>CUSTOMER</a:t>
             </a:r>
             <a:endParaRPr lang="fr-FR" sz="5000" dirty="0"/>
+          </a:p>
+        </p:txBody>
+      </p:sp>
+      <p:sp>
+        <p:nvSpPr>
+          <p:cNvPr id="11" name="Organigramme : Délai 10" descr="1"/>
+          <p:cNvSpPr/>
+          <p:nvPr/>
+        </p:nvSpPr>
+        <p:spPr>
+          <a:xfrm>
+            <a:off x="0" y="6237312"/>
+            <a:ext cx="539552" cy="620688"/>
+          </a:xfrm>
+          <a:prstGeom prst="flowChartDelay">
+            <a:avLst/>
+          </a:prstGeom>
+        </p:spPr>
+        <p:style>
+          <a:lnRef idx="0">
+            <a:schemeClr val="accent1"/>
+          </a:lnRef>
+          <a:fillRef idx="3">
+            <a:schemeClr val="accent1"/>
+          </a:fillRef>
+          <a:effectRef idx="3">
+            <a:schemeClr val="accent1"/>
+          </a:effectRef>
+          <a:fontRef idx="minor">
+            <a:schemeClr val="lt1"/>
+          </a:fontRef>
+        </p:style>
+        <p:txBody>
+          <a:bodyPr rtlCol="0" anchor="ctr"/>
+          <a:lstStyle/>
+          <a:p>
+            <a:pPr algn="ctr"/>
+            <a:r>
+              <a:rPr lang="fr-FR" b="1" dirty="0" smtClean="0"/>
+              <a:t>4</a:t>
+            </a:r>
+            <a:endParaRPr lang="fr-FR" b="1" dirty="0"/>
           </a:p>
         </p:txBody>
       </p:sp>
@@ -18773,7 +19839,7 @@
         </p:blipFill>
         <p:spPr bwMode="auto">
           <a:xfrm>
-            <a:off x="5364088" y="5517232"/>
+            <a:off x="5364088" y="5301208"/>
             <a:ext cx="792088" cy="930159"/>
           </a:xfrm>
           <a:prstGeom prst="rect">
@@ -18887,7 +19953,7 @@
         </p:nvSpPr>
         <p:spPr>
           <a:xfrm>
-            <a:off x="611560" y="2996952"/>
+            <a:off x="611560" y="2874990"/>
             <a:ext cx="4355976" cy="864096"/>
           </a:xfrm>
           <a:prstGeom prst="homePlate">
@@ -18967,7 +20033,7 @@
         </p:blipFill>
         <p:spPr bwMode="auto">
           <a:xfrm>
-            <a:off x="5292080" y="2924944"/>
+            <a:off x="5292080" y="2802982"/>
             <a:ext cx="3240360" cy="986058"/>
           </a:xfrm>
           <a:prstGeom prst="rect">
@@ -18990,7 +20056,7 @@
         </p:nvSpPr>
         <p:spPr>
           <a:xfrm>
-            <a:off x="611560" y="4293096"/>
+            <a:off x="611560" y="4149080"/>
             <a:ext cx="4355976" cy="864096"/>
           </a:xfrm>
           <a:prstGeom prst="homePlate">
@@ -19070,7 +20136,7 @@
         </p:blipFill>
         <p:spPr bwMode="auto">
           <a:xfrm>
-            <a:off x="5292080" y="4437112"/>
+            <a:off x="5292080" y="4293096"/>
             <a:ext cx="3475080" cy="543496"/>
           </a:xfrm>
           <a:prstGeom prst="rect">
@@ -19093,7 +20159,7 @@
         </p:nvSpPr>
         <p:spPr>
           <a:xfrm>
-            <a:off x="611560" y="5589240"/>
+            <a:off x="611560" y="5373216"/>
             <a:ext cx="4355976" cy="864096"/>
           </a:xfrm>
           <a:prstGeom prst="homePlate">
@@ -19153,6 +20219,48 @@
                 <a:schemeClr val="bg1"/>
               </a:solidFill>
             </a:endParaRPr>
+          </a:p>
+        </p:txBody>
+      </p:sp>
+      <p:sp>
+        <p:nvSpPr>
+          <p:cNvPr id="12" name="Organigramme : Délai 11" descr="1"/>
+          <p:cNvSpPr/>
+          <p:nvPr/>
+        </p:nvSpPr>
+        <p:spPr>
+          <a:xfrm>
+            <a:off x="0" y="6237312"/>
+            <a:ext cx="539552" cy="620688"/>
+          </a:xfrm>
+          <a:prstGeom prst="flowChartDelay">
+            <a:avLst/>
+          </a:prstGeom>
+        </p:spPr>
+        <p:style>
+          <a:lnRef idx="0">
+            <a:schemeClr val="accent1"/>
+          </a:lnRef>
+          <a:fillRef idx="3">
+            <a:schemeClr val="accent1"/>
+          </a:fillRef>
+          <a:effectRef idx="3">
+            <a:schemeClr val="accent1"/>
+          </a:effectRef>
+          <a:fontRef idx="minor">
+            <a:schemeClr val="lt1"/>
+          </a:fontRef>
+        </p:style>
+        <p:txBody>
+          <a:bodyPr rtlCol="0" anchor="ctr"/>
+          <a:lstStyle/>
+          <a:p>
+            <a:pPr algn="ctr"/>
+            <a:r>
+              <a:rPr lang="fr-FR" b="1" dirty="0" smtClean="0"/>
+              <a:t>5</a:t>
+            </a:r>
+            <a:endParaRPr lang="fr-FR" b="1" dirty="0"/>
           </a:p>
         </p:txBody>
       </p:sp>
@@ -19605,7 +20713,7 @@
       </p:sp>
       <p:pic>
         <p:nvPicPr>
-          <p:cNvPr id="18434" name="Picture 2" descr="http://images.atelier.net/sites/default/files/imagecache/scale_crop_587_310/articles/431688/atelier-ecole-face-aux-nouvelles-technologies.jpg"/>
+          <p:cNvPr id="18436" name="Picture 4" descr="http://www.defortis-diagnostic-immobilier.com/images/espaceclient.jpg"/>
           <p:cNvPicPr>
             <a:picLocks noChangeAspect="1" noChangeArrowheads="1"/>
           </p:cNvPicPr>
@@ -19620,8 +20728,8 @@
         </p:blipFill>
         <p:spPr bwMode="auto">
           <a:xfrm>
-            <a:off x="5076056" y="2132856"/>
-            <a:ext cx="3409566" cy="1800623"/>
+            <a:off x="5436096" y="3212976"/>
+            <a:ext cx="1512168" cy="1324169"/>
           </a:xfrm>
           <a:prstGeom prst="rect">
             <a:avLst/>
@@ -19631,13 +20739,13 @@
       </p:pic>
       <p:sp>
         <p:nvSpPr>
-          <p:cNvPr id="10" name="Pentagone 9"/>
+          <p:cNvPr id="11" name="Pentagone 10"/>
           <p:cNvSpPr/>
           <p:nvPr/>
         </p:nvSpPr>
         <p:spPr>
           <a:xfrm>
-            <a:off x="467544" y="2564904"/>
+            <a:off x="755576" y="3457025"/>
             <a:ext cx="4355976" cy="864096"/>
           </a:xfrm>
           <a:prstGeom prst="homePlate">
@@ -19690,7 +20798,7 @@
                   <a:schemeClr val="bg1"/>
                 </a:solidFill>
               </a:rPr>
-              <a:t>“New technologies in education” : An interesting topic</a:t>
+              <a:t>A real customer with a real need</a:t>
             </a:r>
             <a:endParaRPr lang="fr-FR" b="1" dirty="0">
               <a:solidFill>
@@ -19702,7 +20810,7 @@
       </p:sp>
       <p:pic>
         <p:nvPicPr>
-          <p:cNvPr id="18436" name="Picture 4" descr="http://www.defortis-diagnostic-immobilier.com/images/espaceclient.jpg"/>
+          <p:cNvPr id="37890" name="Picture 2" descr="http://www.innovationmanagement.se/wp-content/uploads/2012/11/creativity-start-from-scratch-conceptually.png"/>
           <p:cNvPicPr>
             <a:picLocks noChangeAspect="1" noChangeArrowheads="1"/>
           </p:cNvPicPr>
@@ -19717,8 +20825,8 @@
         </p:blipFill>
         <p:spPr bwMode="auto">
           <a:xfrm>
-            <a:off x="5076056" y="4293096"/>
-            <a:ext cx="1872208" cy="1639447"/>
+            <a:off x="5436096" y="1484784"/>
+            <a:ext cx="1296144" cy="1296144"/>
           </a:xfrm>
           <a:prstGeom prst="rect">
             <a:avLst/>
@@ -19728,13 +20836,13 @@
       </p:pic>
       <p:sp>
         <p:nvSpPr>
-          <p:cNvPr id="11" name="Pentagone 10"/>
+          <p:cNvPr id="9" name="Pentagone 8"/>
           <p:cNvSpPr/>
           <p:nvPr/>
         </p:nvSpPr>
         <p:spPr>
           <a:xfrm>
-            <a:off x="467544" y="4653136"/>
+            <a:off x="755576" y="1700808"/>
             <a:ext cx="4355976" cy="864096"/>
           </a:xfrm>
           <a:prstGeom prst="homePlate">
@@ -19787,13 +20895,152 @@
                   <a:schemeClr val="bg1"/>
                 </a:solidFill>
               </a:rPr>
-              <a:t>A real customer with a real need</a:t>
+              <a:t>A lot of freedom</a:t>
             </a:r>
             <a:endParaRPr lang="fr-FR" b="1" dirty="0">
               <a:solidFill>
                 <a:schemeClr val="bg1"/>
               </a:solidFill>
             </a:endParaRPr>
+          </a:p>
+        </p:txBody>
+      </p:sp>
+      <p:pic>
+        <p:nvPicPr>
+          <p:cNvPr id="12" name="Picture 2" descr="http://images.atelier.net/sites/default/files/imagecache/scale_crop_587_310/articles/431688/atelier-ecole-face-aux-nouvelles-technologies.jpg"/>
+          <p:cNvPicPr>
+            <a:picLocks noChangeAspect="1" noChangeArrowheads="1"/>
+          </p:cNvPicPr>
+          <p:nvPr/>
+        </p:nvPicPr>
+        <p:blipFill>
+          <a:blip r:embed="rId5" cstate="print"/>
+          <a:srcRect/>
+          <a:stretch>
+            <a:fillRect/>
+          </a:stretch>
+        </p:blipFill>
+        <p:spPr bwMode="auto">
+          <a:xfrm>
+            <a:off x="5436096" y="4869160"/>
+            <a:ext cx="3024336" cy="1597180"/>
+          </a:xfrm>
+          <a:prstGeom prst="rect">
+            <a:avLst/>
+          </a:prstGeom>
+          <a:noFill/>
+        </p:spPr>
+      </p:pic>
+      <p:sp>
+        <p:nvSpPr>
+          <p:cNvPr id="13" name="Pentagone 12"/>
+          <p:cNvSpPr/>
+          <p:nvPr/>
+        </p:nvSpPr>
+        <p:spPr>
+          <a:xfrm>
+            <a:off x="827584" y="5229200"/>
+            <a:ext cx="4355976" cy="864096"/>
+          </a:xfrm>
+          <a:prstGeom prst="homePlate">
+            <a:avLst/>
+          </a:prstGeom>
+          <a:ln>
+            <a:noFill/>
+          </a:ln>
+          <a:effectLst>
+            <a:outerShdw blurRad="149987" dist="250190" dir="8460000" algn="ctr">
+              <a:srgbClr val="000000">
+                <a:alpha val="28000"/>
+              </a:srgbClr>
+            </a:outerShdw>
+          </a:effectLst>
+          <a:scene3d>
+            <a:camera prst="orthographicFront">
+              <a:rot lat="0" lon="0" rev="0"/>
+            </a:camera>
+            <a:lightRig rig="contrasting" dir="t">
+              <a:rot lat="0" lon="0" rev="1500000"/>
+            </a:lightRig>
+          </a:scene3d>
+          <a:sp3d prstMaterial="metal">
+            <a:bevelT w="88900" h="88900"/>
+          </a:sp3d>
+        </p:spPr>
+        <p:style>
+          <a:lnRef idx="1">
+            <a:schemeClr val="accent1"/>
+          </a:lnRef>
+          <a:fillRef idx="3">
+            <a:schemeClr val="accent1"/>
+          </a:fillRef>
+          <a:effectRef idx="2">
+            <a:schemeClr val="accent1"/>
+          </a:effectRef>
+          <a:fontRef idx="minor">
+            <a:schemeClr val="lt1"/>
+          </a:fontRef>
+        </p:style>
+        <p:txBody>
+          <a:bodyPr rtlCol="0" anchor="ctr"/>
+          <a:lstStyle/>
+          <a:p>
+            <a:pPr algn="ctr"/>
+            <a:r>
+              <a:rPr lang="en-US" b="1" dirty="0" smtClean="0">
+                <a:solidFill>
+                  <a:schemeClr val="bg1"/>
+                </a:solidFill>
+              </a:rPr>
+              <a:t>“New technologies in education” : An interesting topic</a:t>
+            </a:r>
+            <a:endParaRPr lang="fr-FR" b="1" dirty="0">
+              <a:solidFill>
+                <a:schemeClr val="bg1"/>
+              </a:solidFill>
+            </a:endParaRPr>
+          </a:p>
+        </p:txBody>
+      </p:sp>
+      <p:sp>
+        <p:nvSpPr>
+          <p:cNvPr id="15" name="Organigramme : Délai 14" descr="1"/>
+          <p:cNvSpPr/>
+          <p:nvPr/>
+        </p:nvSpPr>
+        <p:spPr>
+          <a:xfrm>
+            <a:off x="0" y="6237312"/>
+            <a:ext cx="539552" cy="620688"/>
+          </a:xfrm>
+          <a:prstGeom prst="flowChartDelay">
+            <a:avLst/>
+          </a:prstGeom>
+        </p:spPr>
+        <p:style>
+          <a:lnRef idx="0">
+            <a:schemeClr val="accent1"/>
+          </a:lnRef>
+          <a:fillRef idx="3">
+            <a:schemeClr val="accent1"/>
+          </a:fillRef>
+          <a:effectRef idx="3">
+            <a:schemeClr val="accent1"/>
+          </a:effectRef>
+          <a:fontRef idx="minor">
+            <a:schemeClr val="lt1"/>
+          </a:fontRef>
+        </p:style>
+        <p:txBody>
+          <a:bodyPr rtlCol="0" anchor="ctr"/>
+          <a:lstStyle/>
+          <a:p>
+            <a:pPr algn="ctr"/>
+            <a:r>
+              <a:rPr lang="fr-FR" b="1" dirty="0" smtClean="0"/>
+              <a:t>6</a:t>
+            </a:r>
+            <a:endParaRPr lang="fr-FR" b="1" dirty="0"/>
           </a:p>
         </p:txBody>
       </p:sp>
@@ -19839,7 +21086,7 @@
                                           </p:stCondLst>
                                         </p:cTn>
                                         <p:tgtEl>
-                                          <p:spTgt spid="18434"/>
+                                          <p:spTgt spid="37890"/>
                                         </p:tgtEl>
                                         <p:attrNameLst>
                                           <p:attrName>style.visibility</p:attrName>
@@ -19853,7 +21100,7 @@
                                       <p:cBhvr>
                                         <p:cTn id="7" dur="500"/>
                                         <p:tgtEl>
-                                          <p:spTgt spid="18434"/>
+                                          <p:spTgt spid="37890"/>
                                         </p:tgtEl>
                                       </p:cBhvr>
                                     </p:animEffect>
@@ -19861,7 +21108,7 @@
                                 </p:cTn>
                               </p:par>
                               <p:par>
-                                <p:cTn id="8" presetID="5" presetClass="entr" presetSubtype="10" fill="hold" grpId="1" nodeType="withEffect">
+                                <p:cTn id="8" presetID="5" presetClass="entr" presetSubtype="10" fill="hold" grpId="0" nodeType="withEffect">
                                   <p:stCondLst>
                                     <p:cond delay="0"/>
                                   </p:stCondLst>
@@ -19874,7 +21121,7 @@
                                           </p:stCondLst>
                                         </p:cTn>
                                         <p:tgtEl>
-                                          <p:spTgt spid="10"/>
+                                          <p:spTgt spid="9"/>
                                         </p:tgtEl>
                                         <p:attrNameLst>
                                           <p:attrName>style.visibility</p:attrName>
@@ -19888,7 +21135,7 @@
                                       <p:cBhvr>
                                         <p:cTn id="10" dur="500"/>
                                         <p:tgtEl>
-                                          <p:spTgt spid="10"/>
+                                          <p:spTgt spid="9"/>
                                         </p:tgtEl>
                                       </p:cBhvr>
                                     </p:animEffect>
@@ -19977,6 +21224,94 @@
                                         <p:cTn id="18" dur="500"/>
                                         <p:tgtEl>
                                           <p:spTgt spid="11"/>
+                                        </p:tgtEl>
+                                      </p:cBhvr>
+                                    </p:animEffect>
+                                  </p:childTnLst>
+                                </p:cTn>
+                              </p:par>
+                            </p:childTnLst>
+                          </p:cTn>
+                        </p:par>
+                      </p:childTnLst>
+                    </p:cTn>
+                  </p:par>
+                  <p:par>
+                    <p:cTn id="19" fill="hold">
+                      <p:stCondLst>
+                        <p:cond delay="indefinite"/>
+                      </p:stCondLst>
+                      <p:childTnLst>
+                        <p:par>
+                          <p:cTn id="20" fill="hold">
+                            <p:stCondLst>
+                              <p:cond delay="0"/>
+                            </p:stCondLst>
+                            <p:childTnLst>
+                              <p:par>
+                                <p:cTn id="21" presetID="5" presetClass="entr" presetSubtype="10" fill="hold" nodeType="clickEffect">
+                                  <p:stCondLst>
+                                    <p:cond delay="0"/>
+                                  </p:stCondLst>
+                                  <p:childTnLst>
+                                    <p:set>
+                                      <p:cBhvr>
+                                        <p:cTn id="22" dur="1" fill="hold">
+                                          <p:stCondLst>
+                                            <p:cond delay="0"/>
+                                          </p:stCondLst>
+                                        </p:cTn>
+                                        <p:tgtEl>
+                                          <p:spTgt spid="12"/>
+                                        </p:tgtEl>
+                                        <p:attrNameLst>
+                                          <p:attrName>style.visibility</p:attrName>
+                                        </p:attrNameLst>
+                                      </p:cBhvr>
+                                      <p:to>
+                                        <p:strVal val="visible"/>
+                                      </p:to>
+                                    </p:set>
+                                    <p:animEffect transition="in" filter="checkerboard(across)">
+                                      <p:cBhvr>
+                                        <p:cTn id="23" dur="500"/>
+                                        <p:tgtEl>
+                                          <p:spTgt spid="12"/>
+                                        </p:tgtEl>
+                                      </p:cBhvr>
+                                    </p:animEffect>
+                                  </p:childTnLst>
+                                </p:cTn>
+                              </p:par>
+                              <p:par>
+                                <p:cTn id="24" presetID="5" presetClass="entr" presetSubtype="10" fill="hold" grpId="0" nodeType="withEffect">
+                                  <p:stCondLst>
+                                    <p:cond delay="0"/>
+                                  </p:stCondLst>
+                                  <p:childTnLst>
+                                    <p:set>
+                                      <p:cBhvr>
+                                        <p:cTn id="25" dur="1" fill="hold">
+                                          <p:stCondLst>
+                                            <p:cond delay="0"/>
+                                          </p:stCondLst>
+                                        </p:cTn>
+                                        <p:tgtEl>
+                                          <p:spTgt spid="13"/>
+                                        </p:tgtEl>
+                                        <p:attrNameLst>
+                                          <p:attrName>style.visibility</p:attrName>
+                                        </p:attrNameLst>
+                                      </p:cBhvr>
+                                      <p:to>
+                                        <p:strVal val="visible"/>
+                                      </p:to>
+                                    </p:set>
+                                    <p:animEffect transition="in" filter="checkerboard(across)">
+                                      <p:cBhvr>
+                                        <p:cTn id="26" dur="500"/>
+                                        <p:tgtEl>
+                                          <p:spTgt spid="13"/>
                                         </p:tgtEl>
                                       </p:cBhvr>
                                     </p:animEffect>
@@ -20011,8 +21346,9 @@
       </p:par>
     </p:tnLst>
     <p:bldLst>
-      <p:bldP spid="10" grpId="1" animBg="1"/>
       <p:bldP spid="11" grpId="0" animBg="1"/>
+      <p:bldP spid="9" grpId="0" animBg="1"/>
+      <p:bldP spid="13" grpId="0" animBg="1"/>
     </p:bldLst>
   </p:timing>
 </p:sld>
@@ -20062,6 +21398,48 @@
               <a:t>PROJECT PREPARATION</a:t>
             </a:r>
             <a:endParaRPr lang="fr-FR" sz="5500" b="1" dirty="0"/>
+          </a:p>
+        </p:txBody>
+      </p:sp>
+      <p:sp>
+        <p:nvSpPr>
+          <p:cNvPr id="4" name="Organigramme : Délai 3" descr="1"/>
+          <p:cNvSpPr/>
+          <p:nvPr/>
+        </p:nvSpPr>
+        <p:spPr>
+          <a:xfrm>
+            <a:off x="0" y="6237312"/>
+            <a:ext cx="539552" cy="620688"/>
+          </a:xfrm>
+          <a:prstGeom prst="flowChartDelay">
+            <a:avLst/>
+          </a:prstGeom>
+        </p:spPr>
+        <p:style>
+          <a:lnRef idx="0">
+            <a:schemeClr val="accent1"/>
+          </a:lnRef>
+          <a:fillRef idx="3">
+            <a:schemeClr val="accent1"/>
+          </a:fillRef>
+          <a:effectRef idx="3">
+            <a:schemeClr val="accent1"/>
+          </a:effectRef>
+          <a:fontRef idx="minor">
+            <a:schemeClr val="lt1"/>
+          </a:fontRef>
+        </p:style>
+        <p:txBody>
+          <a:bodyPr rtlCol="0" anchor="ctr"/>
+          <a:lstStyle/>
+          <a:p>
+            <a:pPr algn="ctr"/>
+            <a:r>
+              <a:rPr lang="fr-FR" b="1" dirty="0" smtClean="0"/>
+              <a:t>7</a:t>
+            </a:r>
+            <a:endParaRPr lang="fr-FR" b="1" dirty="0"/>
           </a:p>
         </p:txBody>
       </p:sp>
@@ -20367,6 +21745,48 @@
                 <a:schemeClr val="bg1"/>
               </a:solidFill>
             </a:endParaRPr>
+          </a:p>
+        </p:txBody>
+      </p:sp>
+      <p:sp>
+        <p:nvSpPr>
+          <p:cNvPr id="9" name="Organigramme : Délai 8" descr="1"/>
+          <p:cNvSpPr/>
+          <p:nvPr/>
+        </p:nvSpPr>
+        <p:spPr>
+          <a:xfrm>
+            <a:off x="0" y="6237312"/>
+            <a:ext cx="539552" cy="620688"/>
+          </a:xfrm>
+          <a:prstGeom prst="flowChartDelay">
+            <a:avLst/>
+          </a:prstGeom>
+        </p:spPr>
+        <p:style>
+          <a:lnRef idx="0">
+            <a:schemeClr val="accent1"/>
+          </a:lnRef>
+          <a:fillRef idx="3">
+            <a:schemeClr val="accent1"/>
+          </a:fillRef>
+          <a:effectRef idx="3">
+            <a:schemeClr val="accent1"/>
+          </a:effectRef>
+          <a:fontRef idx="minor">
+            <a:schemeClr val="lt1"/>
+          </a:fontRef>
+        </p:style>
+        <p:txBody>
+          <a:bodyPr rtlCol="0" anchor="ctr"/>
+          <a:lstStyle/>
+          <a:p>
+            <a:pPr algn="ctr"/>
+            <a:r>
+              <a:rPr lang="fr-FR" b="1" dirty="0" smtClean="0"/>
+              <a:t>8</a:t>
+            </a:r>
+            <a:endParaRPr lang="fr-FR" b="1" dirty="0"/>
           </a:p>
         </p:txBody>
       </p:sp>
@@ -20823,7 +22243,7 @@
         </p:nvSpPr>
         <p:spPr>
           <a:xfrm>
-            <a:off x="467544" y="3573016"/>
+            <a:off x="467544" y="3501008"/>
             <a:ext cx="4355976" cy="864096"/>
           </a:xfrm>
           <a:prstGeom prst="homePlate">
@@ -20935,7 +22355,7 @@
         </p:blipFill>
         <p:spPr bwMode="auto">
           <a:xfrm>
-            <a:off x="5436096" y="3501008"/>
+            <a:off x="5436096" y="3429000"/>
             <a:ext cx="1008112" cy="1008112"/>
           </a:xfrm>
           <a:prstGeom prst="rect">
@@ -20952,7 +22372,7 @@
         </p:nvSpPr>
         <p:spPr>
           <a:xfrm>
-            <a:off x="467544" y="5157192"/>
+            <a:off x="467544" y="5013176"/>
             <a:ext cx="4355976" cy="864096"/>
           </a:xfrm>
           <a:prstGeom prst="homePlate">
@@ -21040,7 +22460,7 @@
         </p:blipFill>
         <p:spPr bwMode="auto">
           <a:xfrm>
-            <a:off x="5436096" y="5157192"/>
+            <a:off x="5436096" y="5013176"/>
             <a:ext cx="1080120" cy="1080120"/>
           </a:xfrm>
           <a:prstGeom prst="rect">
@@ -21066,7 +22486,7 @@
         </p:blipFill>
         <p:spPr bwMode="auto">
           <a:xfrm>
-            <a:off x="7596336" y="5085184"/>
+            <a:off x="7596336" y="4941168"/>
             <a:ext cx="1224136" cy="1224136"/>
           </a:xfrm>
           <a:prstGeom prst="rect">
@@ -21083,7 +22503,7 @@
         </p:nvSpPr>
         <p:spPr>
           <a:xfrm>
-            <a:off x="6804248" y="5301208"/>
+            <a:off x="6804248" y="5157192"/>
             <a:ext cx="648072" cy="720080"/>
           </a:xfrm>
           <a:prstGeom prst="mathPlus">
@@ -21142,7 +22562,7 @@
         </p:nvSpPr>
         <p:spPr>
           <a:xfrm>
-            <a:off x="6732240" y="3645024"/>
+            <a:off x="6732240" y="3573016"/>
             <a:ext cx="648072" cy="720080"/>
           </a:xfrm>
           <a:prstGeom prst="mathPlus">
@@ -21210,7 +22630,7 @@
         </p:blipFill>
         <p:spPr bwMode="auto">
           <a:xfrm>
-            <a:off x="7668344" y="3501008"/>
+            <a:off x="7668344" y="3429000"/>
             <a:ext cx="1080120" cy="1080120"/>
           </a:xfrm>
           <a:prstGeom prst="rect">
@@ -21219,6 +22639,48 @@
           <a:noFill/>
         </p:spPr>
       </p:pic>
+      <p:sp>
+        <p:nvSpPr>
+          <p:cNvPr id="16" name="Organigramme : Délai 15" descr="1"/>
+          <p:cNvSpPr/>
+          <p:nvPr/>
+        </p:nvSpPr>
+        <p:spPr>
+          <a:xfrm>
+            <a:off x="0" y="6237312"/>
+            <a:ext cx="539552" cy="620688"/>
+          </a:xfrm>
+          <a:prstGeom prst="flowChartDelay">
+            <a:avLst/>
+          </a:prstGeom>
+        </p:spPr>
+        <p:style>
+          <a:lnRef idx="0">
+            <a:schemeClr val="accent1"/>
+          </a:lnRef>
+          <a:fillRef idx="3">
+            <a:schemeClr val="accent1"/>
+          </a:fillRef>
+          <a:effectRef idx="3">
+            <a:schemeClr val="accent1"/>
+          </a:effectRef>
+          <a:fontRef idx="minor">
+            <a:schemeClr val="lt1"/>
+          </a:fontRef>
+        </p:style>
+        <p:txBody>
+          <a:bodyPr rtlCol="0" anchor="ctr"/>
+          <a:lstStyle/>
+          <a:p>
+            <a:pPr algn="ctr"/>
+            <a:r>
+              <a:rPr lang="fr-FR" b="1" dirty="0" smtClean="0"/>
+              <a:t>9</a:t>
+            </a:r>
+            <a:endParaRPr lang="fr-FR" b="1" dirty="0"/>
+          </a:p>
+        </p:txBody>
+      </p:sp>
     </p:spTree>
   </p:cSld>
   <p:clrMapOvr>
